--- a/Capstone 3/Capstone 3 Presentation.pptx
+++ b/Capstone 3/Capstone 3 Presentation.pptx
@@ -2,10 +2,18 @@
 <file path=ppt/presentation.xml><?xml version="1.0" encoding="utf-8"?>
 <p:presentation xmlns:a="http://schemas.openxmlformats.org/drawingml/2006/main" xmlns:r="http://schemas.openxmlformats.org/officeDocument/2006/relationships" xmlns:p="http://schemas.openxmlformats.org/presentationml/2006/main" saveSubsetFonts="1" autoCompressPictures="0">
   <p:sldMasterIdLst>
-    <p:sldMasterId id="2147483648" r:id="rId1"/>
+    <p:sldMasterId id="2147483660" r:id="rId1"/>
   </p:sldMasterIdLst>
   <p:sldIdLst>
     <p:sldId id="256" r:id="rId2"/>
+    <p:sldId id="258" r:id="rId3"/>
+    <p:sldId id="257" r:id="rId4"/>
+    <p:sldId id="264" r:id="rId5"/>
+    <p:sldId id="265" r:id="rId6"/>
+    <p:sldId id="261" r:id="rId7"/>
+    <p:sldId id="262" r:id="rId8"/>
+    <p:sldId id="263" r:id="rId9"/>
+    <p:sldId id="266" r:id="rId10"/>
   </p:sldIdLst>
   <p:sldSz cx="12192000" cy="6858000"/>
   <p:notesSz cx="6858000" cy="9144000"/>
@@ -104,7 +112,2453 @@
       </a:defRPr>
     </a:lvl9pPr>
   </p:defaultTextStyle>
+  <p:extLst>
+    <p:ext uri="{EFAFB233-063F-42B5-8137-9DF3F51BA10A}">
+      <p15:sldGuideLst xmlns:p15="http://schemas.microsoft.com/office/powerpoint/2012/main"/>
+    </p:ext>
+  </p:extLst>
 </p:presentation>
+</file>
+
+<file path=ppt/diagrams/colors1.xml><?xml version="1.0" encoding="utf-8"?>
+<dgm:colorsDef xmlns:dgm="http://schemas.openxmlformats.org/drawingml/2006/diagram" xmlns:a="http://schemas.openxmlformats.org/drawingml/2006/main" uniqueId="urn:microsoft.com/office/officeart/2005/8/colors/accent1_2">
+  <dgm:title val=""/>
+  <dgm:desc val=""/>
+  <dgm:catLst>
+    <dgm:cat type="accent1" pri="11200"/>
+  </dgm:catLst>
+  <dgm:styleLbl name="node0">
+    <dgm:fillClrLst meth="repeat">
+      <a:schemeClr val="accent1"/>
+    </dgm:fillClrLst>
+    <dgm:linClrLst meth="repeat">
+      <a:schemeClr val="lt1"/>
+    </dgm:linClrLst>
+    <dgm:effectClrLst/>
+    <dgm:txLinClrLst/>
+    <dgm:txFillClrLst/>
+    <dgm:txEffectClrLst/>
+  </dgm:styleLbl>
+  <dgm:styleLbl name="alignNode1">
+    <dgm:fillClrLst meth="repeat">
+      <a:schemeClr val="accent1"/>
+    </dgm:fillClrLst>
+    <dgm:linClrLst meth="repeat">
+      <a:schemeClr val="accent1"/>
+    </dgm:linClrLst>
+    <dgm:effectClrLst/>
+    <dgm:txLinClrLst/>
+    <dgm:txFillClrLst/>
+    <dgm:txEffectClrLst/>
+  </dgm:styleLbl>
+  <dgm:styleLbl name="node1">
+    <dgm:fillClrLst meth="repeat">
+      <a:schemeClr val="accent1"/>
+    </dgm:fillClrLst>
+    <dgm:linClrLst meth="repeat">
+      <a:schemeClr val="lt1"/>
+    </dgm:linClrLst>
+    <dgm:effectClrLst/>
+    <dgm:txLinClrLst/>
+    <dgm:txFillClrLst/>
+    <dgm:txEffectClrLst/>
+  </dgm:styleLbl>
+  <dgm:styleLbl name="lnNode1">
+    <dgm:fillClrLst meth="repeat">
+      <a:schemeClr val="accent1"/>
+    </dgm:fillClrLst>
+    <dgm:linClrLst meth="repeat">
+      <a:schemeClr val="lt1"/>
+    </dgm:linClrLst>
+    <dgm:effectClrLst/>
+    <dgm:txLinClrLst/>
+    <dgm:txFillClrLst/>
+    <dgm:txEffectClrLst/>
+  </dgm:styleLbl>
+  <dgm:styleLbl name="vennNode1">
+    <dgm:fillClrLst meth="repeat">
+      <a:schemeClr val="accent1">
+        <a:alpha val="50000"/>
+      </a:schemeClr>
+    </dgm:fillClrLst>
+    <dgm:linClrLst meth="repeat">
+      <a:schemeClr val="lt1"/>
+    </dgm:linClrLst>
+    <dgm:effectClrLst/>
+    <dgm:txLinClrLst/>
+    <dgm:txFillClrLst/>
+    <dgm:txEffectClrLst/>
+  </dgm:styleLbl>
+  <dgm:styleLbl name="node2">
+    <dgm:fillClrLst meth="repeat">
+      <a:schemeClr val="accent1"/>
+    </dgm:fillClrLst>
+    <dgm:linClrLst meth="repeat">
+      <a:schemeClr val="lt1"/>
+    </dgm:linClrLst>
+    <dgm:effectClrLst/>
+    <dgm:txLinClrLst/>
+    <dgm:txFillClrLst/>
+    <dgm:txEffectClrLst/>
+  </dgm:styleLbl>
+  <dgm:styleLbl name="node3">
+    <dgm:fillClrLst meth="repeat">
+      <a:schemeClr val="accent1"/>
+    </dgm:fillClrLst>
+    <dgm:linClrLst meth="repeat">
+      <a:schemeClr val="lt1"/>
+    </dgm:linClrLst>
+    <dgm:effectClrLst/>
+    <dgm:txLinClrLst/>
+    <dgm:txFillClrLst/>
+    <dgm:txEffectClrLst/>
+  </dgm:styleLbl>
+  <dgm:styleLbl name="node4">
+    <dgm:fillClrLst meth="repeat">
+      <a:schemeClr val="accent1"/>
+    </dgm:fillClrLst>
+    <dgm:linClrLst meth="repeat">
+      <a:schemeClr val="lt1"/>
+    </dgm:linClrLst>
+    <dgm:effectClrLst/>
+    <dgm:txLinClrLst/>
+    <dgm:txFillClrLst/>
+    <dgm:txEffectClrLst/>
+  </dgm:styleLbl>
+  <dgm:styleLbl name="fgImgPlace1">
+    <dgm:fillClrLst meth="repeat">
+      <a:schemeClr val="accent1">
+        <a:tint val="50000"/>
+      </a:schemeClr>
+    </dgm:fillClrLst>
+    <dgm:linClrLst meth="repeat">
+      <a:schemeClr val="lt1"/>
+    </dgm:linClrLst>
+    <dgm:effectClrLst/>
+    <dgm:txLinClrLst/>
+    <dgm:txFillClrLst meth="repeat">
+      <a:schemeClr val="lt1"/>
+    </dgm:txFillClrLst>
+    <dgm:txEffectClrLst/>
+  </dgm:styleLbl>
+  <dgm:styleLbl name="alignImgPlace1">
+    <dgm:fillClrLst meth="repeat">
+      <a:schemeClr val="accent1">
+        <a:tint val="50000"/>
+      </a:schemeClr>
+    </dgm:fillClrLst>
+    <dgm:linClrLst meth="repeat">
+      <a:schemeClr val="lt1"/>
+    </dgm:linClrLst>
+    <dgm:effectClrLst/>
+    <dgm:txLinClrLst/>
+    <dgm:txFillClrLst meth="repeat">
+      <a:schemeClr val="lt1"/>
+    </dgm:txFillClrLst>
+    <dgm:txEffectClrLst/>
+  </dgm:styleLbl>
+  <dgm:styleLbl name="bgImgPlace1">
+    <dgm:fillClrLst meth="repeat">
+      <a:schemeClr val="accent1">
+        <a:tint val="50000"/>
+      </a:schemeClr>
+    </dgm:fillClrLst>
+    <dgm:linClrLst meth="repeat">
+      <a:schemeClr val="lt1"/>
+    </dgm:linClrLst>
+    <dgm:effectClrLst/>
+    <dgm:txLinClrLst/>
+    <dgm:txFillClrLst meth="repeat">
+      <a:schemeClr val="lt1"/>
+    </dgm:txFillClrLst>
+    <dgm:txEffectClrLst/>
+  </dgm:styleLbl>
+  <dgm:styleLbl name="sibTrans2D1">
+    <dgm:fillClrLst meth="repeat">
+      <a:schemeClr val="accent1">
+        <a:tint val="60000"/>
+      </a:schemeClr>
+    </dgm:fillClrLst>
+    <dgm:linClrLst meth="repeat">
+      <a:schemeClr val="accent1">
+        <a:tint val="60000"/>
+      </a:schemeClr>
+    </dgm:linClrLst>
+    <dgm:effectClrLst/>
+    <dgm:txLinClrLst/>
+    <dgm:txFillClrLst/>
+    <dgm:txEffectClrLst/>
+  </dgm:styleLbl>
+  <dgm:styleLbl name="fgSibTrans2D1">
+    <dgm:fillClrLst meth="repeat">
+      <a:schemeClr val="accent1">
+        <a:tint val="60000"/>
+      </a:schemeClr>
+    </dgm:fillClrLst>
+    <dgm:linClrLst meth="repeat">
+      <a:schemeClr val="accent1">
+        <a:tint val="60000"/>
+      </a:schemeClr>
+    </dgm:linClrLst>
+    <dgm:effectClrLst/>
+    <dgm:txLinClrLst/>
+    <dgm:txFillClrLst/>
+    <dgm:txEffectClrLst/>
+  </dgm:styleLbl>
+  <dgm:styleLbl name="bgSibTrans2D1">
+    <dgm:fillClrLst meth="repeat">
+      <a:schemeClr val="accent1">
+        <a:tint val="60000"/>
+      </a:schemeClr>
+    </dgm:fillClrLst>
+    <dgm:linClrLst meth="repeat">
+      <a:schemeClr val="accent1">
+        <a:tint val="60000"/>
+      </a:schemeClr>
+    </dgm:linClrLst>
+    <dgm:effectClrLst/>
+    <dgm:txLinClrLst/>
+    <dgm:txFillClrLst/>
+    <dgm:txEffectClrLst/>
+  </dgm:styleLbl>
+  <dgm:styleLbl name="sibTrans1D1">
+    <dgm:fillClrLst meth="repeat">
+      <a:schemeClr val="accent1"/>
+    </dgm:fillClrLst>
+    <dgm:linClrLst meth="repeat">
+      <a:schemeClr val="accent1"/>
+    </dgm:linClrLst>
+    <dgm:effectClrLst/>
+    <dgm:txLinClrLst/>
+    <dgm:txFillClrLst meth="repeat">
+      <a:schemeClr val="tx1"/>
+    </dgm:txFillClrLst>
+    <dgm:txEffectClrLst/>
+  </dgm:styleLbl>
+  <dgm:styleLbl name="callout">
+    <dgm:fillClrLst meth="repeat">
+      <a:schemeClr val="accent1"/>
+    </dgm:fillClrLst>
+    <dgm:linClrLst meth="repeat">
+      <a:schemeClr val="accent1">
+        <a:tint val="50000"/>
+      </a:schemeClr>
+    </dgm:linClrLst>
+    <dgm:effectClrLst/>
+    <dgm:txLinClrLst/>
+    <dgm:txFillClrLst meth="repeat">
+      <a:schemeClr val="tx1"/>
+    </dgm:txFillClrLst>
+    <dgm:txEffectClrLst/>
+  </dgm:styleLbl>
+  <dgm:styleLbl name="asst0">
+    <dgm:fillClrLst meth="repeat">
+      <a:schemeClr val="accent1"/>
+    </dgm:fillClrLst>
+    <dgm:linClrLst meth="repeat">
+      <a:schemeClr val="lt1"/>
+    </dgm:linClrLst>
+    <dgm:effectClrLst/>
+    <dgm:txLinClrLst/>
+    <dgm:txFillClrLst/>
+    <dgm:txEffectClrLst/>
+  </dgm:styleLbl>
+  <dgm:styleLbl name="asst1">
+    <dgm:fillClrLst meth="repeat">
+      <a:schemeClr val="accent1"/>
+    </dgm:fillClrLst>
+    <dgm:linClrLst meth="repeat">
+      <a:schemeClr val="lt1"/>
+    </dgm:linClrLst>
+    <dgm:effectClrLst/>
+    <dgm:txLinClrLst/>
+    <dgm:txFillClrLst/>
+    <dgm:txEffectClrLst/>
+  </dgm:styleLbl>
+  <dgm:styleLbl name="asst2">
+    <dgm:fillClrLst meth="repeat">
+      <a:schemeClr val="accent1"/>
+    </dgm:fillClrLst>
+    <dgm:linClrLst meth="repeat">
+      <a:schemeClr val="lt1"/>
+    </dgm:linClrLst>
+    <dgm:effectClrLst/>
+    <dgm:txLinClrLst/>
+    <dgm:txFillClrLst/>
+    <dgm:txEffectClrLst/>
+  </dgm:styleLbl>
+  <dgm:styleLbl name="asst3">
+    <dgm:fillClrLst meth="repeat">
+      <a:schemeClr val="accent1"/>
+    </dgm:fillClrLst>
+    <dgm:linClrLst meth="repeat">
+      <a:schemeClr val="lt1"/>
+    </dgm:linClrLst>
+    <dgm:effectClrLst/>
+    <dgm:txLinClrLst/>
+    <dgm:txFillClrLst/>
+    <dgm:txEffectClrLst/>
+  </dgm:styleLbl>
+  <dgm:styleLbl name="asst4">
+    <dgm:fillClrLst meth="repeat">
+      <a:schemeClr val="accent1"/>
+    </dgm:fillClrLst>
+    <dgm:linClrLst meth="repeat">
+      <a:schemeClr val="lt1"/>
+    </dgm:linClrLst>
+    <dgm:effectClrLst/>
+    <dgm:txLinClrLst/>
+    <dgm:txFillClrLst/>
+    <dgm:txEffectClrLst/>
+  </dgm:styleLbl>
+  <dgm:styleLbl name="parChTrans2D1">
+    <dgm:fillClrLst meth="repeat">
+      <a:schemeClr val="accent1">
+        <a:tint val="60000"/>
+      </a:schemeClr>
+    </dgm:fillClrLst>
+    <dgm:linClrLst meth="repeat">
+      <a:schemeClr val="accent1">
+        <a:tint val="60000"/>
+      </a:schemeClr>
+    </dgm:linClrLst>
+    <dgm:effectClrLst/>
+    <dgm:txLinClrLst/>
+    <dgm:txFillClrLst meth="repeat">
+      <a:schemeClr val="lt1"/>
+    </dgm:txFillClrLst>
+    <dgm:txEffectClrLst/>
+  </dgm:styleLbl>
+  <dgm:styleLbl name="parChTrans2D2">
+    <dgm:fillClrLst meth="repeat">
+      <a:schemeClr val="accent1"/>
+    </dgm:fillClrLst>
+    <dgm:linClrLst meth="repeat">
+      <a:schemeClr val="accent1"/>
+    </dgm:linClrLst>
+    <dgm:effectClrLst/>
+    <dgm:txLinClrLst/>
+    <dgm:txFillClrLst meth="repeat">
+      <a:schemeClr val="lt1"/>
+    </dgm:txFillClrLst>
+    <dgm:txEffectClrLst/>
+  </dgm:styleLbl>
+  <dgm:styleLbl name="parChTrans2D3">
+    <dgm:fillClrLst meth="repeat">
+      <a:schemeClr val="accent1"/>
+    </dgm:fillClrLst>
+    <dgm:linClrLst meth="repeat">
+      <a:schemeClr val="accent1"/>
+    </dgm:linClrLst>
+    <dgm:effectClrLst/>
+    <dgm:txLinClrLst/>
+    <dgm:txFillClrLst meth="repeat">
+      <a:schemeClr val="lt1"/>
+    </dgm:txFillClrLst>
+    <dgm:txEffectClrLst/>
+  </dgm:styleLbl>
+  <dgm:styleLbl name="parChTrans2D4">
+    <dgm:fillClrLst meth="repeat">
+      <a:schemeClr val="accent1"/>
+    </dgm:fillClrLst>
+    <dgm:linClrLst meth="repeat">
+      <a:schemeClr val="accent1"/>
+    </dgm:linClrLst>
+    <dgm:effectClrLst/>
+    <dgm:txLinClrLst/>
+    <dgm:txFillClrLst meth="repeat">
+      <a:schemeClr val="lt1"/>
+    </dgm:txFillClrLst>
+    <dgm:txEffectClrLst/>
+  </dgm:styleLbl>
+  <dgm:styleLbl name="parChTrans1D1">
+    <dgm:fillClrLst meth="repeat">
+      <a:schemeClr val="accent1"/>
+    </dgm:fillClrLst>
+    <dgm:linClrLst meth="repeat">
+      <a:schemeClr val="accent1">
+        <a:shade val="60000"/>
+      </a:schemeClr>
+    </dgm:linClrLst>
+    <dgm:effectClrLst/>
+    <dgm:txLinClrLst/>
+    <dgm:txFillClrLst meth="repeat">
+      <a:schemeClr val="tx1"/>
+    </dgm:txFillClrLst>
+    <dgm:txEffectClrLst/>
+  </dgm:styleLbl>
+  <dgm:styleLbl name="parChTrans1D2">
+    <dgm:fillClrLst meth="repeat">
+      <a:schemeClr val="accent1"/>
+    </dgm:fillClrLst>
+    <dgm:linClrLst meth="repeat">
+      <a:schemeClr val="accent1">
+        <a:shade val="60000"/>
+      </a:schemeClr>
+    </dgm:linClrLst>
+    <dgm:effectClrLst/>
+    <dgm:txLinClrLst/>
+    <dgm:txFillClrLst meth="repeat">
+      <a:schemeClr val="tx1"/>
+    </dgm:txFillClrLst>
+    <dgm:txEffectClrLst/>
+  </dgm:styleLbl>
+  <dgm:styleLbl name="parChTrans1D3">
+    <dgm:fillClrLst meth="repeat">
+      <a:schemeClr val="accent1"/>
+    </dgm:fillClrLst>
+    <dgm:linClrLst meth="repeat">
+      <a:schemeClr val="accent1">
+        <a:shade val="80000"/>
+      </a:schemeClr>
+    </dgm:linClrLst>
+    <dgm:effectClrLst/>
+    <dgm:txLinClrLst/>
+    <dgm:txFillClrLst meth="repeat">
+      <a:schemeClr val="tx1"/>
+    </dgm:txFillClrLst>
+    <dgm:txEffectClrLst/>
+  </dgm:styleLbl>
+  <dgm:styleLbl name="parChTrans1D4">
+    <dgm:fillClrLst meth="repeat">
+      <a:schemeClr val="accent1"/>
+    </dgm:fillClrLst>
+    <dgm:linClrLst meth="repeat">
+      <a:schemeClr val="accent1">
+        <a:shade val="80000"/>
+      </a:schemeClr>
+    </dgm:linClrLst>
+    <dgm:effectClrLst/>
+    <dgm:txLinClrLst/>
+    <dgm:txFillClrLst meth="repeat">
+      <a:schemeClr val="tx1"/>
+    </dgm:txFillClrLst>
+    <dgm:txEffectClrLst/>
+  </dgm:styleLbl>
+  <dgm:styleLbl name="fgAcc1">
+    <dgm:fillClrLst meth="repeat">
+      <a:schemeClr val="lt1">
+        <a:alpha val="90000"/>
+      </a:schemeClr>
+    </dgm:fillClrLst>
+    <dgm:linClrLst meth="repeat">
+      <a:schemeClr val="accent1"/>
+    </dgm:linClrLst>
+    <dgm:effectClrLst/>
+    <dgm:txLinClrLst/>
+    <dgm:txFillClrLst meth="repeat">
+      <a:schemeClr val="dk1"/>
+    </dgm:txFillClrLst>
+    <dgm:txEffectClrLst/>
+  </dgm:styleLbl>
+  <dgm:styleLbl name="conFgAcc1">
+    <dgm:fillClrLst meth="repeat">
+      <a:schemeClr val="lt1">
+        <a:alpha val="90000"/>
+      </a:schemeClr>
+    </dgm:fillClrLst>
+    <dgm:linClrLst meth="repeat">
+      <a:schemeClr val="accent1"/>
+    </dgm:linClrLst>
+    <dgm:effectClrLst/>
+    <dgm:txLinClrLst/>
+    <dgm:txFillClrLst meth="repeat">
+      <a:schemeClr val="dk1"/>
+    </dgm:txFillClrLst>
+    <dgm:txEffectClrLst/>
+  </dgm:styleLbl>
+  <dgm:styleLbl name="alignAcc1">
+    <dgm:fillClrLst meth="repeat">
+      <a:schemeClr val="lt1">
+        <a:alpha val="90000"/>
+      </a:schemeClr>
+    </dgm:fillClrLst>
+    <dgm:linClrLst meth="repeat">
+      <a:schemeClr val="accent1"/>
+    </dgm:linClrLst>
+    <dgm:effectClrLst/>
+    <dgm:txLinClrLst/>
+    <dgm:txFillClrLst meth="repeat">
+      <a:schemeClr val="dk1"/>
+    </dgm:txFillClrLst>
+    <dgm:txEffectClrLst/>
+  </dgm:styleLbl>
+  <dgm:styleLbl name="trAlignAcc1">
+    <dgm:fillClrLst meth="repeat">
+      <a:schemeClr val="lt1">
+        <a:alpha val="40000"/>
+      </a:schemeClr>
+    </dgm:fillClrLst>
+    <dgm:linClrLst meth="repeat">
+      <a:schemeClr val="accent1"/>
+    </dgm:linClrLst>
+    <dgm:effectClrLst/>
+    <dgm:txLinClrLst/>
+    <dgm:txFillClrLst meth="repeat">
+      <a:schemeClr val="dk1"/>
+    </dgm:txFillClrLst>
+    <dgm:txEffectClrLst/>
+  </dgm:styleLbl>
+  <dgm:styleLbl name="bgAcc1">
+    <dgm:fillClrLst meth="repeat">
+      <a:schemeClr val="lt1">
+        <a:alpha val="90000"/>
+      </a:schemeClr>
+    </dgm:fillClrLst>
+    <dgm:linClrLst meth="repeat">
+      <a:schemeClr val="accent1"/>
+    </dgm:linClrLst>
+    <dgm:effectClrLst/>
+    <dgm:txLinClrLst/>
+    <dgm:txFillClrLst meth="repeat">
+      <a:schemeClr val="dk1"/>
+    </dgm:txFillClrLst>
+    <dgm:txEffectClrLst/>
+  </dgm:styleLbl>
+  <dgm:styleLbl name="solidFgAcc1">
+    <dgm:fillClrLst meth="repeat">
+      <a:schemeClr val="lt1"/>
+    </dgm:fillClrLst>
+    <dgm:linClrLst meth="repeat">
+      <a:schemeClr val="accent1"/>
+    </dgm:linClrLst>
+    <dgm:effectClrLst/>
+    <dgm:txLinClrLst/>
+    <dgm:txFillClrLst meth="repeat">
+      <a:schemeClr val="dk1"/>
+    </dgm:txFillClrLst>
+    <dgm:txEffectClrLst/>
+  </dgm:styleLbl>
+  <dgm:styleLbl name="solidAlignAcc1">
+    <dgm:fillClrLst meth="repeat">
+      <a:schemeClr val="lt1"/>
+    </dgm:fillClrLst>
+    <dgm:linClrLst meth="repeat">
+      <a:schemeClr val="accent1"/>
+    </dgm:linClrLst>
+    <dgm:effectClrLst/>
+    <dgm:txLinClrLst/>
+    <dgm:txFillClrLst meth="repeat">
+      <a:schemeClr val="dk1"/>
+    </dgm:txFillClrLst>
+    <dgm:txEffectClrLst/>
+  </dgm:styleLbl>
+  <dgm:styleLbl name="solidBgAcc1">
+    <dgm:fillClrLst meth="repeat">
+      <a:schemeClr val="lt1"/>
+    </dgm:fillClrLst>
+    <dgm:linClrLst meth="repeat">
+      <a:schemeClr val="accent1"/>
+    </dgm:linClrLst>
+    <dgm:effectClrLst/>
+    <dgm:txLinClrLst/>
+    <dgm:txFillClrLst meth="repeat">
+      <a:schemeClr val="dk1"/>
+    </dgm:txFillClrLst>
+    <dgm:txEffectClrLst/>
+  </dgm:styleLbl>
+  <dgm:styleLbl name="fgAccFollowNode1">
+    <dgm:fillClrLst meth="repeat">
+      <a:schemeClr val="accent1">
+        <a:alpha val="90000"/>
+        <a:tint val="40000"/>
+      </a:schemeClr>
+    </dgm:fillClrLst>
+    <dgm:linClrLst meth="repeat">
+      <a:schemeClr val="accent1">
+        <a:alpha val="90000"/>
+        <a:tint val="40000"/>
+      </a:schemeClr>
+    </dgm:linClrLst>
+    <dgm:effectClrLst/>
+    <dgm:txLinClrLst/>
+    <dgm:txFillClrLst meth="repeat">
+      <a:schemeClr val="dk1"/>
+    </dgm:txFillClrLst>
+    <dgm:txEffectClrLst/>
+  </dgm:styleLbl>
+  <dgm:styleLbl name="alignAccFollowNode1">
+    <dgm:fillClrLst meth="repeat">
+      <a:schemeClr val="accent1">
+        <a:alpha val="90000"/>
+        <a:tint val="40000"/>
+      </a:schemeClr>
+    </dgm:fillClrLst>
+    <dgm:linClrLst meth="repeat">
+      <a:schemeClr val="accent1">
+        <a:alpha val="90000"/>
+        <a:tint val="40000"/>
+      </a:schemeClr>
+    </dgm:linClrLst>
+    <dgm:effectClrLst/>
+    <dgm:txLinClrLst/>
+    <dgm:txFillClrLst meth="repeat">
+      <a:schemeClr val="dk1"/>
+    </dgm:txFillClrLst>
+    <dgm:txEffectClrLst/>
+  </dgm:styleLbl>
+  <dgm:styleLbl name="bgAccFollowNode1">
+    <dgm:fillClrLst meth="repeat">
+      <a:schemeClr val="accent1">
+        <a:alpha val="90000"/>
+        <a:tint val="40000"/>
+      </a:schemeClr>
+    </dgm:fillClrLst>
+    <dgm:linClrLst meth="repeat">
+      <a:schemeClr val="accent1">
+        <a:alpha val="90000"/>
+        <a:tint val="40000"/>
+      </a:schemeClr>
+    </dgm:linClrLst>
+    <dgm:effectClrLst/>
+    <dgm:txLinClrLst/>
+    <dgm:txFillClrLst meth="repeat">
+      <a:schemeClr val="dk1"/>
+    </dgm:txFillClrLst>
+    <dgm:txEffectClrLst/>
+  </dgm:styleLbl>
+  <dgm:styleLbl name="fgAcc0">
+    <dgm:fillClrLst meth="repeat">
+      <a:schemeClr val="lt1">
+        <a:alpha val="90000"/>
+      </a:schemeClr>
+    </dgm:fillClrLst>
+    <dgm:linClrLst meth="repeat">
+      <a:schemeClr val="accent1"/>
+    </dgm:linClrLst>
+    <dgm:effectClrLst/>
+    <dgm:txLinClrLst/>
+    <dgm:txFillClrLst meth="repeat">
+      <a:schemeClr val="dk1"/>
+    </dgm:txFillClrLst>
+    <dgm:txEffectClrLst/>
+  </dgm:styleLbl>
+  <dgm:styleLbl name="fgAcc2">
+    <dgm:fillClrLst meth="repeat">
+      <a:schemeClr val="lt1">
+        <a:alpha val="90000"/>
+      </a:schemeClr>
+    </dgm:fillClrLst>
+    <dgm:linClrLst meth="repeat">
+      <a:schemeClr val="accent1"/>
+    </dgm:linClrLst>
+    <dgm:effectClrLst/>
+    <dgm:txLinClrLst/>
+    <dgm:txFillClrLst meth="repeat">
+      <a:schemeClr val="dk1"/>
+    </dgm:txFillClrLst>
+    <dgm:txEffectClrLst/>
+  </dgm:styleLbl>
+  <dgm:styleLbl name="fgAcc3">
+    <dgm:fillClrLst meth="repeat">
+      <a:schemeClr val="lt1">
+        <a:alpha val="90000"/>
+      </a:schemeClr>
+    </dgm:fillClrLst>
+    <dgm:linClrLst meth="repeat">
+      <a:schemeClr val="accent1"/>
+    </dgm:linClrLst>
+    <dgm:effectClrLst/>
+    <dgm:txLinClrLst/>
+    <dgm:txFillClrLst meth="repeat">
+      <a:schemeClr val="dk1"/>
+    </dgm:txFillClrLst>
+    <dgm:txEffectClrLst/>
+  </dgm:styleLbl>
+  <dgm:styleLbl name="fgAcc4">
+    <dgm:fillClrLst meth="repeat">
+      <a:schemeClr val="lt1">
+        <a:alpha val="90000"/>
+      </a:schemeClr>
+    </dgm:fillClrLst>
+    <dgm:linClrLst meth="repeat">
+      <a:schemeClr val="accent1"/>
+    </dgm:linClrLst>
+    <dgm:effectClrLst/>
+    <dgm:txLinClrLst/>
+    <dgm:txFillClrLst meth="repeat">
+      <a:schemeClr val="dk1"/>
+    </dgm:txFillClrLst>
+    <dgm:txEffectClrLst/>
+  </dgm:styleLbl>
+  <dgm:styleLbl name="bgShp">
+    <dgm:fillClrLst meth="repeat">
+      <a:schemeClr val="accent1">
+        <a:tint val="40000"/>
+      </a:schemeClr>
+    </dgm:fillClrLst>
+    <dgm:linClrLst meth="repeat">
+      <a:schemeClr val="accent1"/>
+    </dgm:linClrLst>
+    <dgm:effectClrLst/>
+    <dgm:txLinClrLst/>
+    <dgm:txFillClrLst meth="repeat">
+      <a:schemeClr val="dk1"/>
+    </dgm:txFillClrLst>
+    <dgm:txEffectClrLst/>
+  </dgm:styleLbl>
+  <dgm:styleLbl name="dkBgShp">
+    <dgm:fillClrLst meth="repeat">
+      <a:schemeClr val="accent1">
+        <a:shade val="80000"/>
+      </a:schemeClr>
+    </dgm:fillClrLst>
+    <dgm:linClrLst meth="repeat">
+      <a:schemeClr val="accent1"/>
+    </dgm:linClrLst>
+    <dgm:effectClrLst/>
+    <dgm:txLinClrLst/>
+    <dgm:txFillClrLst meth="repeat">
+      <a:schemeClr val="lt1"/>
+    </dgm:txFillClrLst>
+    <dgm:txEffectClrLst/>
+  </dgm:styleLbl>
+  <dgm:styleLbl name="trBgShp">
+    <dgm:fillClrLst meth="repeat">
+      <a:schemeClr val="accent1">
+        <a:tint val="50000"/>
+        <a:alpha val="40000"/>
+      </a:schemeClr>
+    </dgm:fillClrLst>
+    <dgm:linClrLst meth="repeat">
+      <a:schemeClr val="accent1"/>
+    </dgm:linClrLst>
+    <dgm:effectClrLst/>
+    <dgm:txLinClrLst/>
+    <dgm:txFillClrLst meth="repeat">
+      <a:schemeClr val="lt1"/>
+    </dgm:txFillClrLst>
+    <dgm:txEffectClrLst/>
+  </dgm:styleLbl>
+  <dgm:styleLbl name="fgShp">
+    <dgm:fillClrLst meth="repeat">
+      <a:schemeClr val="accent1">
+        <a:tint val="60000"/>
+      </a:schemeClr>
+    </dgm:fillClrLst>
+    <dgm:linClrLst meth="repeat">
+      <a:schemeClr val="lt1"/>
+    </dgm:linClrLst>
+    <dgm:effectClrLst/>
+    <dgm:txLinClrLst/>
+    <dgm:txFillClrLst meth="repeat">
+      <a:schemeClr val="dk1"/>
+    </dgm:txFillClrLst>
+    <dgm:txEffectClrLst/>
+  </dgm:styleLbl>
+  <dgm:styleLbl name="revTx">
+    <dgm:fillClrLst meth="repeat">
+      <a:schemeClr val="lt1">
+        <a:alpha val="0"/>
+      </a:schemeClr>
+    </dgm:fillClrLst>
+    <dgm:linClrLst meth="repeat">
+      <a:schemeClr val="dk1">
+        <a:alpha val="0"/>
+      </a:schemeClr>
+    </dgm:linClrLst>
+    <dgm:effectClrLst/>
+    <dgm:txLinClrLst/>
+    <dgm:txFillClrLst meth="repeat">
+      <a:schemeClr val="tx1"/>
+    </dgm:txFillClrLst>
+    <dgm:txEffectClrLst/>
+  </dgm:styleLbl>
+</dgm:colorsDef>
+</file>
+
+<file path=ppt/diagrams/data1.xml><?xml version="1.0" encoding="utf-8"?>
+<dgm:dataModel xmlns:dgm="http://schemas.openxmlformats.org/drawingml/2006/diagram" xmlns:a="http://schemas.openxmlformats.org/drawingml/2006/main">
+  <dgm:ptLst>
+    <dgm:pt modelId="{4FFB2759-C8C0-451C-A7E2-15744C3BA2DE}" type="doc">
+      <dgm:prSet loTypeId="urn:microsoft.com/office/officeart/2005/8/layout/process4" loCatId="process" qsTypeId="urn:microsoft.com/office/officeart/2005/8/quickstyle/simple1" qsCatId="simple" csTypeId="urn:microsoft.com/office/officeart/2005/8/colors/accent1_2" csCatId="accent1"/>
+      <dgm:spPr/>
+      <dgm:t>
+        <a:bodyPr/>
+        <a:lstStyle/>
+        <a:p>
+          <a:endParaRPr lang="en-US"/>
+        </a:p>
+      </dgm:t>
+    </dgm:pt>
+    <dgm:pt modelId="{ABCACA47-6C34-4F25-9F7D-696361E21D9B}">
+      <dgm:prSet/>
+      <dgm:spPr/>
+      <dgm:t>
+        <a:bodyPr/>
+        <a:lstStyle/>
+        <a:p>
+          <a:r>
+            <a:rPr lang="en-US"/>
+            <a:t>Amazon.com, Inc is an American multinational technology company focusing on e-commerce, cloud computing, online advertising, digital streaming, and artificial intelligence. </a:t>
+          </a:r>
+        </a:p>
+      </dgm:t>
+    </dgm:pt>
+    <dgm:pt modelId="{C916C821-05B5-487C-B07A-06DFA757192C}" type="parTrans" cxnId="{D6F7988C-2135-44A0-BA9B-9CDEC107B078}">
+      <dgm:prSet/>
+      <dgm:spPr/>
+      <dgm:t>
+        <a:bodyPr/>
+        <a:lstStyle/>
+        <a:p>
+          <a:endParaRPr lang="en-US"/>
+        </a:p>
+      </dgm:t>
+    </dgm:pt>
+    <dgm:pt modelId="{90AFDD3F-0BD0-47DD-BBD2-7291C397969C}" type="sibTrans" cxnId="{D6F7988C-2135-44A0-BA9B-9CDEC107B078}">
+      <dgm:prSet/>
+      <dgm:spPr/>
+      <dgm:t>
+        <a:bodyPr/>
+        <a:lstStyle/>
+        <a:p>
+          <a:endParaRPr lang="en-US"/>
+        </a:p>
+      </dgm:t>
+    </dgm:pt>
+    <dgm:pt modelId="{910E8AEA-8564-47EE-9256-A83267E732F3}">
+      <dgm:prSet/>
+      <dgm:spPr/>
+      <dgm:t>
+        <a:bodyPr/>
+        <a:lstStyle/>
+        <a:p>
+          <a:r>
+            <a:rPr lang="en-US"/>
+            <a:t>The company allows users to leave reviews of products that they have purchased through the website, which are placed on a 1 to 5 scale of stars. . </a:t>
+          </a:r>
+        </a:p>
+      </dgm:t>
+    </dgm:pt>
+    <dgm:pt modelId="{9EDD86AF-CF21-41F1-8580-94CC55E9C475}" type="parTrans" cxnId="{26900DBA-FB68-4B22-9573-1C99597C7145}">
+      <dgm:prSet/>
+      <dgm:spPr/>
+      <dgm:t>
+        <a:bodyPr/>
+        <a:lstStyle/>
+        <a:p>
+          <a:endParaRPr lang="en-US"/>
+        </a:p>
+      </dgm:t>
+    </dgm:pt>
+    <dgm:pt modelId="{106955B6-D787-4824-B320-B0612A1CAEAF}" type="sibTrans" cxnId="{26900DBA-FB68-4B22-9573-1C99597C7145}">
+      <dgm:prSet/>
+      <dgm:spPr/>
+      <dgm:t>
+        <a:bodyPr/>
+        <a:lstStyle/>
+        <a:p>
+          <a:endParaRPr lang="en-US"/>
+        </a:p>
+      </dgm:t>
+    </dgm:pt>
+    <dgm:pt modelId="{3E2E096C-BB3E-674A-9228-973FEC2F0422}" type="pres">
+      <dgm:prSet presAssocID="{4FFB2759-C8C0-451C-A7E2-15744C3BA2DE}" presName="Name0" presStyleCnt="0">
+        <dgm:presLayoutVars>
+          <dgm:dir/>
+          <dgm:animLvl val="lvl"/>
+          <dgm:resizeHandles val="exact"/>
+        </dgm:presLayoutVars>
+      </dgm:prSet>
+      <dgm:spPr/>
+    </dgm:pt>
+    <dgm:pt modelId="{ED717FA9-FB07-EB47-A880-15A6D3A29FB1}" type="pres">
+      <dgm:prSet presAssocID="{910E8AEA-8564-47EE-9256-A83267E732F3}" presName="boxAndChildren" presStyleCnt="0"/>
+      <dgm:spPr/>
+    </dgm:pt>
+    <dgm:pt modelId="{08456606-5C5D-EC40-969F-844E854B4473}" type="pres">
+      <dgm:prSet presAssocID="{910E8AEA-8564-47EE-9256-A83267E732F3}" presName="parentTextBox" presStyleLbl="node1" presStyleIdx="0" presStyleCnt="2"/>
+      <dgm:spPr/>
+    </dgm:pt>
+    <dgm:pt modelId="{E91D85E3-4FAF-B946-84FE-70966AB01252}" type="pres">
+      <dgm:prSet presAssocID="{90AFDD3F-0BD0-47DD-BBD2-7291C397969C}" presName="sp" presStyleCnt="0"/>
+      <dgm:spPr/>
+    </dgm:pt>
+    <dgm:pt modelId="{E362775E-E9F5-CD40-8E87-E26F1990C97F}" type="pres">
+      <dgm:prSet presAssocID="{ABCACA47-6C34-4F25-9F7D-696361E21D9B}" presName="arrowAndChildren" presStyleCnt="0"/>
+      <dgm:spPr/>
+    </dgm:pt>
+    <dgm:pt modelId="{1CC71F78-0ABF-ED46-8731-175A9E2AD0D1}" type="pres">
+      <dgm:prSet presAssocID="{ABCACA47-6C34-4F25-9F7D-696361E21D9B}" presName="parentTextArrow" presStyleLbl="node1" presStyleIdx="1" presStyleCnt="2"/>
+      <dgm:spPr/>
+    </dgm:pt>
+  </dgm:ptLst>
+  <dgm:cxnLst>
+    <dgm:cxn modelId="{D4A2261C-C612-7C44-A490-9A725E8F8246}" type="presOf" srcId="{910E8AEA-8564-47EE-9256-A83267E732F3}" destId="{08456606-5C5D-EC40-969F-844E854B4473}" srcOrd="0" destOrd="0" presId="urn:microsoft.com/office/officeart/2005/8/layout/process4"/>
+    <dgm:cxn modelId="{7FE7CE29-3D89-4C45-B4E4-4D2DBEB2996B}" type="presOf" srcId="{ABCACA47-6C34-4F25-9F7D-696361E21D9B}" destId="{1CC71F78-0ABF-ED46-8731-175A9E2AD0D1}" srcOrd="0" destOrd="0" presId="urn:microsoft.com/office/officeart/2005/8/layout/process4"/>
+    <dgm:cxn modelId="{BCBC0930-E97E-BC46-A219-9687AA0D9E07}" type="presOf" srcId="{4FFB2759-C8C0-451C-A7E2-15744C3BA2DE}" destId="{3E2E096C-BB3E-674A-9228-973FEC2F0422}" srcOrd="0" destOrd="0" presId="urn:microsoft.com/office/officeart/2005/8/layout/process4"/>
+    <dgm:cxn modelId="{D6F7988C-2135-44A0-BA9B-9CDEC107B078}" srcId="{4FFB2759-C8C0-451C-A7E2-15744C3BA2DE}" destId="{ABCACA47-6C34-4F25-9F7D-696361E21D9B}" srcOrd="0" destOrd="0" parTransId="{C916C821-05B5-487C-B07A-06DFA757192C}" sibTransId="{90AFDD3F-0BD0-47DD-BBD2-7291C397969C}"/>
+    <dgm:cxn modelId="{26900DBA-FB68-4B22-9573-1C99597C7145}" srcId="{4FFB2759-C8C0-451C-A7E2-15744C3BA2DE}" destId="{910E8AEA-8564-47EE-9256-A83267E732F3}" srcOrd="1" destOrd="0" parTransId="{9EDD86AF-CF21-41F1-8580-94CC55E9C475}" sibTransId="{106955B6-D787-4824-B320-B0612A1CAEAF}"/>
+    <dgm:cxn modelId="{FDB06C26-9A99-8C48-9538-52B36BB4E1C5}" type="presParOf" srcId="{3E2E096C-BB3E-674A-9228-973FEC2F0422}" destId="{ED717FA9-FB07-EB47-A880-15A6D3A29FB1}" srcOrd="0" destOrd="0" presId="urn:microsoft.com/office/officeart/2005/8/layout/process4"/>
+    <dgm:cxn modelId="{EEFEBCD3-9938-2C4E-9565-317B25903150}" type="presParOf" srcId="{ED717FA9-FB07-EB47-A880-15A6D3A29FB1}" destId="{08456606-5C5D-EC40-969F-844E854B4473}" srcOrd="0" destOrd="0" presId="urn:microsoft.com/office/officeart/2005/8/layout/process4"/>
+    <dgm:cxn modelId="{BE4965FD-B14B-BB4A-A039-94DEE61C1ED2}" type="presParOf" srcId="{3E2E096C-BB3E-674A-9228-973FEC2F0422}" destId="{E91D85E3-4FAF-B946-84FE-70966AB01252}" srcOrd="1" destOrd="0" presId="urn:microsoft.com/office/officeart/2005/8/layout/process4"/>
+    <dgm:cxn modelId="{6DF1A38B-18CF-4A4F-8C02-204D89355B35}" type="presParOf" srcId="{3E2E096C-BB3E-674A-9228-973FEC2F0422}" destId="{E362775E-E9F5-CD40-8E87-E26F1990C97F}" srcOrd="2" destOrd="0" presId="urn:microsoft.com/office/officeart/2005/8/layout/process4"/>
+    <dgm:cxn modelId="{8EB22374-1697-8A4E-87AF-3C54397D7A45}" type="presParOf" srcId="{E362775E-E9F5-CD40-8E87-E26F1990C97F}" destId="{1CC71F78-0ABF-ED46-8731-175A9E2AD0D1}" srcOrd="0" destOrd="0" presId="urn:microsoft.com/office/officeart/2005/8/layout/process4"/>
+  </dgm:cxnLst>
+  <dgm:bg/>
+  <dgm:whole/>
+  <dgm:extLst>
+    <a:ext uri="http://schemas.microsoft.com/office/drawing/2008/diagram">
+      <dsp:dataModelExt xmlns:dsp="http://schemas.microsoft.com/office/drawing/2008/diagram" relId="rId6" minVer="http://schemas.openxmlformats.org/drawingml/2006/diagram"/>
+    </a:ext>
+  </dgm:extLst>
+</dgm:dataModel>
+</file>
+
+<file path=ppt/diagrams/drawing1.xml><?xml version="1.0" encoding="utf-8"?>
+<dsp:drawing xmlns:dgm="http://schemas.openxmlformats.org/drawingml/2006/diagram" xmlns:dsp="http://schemas.microsoft.com/office/drawing/2008/diagram" xmlns:a="http://schemas.openxmlformats.org/drawingml/2006/main">
+  <dsp:spTree>
+    <dsp:nvGrpSpPr>
+      <dsp:cNvPr id="0" name=""/>
+      <dsp:cNvGrpSpPr/>
+    </dsp:nvGrpSpPr>
+    <dsp:grpSpPr/>
+    <dsp:sp modelId="{08456606-5C5D-EC40-969F-844E854B4473}">
+      <dsp:nvSpPr>
+        <dsp:cNvPr id="0" name=""/>
+        <dsp:cNvSpPr/>
+      </dsp:nvSpPr>
+      <dsp:spPr>
+        <a:xfrm>
+          <a:off x="0" y="2219676"/>
+          <a:ext cx="8883836" cy="1456348"/>
+        </a:xfrm>
+        <a:prstGeom prst="rect">
+          <a:avLst/>
+        </a:prstGeom>
+        <a:solidFill>
+          <a:schemeClr val="accent1">
+            <a:hueOff val="0"/>
+            <a:satOff val="0"/>
+            <a:lumOff val="0"/>
+            <a:alphaOff val="0"/>
+          </a:schemeClr>
+        </a:solidFill>
+        <a:ln w="12700" cap="flat" cmpd="sng" algn="ctr">
+          <a:solidFill>
+            <a:schemeClr val="lt1">
+              <a:hueOff val="0"/>
+              <a:satOff val="0"/>
+              <a:lumOff val="0"/>
+              <a:alphaOff val="0"/>
+            </a:schemeClr>
+          </a:solidFill>
+          <a:prstDash val="solid"/>
+          <a:miter lim="800000"/>
+        </a:ln>
+        <a:effectLst/>
+      </dsp:spPr>
+      <dsp:style>
+        <a:lnRef idx="2">
+          <a:scrgbClr r="0" g="0" b="0"/>
+        </a:lnRef>
+        <a:fillRef idx="1">
+          <a:scrgbClr r="0" g="0" b="0"/>
+        </a:fillRef>
+        <a:effectRef idx="0">
+          <a:scrgbClr r="0" g="0" b="0"/>
+        </a:effectRef>
+        <a:fontRef idx="minor">
+          <a:schemeClr val="lt1"/>
+        </a:fontRef>
+      </dsp:style>
+      <dsp:txBody>
+        <a:bodyPr spcFirstLastPara="0" vert="horz" wrap="square" lIns="170688" tIns="170688" rIns="170688" bIns="170688" numCol="1" spcCol="1270" anchor="ctr" anchorCtr="0">
+          <a:noAutofit/>
+        </a:bodyPr>
+        <a:lstStyle/>
+        <a:p>
+          <a:pPr marL="0" lvl="0" indent="0" algn="ctr" defTabSz="1066800">
+            <a:lnSpc>
+              <a:spcPct val="90000"/>
+            </a:lnSpc>
+            <a:spcBef>
+              <a:spcPct val="0"/>
+            </a:spcBef>
+            <a:spcAft>
+              <a:spcPct val="35000"/>
+            </a:spcAft>
+            <a:buNone/>
+          </a:pPr>
+          <a:r>
+            <a:rPr lang="en-US" sz="2400" kern="1200"/>
+            <a:t>The company allows users to leave reviews of products that they have purchased through the website, which are placed on a 1 to 5 scale of stars. . </a:t>
+          </a:r>
+        </a:p>
+      </dsp:txBody>
+      <dsp:txXfrm>
+        <a:off x="0" y="2219676"/>
+        <a:ext cx="8883836" cy="1456348"/>
+      </dsp:txXfrm>
+    </dsp:sp>
+    <dsp:sp modelId="{1CC71F78-0ABF-ED46-8731-175A9E2AD0D1}">
+      <dsp:nvSpPr>
+        <dsp:cNvPr id="0" name=""/>
+        <dsp:cNvSpPr/>
+      </dsp:nvSpPr>
+      <dsp:spPr>
+        <a:xfrm rot="10800000">
+          <a:off x="0" y="1658"/>
+          <a:ext cx="8883836" cy="2239863"/>
+        </a:xfrm>
+        <a:prstGeom prst="upArrowCallout">
+          <a:avLst/>
+        </a:prstGeom>
+        <a:solidFill>
+          <a:schemeClr val="accent1">
+            <a:hueOff val="0"/>
+            <a:satOff val="0"/>
+            <a:lumOff val="0"/>
+            <a:alphaOff val="0"/>
+          </a:schemeClr>
+        </a:solidFill>
+        <a:ln w="12700" cap="flat" cmpd="sng" algn="ctr">
+          <a:solidFill>
+            <a:schemeClr val="lt1">
+              <a:hueOff val="0"/>
+              <a:satOff val="0"/>
+              <a:lumOff val="0"/>
+              <a:alphaOff val="0"/>
+            </a:schemeClr>
+          </a:solidFill>
+          <a:prstDash val="solid"/>
+          <a:miter lim="800000"/>
+        </a:ln>
+        <a:effectLst/>
+      </dsp:spPr>
+      <dsp:style>
+        <a:lnRef idx="2">
+          <a:scrgbClr r="0" g="0" b="0"/>
+        </a:lnRef>
+        <a:fillRef idx="1">
+          <a:scrgbClr r="0" g="0" b="0"/>
+        </a:fillRef>
+        <a:effectRef idx="0">
+          <a:scrgbClr r="0" g="0" b="0"/>
+        </a:effectRef>
+        <a:fontRef idx="minor">
+          <a:schemeClr val="lt1"/>
+        </a:fontRef>
+      </dsp:style>
+      <dsp:txBody>
+        <a:bodyPr spcFirstLastPara="0" vert="horz" wrap="square" lIns="170688" tIns="170688" rIns="170688" bIns="170688" numCol="1" spcCol="1270" anchor="ctr" anchorCtr="0">
+          <a:noAutofit/>
+        </a:bodyPr>
+        <a:lstStyle/>
+        <a:p>
+          <a:pPr marL="0" lvl="0" indent="0" algn="ctr" defTabSz="1066800">
+            <a:lnSpc>
+              <a:spcPct val="90000"/>
+            </a:lnSpc>
+            <a:spcBef>
+              <a:spcPct val="0"/>
+            </a:spcBef>
+            <a:spcAft>
+              <a:spcPct val="35000"/>
+            </a:spcAft>
+            <a:buNone/>
+          </a:pPr>
+          <a:r>
+            <a:rPr lang="en-US" sz="2400" kern="1200"/>
+            <a:t>Amazon.com, Inc is an American multinational technology company focusing on e-commerce, cloud computing, online advertising, digital streaming, and artificial intelligence. </a:t>
+          </a:r>
+        </a:p>
+      </dsp:txBody>
+      <dsp:txXfrm rot="10800000">
+        <a:off x="0" y="1658"/>
+        <a:ext cx="8883836" cy="1455396"/>
+      </dsp:txXfrm>
+    </dsp:sp>
+  </dsp:spTree>
+</dsp:drawing>
+</file>
+
+<file path=ppt/diagrams/layout1.xml><?xml version="1.0" encoding="utf-8"?>
+<dgm:layoutDef xmlns:dgm="http://schemas.openxmlformats.org/drawingml/2006/diagram" xmlns:a="http://schemas.openxmlformats.org/drawingml/2006/main" uniqueId="urn:microsoft.com/office/officeart/2005/8/layout/process4">
+  <dgm:title val=""/>
+  <dgm:desc val=""/>
+  <dgm:catLst>
+    <dgm:cat type="process" pri="16000"/>
+    <dgm:cat type="list" pri="20000"/>
+  </dgm:catLst>
+  <dgm:sampData>
+    <dgm:dataModel>
+      <dgm:ptLst>
+        <dgm:pt modelId="0" type="doc"/>
+        <dgm:pt modelId="1">
+          <dgm:prSet phldr="1"/>
+        </dgm:pt>
+        <dgm:pt modelId="11">
+          <dgm:prSet phldr="1"/>
+        </dgm:pt>
+        <dgm:pt modelId="12">
+          <dgm:prSet phldr="1"/>
+        </dgm:pt>
+        <dgm:pt modelId="2">
+          <dgm:prSet phldr="1"/>
+        </dgm:pt>
+        <dgm:pt modelId="21">
+          <dgm:prSet phldr="1"/>
+        </dgm:pt>
+        <dgm:pt modelId="22">
+          <dgm:prSet phldr="1"/>
+        </dgm:pt>
+        <dgm:pt modelId="3">
+          <dgm:prSet phldr="1"/>
+        </dgm:pt>
+        <dgm:pt modelId="31">
+          <dgm:prSet phldr="1"/>
+        </dgm:pt>
+        <dgm:pt modelId="32">
+          <dgm:prSet phldr="1"/>
+        </dgm:pt>
+      </dgm:ptLst>
+      <dgm:cxnLst>
+        <dgm:cxn modelId="4" srcId="0" destId="1" srcOrd="0" destOrd="0"/>
+        <dgm:cxn modelId="5" srcId="0" destId="2" srcOrd="1" destOrd="0"/>
+        <dgm:cxn modelId="6" srcId="0" destId="3" srcOrd="2" destOrd="0"/>
+        <dgm:cxn modelId="13" srcId="1" destId="11" srcOrd="0" destOrd="0"/>
+        <dgm:cxn modelId="14" srcId="1" destId="12" srcOrd="1" destOrd="0"/>
+        <dgm:cxn modelId="23" srcId="2" destId="21" srcOrd="0" destOrd="0"/>
+        <dgm:cxn modelId="24" srcId="2" destId="22" srcOrd="1" destOrd="0"/>
+        <dgm:cxn modelId="33" srcId="3" destId="31" srcOrd="0" destOrd="0"/>
+        <dgm:cxn modelId="34" srcId="3" destId="32" srcOrd="1" destOrd="0"/>
+      </dgm:cxnLst>
+      <dgm:bg/>
+      <dgm:whole/>
+    </dgm:dataModel>
+  </dgm:sampData>
+  <dgm:styleData>
+    <dgm:dataModel>
+      <dgm:ptLst>
+        <dgm:pt modelId="0" type="doc"/>
+        <dgm:pt modelId="1"/>
+        <dgm:pt modelId="11"/>
+        <dgm:pt modelId="2"/>
+        <dgm:pt modelId="21"/>
+      </dgm:ptLst>
+      <dgm:cxnLst>
+        <dgm:cxn modelId="4" srcId="0" destId="1" srcOrd="0" destOrd="0"/>
+        <dgm:cxn modelId="5" srcId="0" destId="2" srcOrd="1" destOrd="0"/>
+        <dgm:cxn modelId="13" srcId="1" destId="11" srcOrd="0" destOrd="0"/>
+        <dgm:cxn modelId="23" srcId="2" destId="21" srcOrd="0" destOrd="0"/>
+      </dgm:cxnLst>
+      <dgm:bg/>
+      <dgm:whole/>
+    </dgm:dataModel>
+  </dgm:styleData>
+  <dgm:clrData>
+    <dgm:dataModel>
+      <dgm:ptLst>
+        <dgm:pt modelId="0" type="doc"/>
+        <dgm:pt modelId="1"/>
+        <dgm:pt modelId="11"/>
+        <dgm:pt modelId="2"/>
+        <dgm:pt modelId="21"/>
+        <dgm:pt modelId="3"/>
+        <dgm:pt modelId="31"/>
+        <dgm:pt modelId="4"/>
+        <dgm:pt modelId="41"/>
+      </dgm:ptLst>
+      <dgm:cxnLst>
+        <dgm:cxn modelId="5" srcId="0" destId="1" srcOrd="0" destOrd="0"/>
+        <dgm:cxn modelId="6" srcId="0" destId="2" srcOrd="1" destOrd="0"/>
+        <dgm:cxn modelId="7" srcId="0" destId="3" srcOrd="2" destOrd="0"/>
+        <dgm:cxn modelId="8" srcId="0" destId="4" srcOrd="3" destOrd="0"/>
+        <dgm:cxn modelId="13" srcId="1" destId="11" srcOrd="0" destOrd="0"/>
+        <dgm:cxn modelId="23" srcId="2" destId="21" srcOrd="0" destOrd="0"/>
+        <dgm:cxn modelId="33" srcId="3" destId="31" srcOrd="0" destOrd="0"/>
+        <dgm:cxn modelId="43" srcId="4" destId="41" srcOrd="0" destOrd="0"/>
+      </dgm:cxnLst>
+      <dgm:bg/>
+      <dgm:whole/>
+    </dgm:dataModel>
+  </dgm:clrData>
+  <dgm:layoutNode name="Name0">
+    <dgm:varLst>
+      <dgm:dir/>
+      <dgm:animLvl val="lvl"/>
+      <dgm:resizeHandles val="exact"/>
+    </dgm:varLst>
+    <dgm:alg type="lin">
+      <dgm:param type="linDir" val="fromB"/>
+    </dgm:alg>
+    <dgm:shape xmlns:r="http://schemas.openxmlformats.org/officeDocument/2006/relationships" r:blip="">
+      <dgm:adjLst/>
+    </dgm:shape>
+    <dgm:presOf/>
+    <dgm:constrLst>
+      <dgm:constr type="h" for="ch" forName="boxAndChildren" refType="h"/>
+      <dgm:constr type="h" for="ch" forName="arrowAndChildren" refType="h" refFor="ch" refForName="boxAndChildren" op="equ" fact="1.538"/>
+      <dgm:constr type="w" for="ch" forName="arrowAndChildren" refType="w"/>
+      <dgm:constr type="w" for="ch" forName="boxAndChildren" refType="w"/>
+      <dgm:constr type="h" for="ch" forName="sp" refType="h" fact="-0.015"/>
+      <dgm:constr type="primFontSz" for="des" forName="parentTextBox" val="65"/>
+      <dgm:constr type="primFontSz" for="des" forName="parentTextArrow" refType="primFontSz" refFor="des" refForName="parentTextBox" op="equ"/>
+      <dgm:constr type="primFontSz" for="des" forName="childTextArrow" val="65"/>
+      <dgm:constr type="primFontSz" for="des" forName="childTextBox" refType="primFontSz" refFor="des" refForName="childTextArrow" op="equ"/>
+    </dgm:constrLst>
+    <dgm:ruleLst/>
+    <dgm:forEach name="Name1" axis="ch" ptType="node" st="-1" step="-1">
+      <dgm:choose name="Name2">
+        <dgm:if name="Name3" axis="self" ptType="node" func="revPos" op="equ" val="1">
+          <dgm:layoutNode name="boxAndChildren">
+            <dgm:alg type="composite"/>
+            <dgm:shape xmlns:r="http://schemas.openxmlformats.org/officeDocument/2006/relationships" r:blip="">
+              <dgm:adjLst/>
+            </dgm:shape>
+            <dgm:presOf/>
+            <dgm:choose name="Name4">
+              <dgm:if name="Name5" axis="ch" ptType="node" func="cnt" op="gte" val="1">
+                <dgm:constrLst>
+                  <dgm:constr type="w" for="ch" forName="parentTextBox" refType="w"/>
+                  <dgm:constr type="h" for="ch" forName="parentTextBox" refType="h" fact="0.54"/>
+                  <dgm:constr type="t" for="ch" forName="parentTextBox"/>
+                  <dgm:constr type="w" for="ch" forName="entireBox" refType="w"/>
+                  <dgm:constr type="h" for="ch" forName="entireBox" refType="h"/>
+                  <dgm:constr type="w" for="ch" forName="descendantBox" refType="w"/>
+                  <dgm:constr type="b" for="ch" forName="descendantBox" refType="h" fact="0.98"/>
+                  <dgm:constr type="h" for="ch" forName="descendantBox" refType="h" fact="0.46"/>
+                </dgm:constrLst>
+              </dgm:if>
+              <dgm:else name="Name6">
+                <dgm:constrLst>
+                  <dgm:constr type="w" for="ch" forName="parentTextBox" refType="w"/>
+                  <dgm:constr type="h" for="ch" forName="parentTextBox" refType="h"/>
+                </dgm:constrLst>
+              </dgm:else>
+            </dgm:choose>
+            <dgm:ruleLst/>
+            <dgm:layoutNode name="parentTextBox">
+              <dgm:alg type="tx"/>
+              <dgm:choose name="Name7">
+                <dgm:if name="Name8" axis="ch" ptType="node" func="cnt" op="gte" val="1">
+                  <dgm:shape xmlns:r="http://schemas.openxmlformats.org/officeDocument/2006/relationships" type="rect" r:blip="" zOrderOff="1" hideGeom="1">
+                    <dgm:adjLst/>
+                  </dgm:shape>
+                </dgm:if>
+                <dgm:else name="Name9">
+                  <dgm:shape xmlns:r="http://schemas.openxmlformats.org/officeDocument/2006/relationships" type="rect" r:blip="">
+                    <dgm:adjLst/>
+                  </dgm:shape>
+                </dgm:else>
+              </dgm:choose>
+              <dgm:presOf axis="self"/>
+              <dgm:constrLst/>
+              <dgm:ruleLst>
+                <dgm:rule type="primFontSz" val="5" fact="NaN" max="NaN"/>
+              </dgm:ruleLst>
+            </dgm:layoutNode>
+            <dgm:choose name="Name10">
+              <dgm:if name="Name11" axis="ch" ptType="node" func="cnt" op="gte" val="1">
+                <dgm:layoutNode name="entireBox">
+                  <dgm:alg type="sp"/>
+                  <dgm:shape xmlns:r="http://schemas.openxmlformats.org/officeDocument/2006/relationships" type="rect" r:blip="">
+                    <dgm:adjLst/>
+                  </dgm:shape>
+                  <dgm:presOf axis="self"/>
+                  <dgm:constrLst/>
+                  <dgm:ruleLst/>
+                </dgm:layoutNode>
+                <dgm:layoutNode name="descendantBox" styleLbl="fgAccFollowNode1">
+                  <dgm:choose name="Name12">
+                    <dgm:if name="Name13" func="var" arg="dir" op="equ" val="norm">
+                      <dgm:alg type="lin"/>
+                    </dgm:if>
+                    <dgm:else name="Name14">
+                      <dgm:alg type="lin">
+                        <dgm:param type="linDir" val="fromR"/>
+                      </dgm:alg>
+                    </dgm:else>
+                  </dgm:choose>
+                  <dgm:shape xmlns:r="http://schemas.openxmlformats.org/officeDocument/2006/relationships" r:blip="">
+                    <dgm:adjLst/>
+                  </dgm:shape>
+                  <dgm:presOf/>
+                  <dgm:constrLst>
+                    <dgm:constr type="w" for="ch" forName="childTextBox" refType="w"/>
+                    <dgm:constr type="h" for="ch" forName="childTextBox" refType="h"/>
+                  </dgm:constrLst>
+                  <dgm:ruleLst/>
+                  <dgm:forEach name="Name15" axis="ch" ptType="node">
+                    <dgm:layoutNode name="childTextBox" styleLbl="fgAccFollowNode1">
+                      <dgm:varLst>
+                        <dgm:bulletEnabled val="1"/>
+                      </dgm:varLst>
+                      <dgm:alg type="tx"/>
+                      <dgm:shape xmlns:r="http://schemas.openxmlformats.org/officeDocument/2006/relationships" type="rect" r:blip="">
+                        <dgm:adjLst/>
+                      </dgm:shape>
+                      <dgm:presOf axis="desOrSelf" ptType="node"/>
+                      <dgm:constrLst>
+                        <dgm:constr type="tMarg" refType="primFontSz" fact="0.1"/>
+                        <dgm:constr type="bMarg" refType="primFontSz" fact="0.1"/>
+                      </dgm:constrLst>
+                      <dgm:ruleLst>
+                        <dgm:rule type="primFontSz" val="5" fact="NaN" max="NaN"/>
+                      </dgm:ruleLst>
+                    </dgm:layoutNode>
+                  </dgm:forEach>
+                </dgm:layoutNode>
+              </dgm:if>
+              <dgm:else name="Name16"/>
+            </dgm:choose>
+          </dgm:layoutNode>
+        </dgm:if>
+        <dgm:else name="Name17">
+          <dgm:layoutNode name="arrowAndChildren">
+            <dgm:alg type="composite"/>
+            <dgm:shape xmlns:r="http://schemas.openxmlformats.org/officeDocument/2006/relationships" r:blip="">
+              <dgm:adjLst/>
+            </dgm:shape>
+            <dgm:presOf/>
+            <dgm:choose name="Name18">
+              <dgm:if name="Name19" axis="ch" ptType="node" func="cnt" op="gte" val="1">
+                <dgm:constrLst>
+                  <dgm:constr type="w" for="ch" forName="parentTextArrow" refType="w"/>
+                  <dgm:constr type="t" for="ch" forName="parentTextArrow"/>
+                  <dgm:constr type="h" for="ch" forName="parentTextArrow" refType="h" fact="0.351"/>
+                  <dgm:constr type="w" for="ch" forName="arrow" refType="w"/>
+                  <dgm:constr type="h" for="ch" forName="arrow" refType="h"/>
+                  <dgm:constr type="w" for="ch" forName="descendantArrow" refType="w"/>
+                  <dgm:constr type="b" for="ch" forName="descendantArrow" refType="h" fact="0.65"/>
+                  <dgm:constr type="h" for="ch" forName="descendantArrow" refType="h" fact="0.299"/>
+                </dgm:constrLst>
+              </dgm:if>
+              <dgm:else name="Name20">
+                <dgm:constrLst>
+                  <dgm:constr type="w" for="ch" forName="parentTextArrow" refType="w"/>
+                  <dgm:constr type="h" for="ch" forName="parentTextArrow" refType="h"/>
+                </dgm:constrLst>
+              </dgm:else>
+            </dgm:choose>
+            <dgm:ruleLst/>
+            <dgm:layoutNode name="parentTextArrow">
+              <dgm:alg type="tx"/>
+              <dgm:choose name="Name21">
+                <dgm:if name="Name22" axis="ch" ptType="node" func="cnt" op="gte" val="1">
+                  <dgm:shape xmlns:r="http://schemas.openxmlformats.org/officeDocument/2006/relationships" type="rect" r:blip="" zOrderOff="1" hideGeom="1">
+                    <dgm:adjLst/>
+                  </dgm:shape>
+                </dgm:if>
+                <dgm:else name="Name23">
+                  <dgm:shape xmlns:r="http://schemas.openxmlformats.org/officeDocument/2006/relationships" rot="180" type="upArrowCallout" r:blip="">
+                    <dgm:adjLst/>
+                  </dgm:shape>
+                </dgm:else>
+              </dgm:choose>
+              <dgm:presOf axis="self"/>
+              <dgm:constrLst/>
+              <dgm:ruleLst>
+                <dgm:rule type="primFontSz" val="5" fact="NaN" max="NaN"/>
+              </dgm:ruleLst>
+            </dgm:layoutNode>
+            <dgm:choose name="Name24">
+              <dgm:if name="Name25" axis="ch" ptType="node" func="cnt" op="gte" val="1">
+                <dgm:layoutNode name="arrow">
+                  <dgm:alg type="sp"/>
+                  <dgm:shape xmlns:r="http://schemas.openxmlformats.org/officeDocument/2006/relationships" rot="180" type="upArrowCallout" r:blip="">
+                    <dgm:adjLst/>
+                  </dgm:shape>
+                  <dgm:presOf axis="self"/>
+                  <dgm:constrLst/>
+                  <dgm:ruleLst/>
+                </dgm:layoutNode>
+                <dgm:layoutNode name="descendantArrow">
+                  <dgm:choose name="Name26">
+                    <dgm:if name="Name27" func="var" arg="dir" op="equ" val="norm">
+                      <dgm:alg type="lin"/>
+                    </dgm:if>
+                    <dgm:else name="Name28">
+                      <dgm:alg type="lin">
+                        <dgm:param type="linDir" val="fromR"/>
+                      </dgm:alg>
+                    </dgm:else>
+                  </dgm:choose>
+                  <dgm:shape xmlns:r="http://schemas.openxmlformats.org/officeDocument/2006/relationships" r:blip="">
+                    <dgm:adjLst/>
+                  </dgm:shape>
+                  <dgm:presOf/>
+                  <dgm:constrLst>
+                    <dgm:constr type="w" for="ch" forName="childTextArrow" refType="w"/>
+                    <dgm:constr type="h" for="ch" forName="childTextArrow" refType="h"/>
+                  </dgm:constrLst>
+                  <dgm:ruleLst/>
+                  <dgm:forEach name="Name29" axis="ch" ptType="node">
+                    <dgm:layoutNode name="childTextArrow" styleLbl="fgAccFollowNode1">
+                      <dgm:varLst>
+                        <dgm:bulletEnabled val="1"/>
+                      </dgm:varLst>
+                      <dgm:alg type="tx"/>
+                      <dgm:shape xmlns:r="http://schemas.openxmlformats.org/officeDocument/2006/relationships" type="rect" r:blip="">
+                        <dgm:adjLst/>
+                      </dgm:shape>
+                      <dgm:presOf axis="desOrSelf" ptType="node"/>
+                      <dgm:constrLst>
+                        <dgm:constr type="tMarg" refType="primFontSz" fact="0.1"/>
+                        <dgm:constr type="bMarg" refType="primFontSz" fact="0.1"/>
+                      </dgm:constrLst>
+                      <dgm:ruleLst>
+                        <dgm:rule type="primFontSz" val="5" fact="NaN" max="NaN"/>
+                      </dgm:ruleLst>
+                    </dgm:layoutNode>
+                  </dgm:forEach>
+                </dgm:layoutNode>
+              </dgm:if>
+              <dgm:else name="Name30"/>
+            </dgm:choose>
+          </dgm:layoutNode>
+        </dgm:else>
+      </dgm:choose>
+      <dgm:forEach name="Name31" axis="precedSib" ptType="sibTrans" st="-1" cnt="1">
+        <dgm:layoutNode name="sp">
+          <dgm:alg type="sp"/>
+          <dgm:shape xmlns:r="http://schemas.openxmlformats.org/officeDocument/2006/relationships" r:blip="">
+            <dgm:adjLst/>
+          </dgm:shape>
+          <dgm:presOf axis="self"/>
+          <dgm:constrLst/>
+          <dgm:ruleLst/>
+        </dgm:layoutNode>
+      </dgm:forEach>
+    </dgm:forEach>
+  </dgm:layoutNode>
+</dgm:layoutDef>
+</file>
+
+<file path=ppt/diagrams/quickStyle1.xml><?xml version="1.0" encoding="utf-8"?>
+<dgm:styleDef xmlns:dgm="http://schemas.openxmlformats.org/drawingml/2006/diagram" xmlns:a="http://schemas.openxmlformats.org/drawingml/2006/main" uniqueId="urn:microsoft.com/office/officeart/2005/8/quickstyle/simple1">
+  <dgm:title val=""/>
+  <dgm:desc val=""/>
+  <dgm:catLst>
+    <dgm:cat type="simple" pri="10100"/>
+  </dgm:catLst>
+  <dgm:scene3d>
+    <a:camera prst="orthographicFront"/>
+    <a:lightRig rig="threePt" dir="t"/>
+  </dgm:scene3d>
+  <dgm:styleLbl name="node0">
+    <dgm:scene3d>
+      <a:camera prst="orthographicFront"/>
+      <a:lightRig rig="threePt" dir="t"/>
+    </dgm:scene3d>
+    <dgm:sp3d/>
+    <dgm:txPr/>
+    <dgm:style>
+      <a:lnRef idx="2">
+        <a:scrgbClr r="0" g="0" b="0"/>
+      </a:lnRef>
+      <a:fillRef idx="1">
+        <a:scrgbClr r="0" g="0" b="0"/>
+      </a:fillRef>
+      <a:effectRef idx="0">
+        <a:scrgbClr r="0" g="0" b="0"/>
+      </a:effectRef>
+      <a:fontRef idx="minor">
+        <a:schemeClr val="lt1"/>
+      </a:fontRef>
+    </dgm:style>
+  </dgm:styleLbl>
+  <dgm:styleLbl name="lnNode1">
+    <dgm:scene3d>
+      <a:camera prst="orthographicFront"/>
+      <a:lightRig rig="threePt" dir="t"/>
+    </dgm:scene3d>
+    <dgm:sp3d/>
+    <dgm:txPr/>
+    <dgm:style>
+      <a:lnRef idx="2">
+        <a:scrgbClr r="0" g="0" b="0"/>
+      </a:lnRef>
+      <a:fillRef idx="1">
+        <a:scrgbClr r="0" g="0" b="0"/>
+      </a:fillRef>
+      <a:effectRef idx="0">
+        <a:scrgbClr r="0" g="0" b="0"/>
+      </a:effectRef>
+      <a:fontRef idx="minor">
+        <a:schemeClr val="lt1"/>
+      </a:fontRef>
+    </dgm:style>
+  </dgm:styleLbl>
+  <dgm:styleLbl name="vennNode1">
+    <dgm:scene3d>
+      <a:camera prst="orthographicFront"/>
+      <a:lightRig rig="threePt" dir="t"/>
+    </dgm:scene3d>
+    <dgm:sp3d/>
+    <dgm:txPr/>
+    <dgm:style>
+      <a:lnRef idx="2">
+        <a:scrgbClr r="0" g="0" b="0"/>
+      </a:lnRef>
+      <a:fillRef idx="1">
+        <a:scrgbClr r="0" g="0" b="0"/>
+      </a:fillRef>
+      <a:effectRef idx="0">
+        <a:scrgbClr r="0" g="0" b="0"/>
+      </a:effectRef>
+      <a:fontRef idx="minor">
+        <a:schemeClr val="tx1"/>
+      </a:fontRef>
+    </dgm:style>
+  </dgm:styleLbl>
+  <dgm:styleLbl name="alignNode1">
+    <dgm:scene3d>
+      <a:camera prst="orthographicFront"/>
+      <a:lightRig rig="threePt" dir="t"/>
+    </dgm:scene3d>
+    <dgm:sp3d/>
+    <dgm:txPr/>
+    <dgm:style>
+      <a:lnRef idx="2">
+        <a:scrgbClr r="0" g="0" b="0"/>
+      </a:lnRef>
+      <a:fillRef idx="1">
+        <a:scrgbClr r="0" g="0" b="0"/>
+      </a:fillRef>
+      <a:effectRef idx="0">
+        <a:scrgbClr r="0" g="0" b="0"/>
+      </a:effectRef>
+      <a:fontRef idx="minor">
+        <a:schemeClr val="lt1"/>
+      </a:fontRef>
+    </dgm:style>
+  </dgm:styleLbl>
+  <dgm:styleLbl name="node1">
+    <dgm:scene3d>
+      <a:camera prst="orthographicFront"/>
+      <a:lightRig rig="threePt" dir="t"/>
+    </dgm:scene3d>
+    <dgm:sp3d/>
+    <dgm:txPr/>
+    <dgm:style>
+      <a:lnRef idx="2">
+        <a:scrgbClr r="0" g="0" b="0"/>
+      </a:lnRef>
+      <a:fillRef idx="1">
+        <a:scrgbClr r="0" g="0" b="0"/>
+      </a:fillRef>
+      <a:effectRef idx="0">
+        <a:scrgbClr r="0" g="0" b="0"/>
+      </a:effectRef>
+      <a:fontRef idx="minor">
+        <a:schemeClr val="lt1"/>
+      </a:fontRef>
+    </dgm:style>
+  </dgm:styleLbl>
+  <dgm:styleLbl name="node2">
+    <dgm:scene3d>
+      <a:camera prst="orthographicFront"/>
+      <a:lightRig rig="threePt" dir="t"/>
+    </dgm:scene3d>
+    <dgm:sp3d/>
+    <dgm:txPr/>
+    <dgm:style>
+      <a:lnRef idx="2">
+        <a:scrgbClr r="0" g="0" b="0"/>
+      </a:lnRef>
+      <a:fillRef idx="1">
+        <a:scrgbClr r="0" g="0" b="0"/>
+      </a:fillRef>
+      <a:effectRef idx="0">
+        <a:scrgbClr r="0" g="0" b="0"/>
+      </a:effectRef>
+      <a:fontRef idx="minor">
+        <a:schemeClr val="lt1"/>
+      </a:fontRef>
+    </dgm:style>
+  </dgm:styleLbl>
+  <dgm:styleLbl name="node3">
+    <dgm:scene3d>
+      <a:camera prst="orthographicFront"/>
+      <a:lightRig rig="threePt" dir="t"/>
+    </dgm:scene3d>
+    <dgm:sp3d/>
+    <dgm:txPr/>
+    <dgm:style>
+      <a:lnRef idx="2">
+        <a:scrgbClr r="0" g="0" b="0"/>
+      </a:lnRef>
+      <a:fillRef idx="1">
+        <a:scrgbClr r="0" g="0" b="0"/>
+      </a:fillRef>
+      <a:effectRef idx="0">
+        <a:scrgbClr r="0" g="0" b="0"/>
+      </a:effectRef>
+      <a:fontRef idx="minor">
+        <a:schemeClr val="lt1"/>
+      </a:fontRef>
+    </dgm:style>
+  </dgm:styleLbl>
+  <dgm:styleLbl name="node4">
+    <dgm:scene3d>
+      <a:camera prst="orthographicFront"/>
+      <a:lightRig rig="threePt" dir="t"/>
+    </dgm:scene3d>
+    <dgm:sp3d/>
+    <dgm:txPr/>
+    <dgm:style>
+      <a:lnRef idx="2">
+        <a:scrgbClr r="0" g="0" b="0"/>
+      </a:lnRef>
+      <a:fillRef idx="1">
+        <a:scrgbClr r="0" g="0" b="0"/>
+      </a:fillRef>
+      <a:effectRef idx="0">
+        <a:scrgbClr r="0" g="0" b="0"/>
+      </a:effectRef>
+      <a:fontRef idx="minor">
+        <a:schemeClr val="lt1"/>
+      </a:fontRef>
+    </dgm:style>
+  </dgm:styleLbl>
+  <dgm:styleLbl name="fgImgPlace1">
+    <dgm:scene3d>
+      <a:camera prst="orthographicFront"/>
+      <a:lightRig rig="threePt" dir="t"/>
+    </dgm:scene3d>
+    <dgm:sp3d/>
+    <dgm:txPr/>
+    <dgm:style>
+      <a:lnRef idx="2">
+        <a:scrgbClr r="0" g="0" b="0"/>
+      </a:lnRef>
+      <a:fillRef idx="1">
+        <a:scrgbClr r="0" g="0" b="0"/>
+      </a:fillRef>
+      <a:effectRef idx="0">
+        <a:scrgbClr r="0" g="0" b="0"/>
+      </a:effectRef>
+      <a:fontRef idx="minor"/>
+    </dgm:style>
+  </dgm:styleLbl>
+  <dgm:styleLbl name="alignImgPlace1">
+    <dgm:scene3d>
+      <a:camera prst="orthographicFront"/>
+      <a:lightRig rig="threePt" dir="t"/>
+    </dgm:scene3d>
+    <dgm:sp3d/>
+    <dgm:txPr/>
+    <dgm:style>
+      <a:lnRef idx="2">
+        <a:scrgbClr r="0" g="0" b="0"/>
+      </a:lnRef>
+      <a:fillRef idx="1">
+        <a:scrgbClr r="0" g="0" b="0"/>
+      </a:fillRef>
+      <a:effectRef idx="0">
+        <a:scrgbClr r="0" g="0" b="0"/>
+      </a:effectRef>
+      <a:fontRef idx="minor"/>
+    </dgm:style>
+  </dgm:styleLbl>
+  <dgm:styleLbl name="bgImgPlace1">
+    <dgm:scene3d>
+      <a:camera prst="orthographicFront"/>
+      <a:lightRig rig="threePt" dir="t"/>
+    </dgm:scene3d>
+    <dgm:sp3d/>
+    <dgm:txPr/>
+    <dgm:style>
+      <a:lnRef idx="2">
+        <a:scrgbClr r="0" g="0" b="0"/>
+      </a:lnRef>
+      <a:fillRef idx="1">
+        <a:scrgbClr r="0" g="0" b="0"/>
+      </a:fillRef>
+      <a:effectRef idx="0">
+        <a:scrgbClr r="0" g="0" b="0"/>
+      </a:effectRef>
+      <a:fontRef idx="minor"/>
+    </dgm:style>
+  </dgm:styleLbl>
+  <dgm:styleLbl name="sibTrans2D1">
+    <dgm:scene3d>
+      <a:camera prst="orthographicFront"/>
+      <a:lightRig rig="threePt" dir="t"/>
+    </dgm:scene3d>
+    <dgm:sp3d/>
+    <dgm:txPr/>
+    <dgm:style>
+      <a:lnRef idx="0">
+        <a:scrgbClr r="0" g="0" b="0"/>
+      </a:lnRef>
+      <a:fillRef idx="1">
+        <a:scrgbClr r="0" g="0" b="0"/>
+      </a:fillRef>
+      <a:effectRef idx="0">
+        <a:scrgbClr r="0" g="0" b="0"/>
+      </a:effectRef>
+      <a:fontRef idx="minor">
+        <a:schemeClr val="lt1"/>
+      </a:fontRef>
+    </dgm:style>
+  </dgm:styleLbl>
+  <dgm:styleLbl name="fgSibTrans2D1">
+    <dgm:scene3d>
+      <a:camera prst="orthographicFront"/>
+      <a:lightRig rig="threePt" dir="t"/>
+    </dgm:scene3d>
+    <dgm:sp3d/>
+    <dgm:txPr/>
+    <dgm:style>
+      <a:lnRef idx="0">
+        <a:scrgbClr r="0" g="0" b="0"/>
+      </a:lnRef>
+      <a:fillRef idx="1">
+        <a:scrgbClr r="0" g="0" b="0"/>
+      </a:fillRef>
+      <a:effectRef idx="0">
+        <a:scrgbClr r="0" g="0" b="0"/>
+      </a:effectRef>
+      <a:fontRef idx="minor">
+        <a:schemeClr val="lt1"/>
+      </a:fontRef>
+    </dgm:style>
+  </dgm:styleLbl>
+  <dgm:styleLbl name="bgSibTrans2D1">
+    <dgm:scene3d>
+      <a:camera prst="orthographicFront"/>
+      <a:lightRig rig="threePt" dir="t"/>
+    </dgm:scene3d>
+    <dgm:sp3d/>
+    <dgm:txPr/>
+    <dgm:style>
+      <a:lnRef idx="0">
+        <a:scrgbClr r="0" g="0" b="0"/>
+      </a:lnRef>
+      <a:fillRef idx="1">
+        <a:scrgbClr r="0" g="0" b="0"/>
+      </a:fillRef>
+      <a:effectRef idx="0">
+        <a:scrgbClr r="0" g="0" b="0"/>
+      </a:effectRef>
+      <a:fontRef idx="minor">
+        <a:schemeClr val="lt1"/>
+      </a:fontRef>
+    </dgm:style>
+  </dgm:styleLbl>
+  <dgm:styleLbl name="sibTrans1D1">
+    <dgm:scene3d>
+      <a:camera prst="orthographicFront"/>
+      <a:lightRig rig="threePt" dir="t"/>
+    </dgm:scene3d>
+    <dgm:sp3d/>
+    <dgm:txPr/>
+    <dgm:style>
+      <a:lnRef idx="1">
+        <a:scrgbClr r="0" g="0" b="0"/>
+      </a:lnRef>
+      <a:fillRef idx="0">
+        <a:scrgbClr r="0" g="0" b="0"/>
+      </a:fillRef>
+      <a:effectRef idx="0">
+        <a:scrgbClr r="0" g="0" b="0"/>
+      </a:effectRef>
+      <a:fontRef idx="minor"/>
+    </dgm:style>
+  </dgm:styleLbl>
+  <dgm:styleLbl name="callout">
+    <dgm:scene3d>
+      <a:camera prst="orthographicFront"/>
+      <a:lightRig rig="threePt" dir="t"/>
+    </dgm:scene3d>
+    <dgm:sp3d/>
+    <dgm:txPr/>
+    <dgm:style>
+      <a:lnRef idx="2">
+        <a:scrgbClr r="0" g="0" b="0"/>
+      </a:lnRef>
+      <a:fillRef idx="1">
+        <a:scrgbClr r="0" g="0" b="0"/>
+      </a:fillRef>
+      <a:effectRef idx="0">
+        <a:scrgbClr r="0" g="0" b="0"/>
+      </a:effectRef>
+      <a:fontRef idx="minor"/>
+    </dgm:style>
+  </dgm:styleLbl>
+  <dgm:styleLbl name="asst0">
+    <dgm:scene3d>
+      <a:camera prst="orthographicFront"/>
+      <a:lightRig rig="threePt" dir="t"/>
+    </dgm:scene3d>
+    <dgm:sp3d/>
+    <dgm:txPr/>
+    <dgm:style>
+      <a:lnRef idx="2">
+        <a:scrgbClr r="0" g="0" b="0"/>
+      </a:lnRef>
+      <a:fillRef idx="1">
+        <a:scrgbClr r="0" g="0" b="0"/>
+      </a:fillRef>
+      <a:effectRef idx="0">
+        <a:scrgbClr r="0" g="0" b="0"/>
+      </a:effectRef>
+      <a:fontRef idx="minor">
+        <a:schemeClr val="lt1"/>
+      </a:fontRef>
+    </dgm:style>
+  </dgm:styleLbl>
+  <dgm:styleLbl name="asst1">
+    <dgm:scene3d>
+      <a:camera prst="orthographicFront"/>
+      <a:lightRig rig="threePt" dir="t"/>
+    </dgm:scene3d>
+    <dgm:sp3d/>
+    <dgm:txPr/>
+    <dgm:style>
+      <a:lnRef idx="2">
+        <a:scrgbClr r="0" g="0" b="0"/>
+      </a:lnRef>
+      <a:fillRef idx="1">
+        <a:scrgbClr r="0" g="0" b="0"/>
+      </a:fillRef>
+      <a:effectRef idx="0">
+        <a:scrgbClr r="0" g="0" b="0"/>
+      </a:effectRef>
+      <a:fontRef idx="minor">
+        <a:schemeClr val="lt1"/>
+      </a:fontRef>
+    </dgm:style>
+  </dgm:styleLbl>
+  <dgm:styleLbl name="asst2">
+    <dgm:scene3d>
+      <a:camera prst="orthographicFront"/>
+      <a:lightRig rig="threePt" dir="t"/>
+    </dgm:scene3d>
+    <dgm:sp3d/>
+    <dgm:txPr/>
+    <dgm:style>
+      <a:lnRef idx="2">
+        <a:scrgbClr r="0" g="0" b="0"/>
+      </a:lnRef>
+      <a:fillRef idx="1">
+        <a:scrgbClr r="0" g="0" b="0"/>
+      </a:fillRef>
+      <a:effectRef idx="0">
+        <a:scrgbClr r="0" g="0" b="0"/>
+      </a:effectRef>
+      <a:fontRef idx="minor">
+        <a:schemeClr val="lt1"/>
+      </a:fontRef>
+    </dgm:style>
+  </dgm:styleLbl>
+  <dgm:styleLbl name="asst3">
+    <dgm:scene3d>
+      <a:camera prst="orthographicFront"/>
+      <a:lightRig rig="threePt" dir="t"/>
+    </dgm:scene3d>
+    <dgm:sp3d/>
+    <dgm:txPr/>
+    <dgm:style>
+      <a:lnRef idx="2">
+        <a:scrgbClr r="0" g="0" b="0"/>
+      </a:lnRef>
+      <a:fillRef idx="1">
+        <a:scrgbClr r="0" g="0" b="0"/>
+      </a:fillRef>
+      <a:effectRef idx="0">
+        <a:scrgbClr r="0" g="0" b="0"/>
+      </a:effectRef>
+      <a:fontRef idx="minor">
+        <a:schemeClr val="lt1"/>
+      </a:fontRef>
+    </dgm:style>
+  </dgm:styleLbl>
+  <dgm:styleLbl name="asst4">
+    <dgm:scene3d>
+      <a:camera prst="orthographicFront"/>
+      <a:lightRig rig="threePt" dir="t"/>
+    </dgm:scene3d>
+    <dgm:sp3d/>
+    <dgm:txPr/>
+    <dgm:style>
+      <a:lnRef idx="2">
+        <a:scrgbClr r="0" g="0" b="0"/>
+      </a:lnRef>
+      <a:fillRef idx="1">
+        <a:scrgbClr r="0" g="0" b="0"/>
+      </a:fillRef>
+      <a:effectRef idx="0">
+        <a:scrgbClr r="0" g="0" b="0"/>
+      </a:effectRef>
+      <a:fontRef idx="minor">
+        <a:schemeClr val="lt1"/>
+      </a:fontRef>
+    </dgm:style>
+  </dgm:styleLbl>
+  <dgm:styleLbl name="parChTrans2D1">
+    <dgm:scene3d>
+      <a:camera prst="orthographicFront"/>
+      <a:lightRig rig="threePt" dir="t"/>
+    </dgm:scene3d>
+    <dgm:sp3d/>
+    <dgm:txPr/>
+    <dgm:style>
+      <a:lnRef idx="2">
+        <a:scrgbClr r="0" g="0" b="0"/>
+      </a:lnRef>
+      <a:fillRef idx="1">
+        <a:scrgbClr r="0" g="0" b="0"/>
+      </a:fillRef>
+      <a:effectRef idx="0">
+        <a:scrgbClr r="0" g="0" b="0"/>
+      </a:effectRef>
+      <a:fontRef idx="minor">
+        <a:schemeClr val="lt1"/>
+      </a:fontRef>
+    </dgm:style>
+  </dgm:styleLbl>
+  <dgm:styleLbl name="parChTrans2D2">
+    <dgm:scene3d>
+      <a:camera prst="orthographicFront"/>
+      <a:lightRig rig="threePt" dir="t"/>
+    </dgm:scene3d>
+    <dgm:sp3d/>
+    <dgm:txPr/>
+    <dgm:style>
+      <a:lnRef idx="2">
+        <a:scrgbClr r="0" g="0" b="0"/>
+      </a:lnRef>
+      <a:fillRef idx="1">
+        <a:scrgbClr r="0" g="0" b="0"/>
+      </a:fillRef>
+      <a:effectRef idx="0">
+        <a:scrgbClr r="0" g="0" b="0"/>
+      </a:effectRef>
+      <a:fontRef idx="minor">
+        <a:schemeClr val="lt1"/>
+      </a:fontRef>
+    </dgm:style>
+  </dgm:styleLbl>
+  <dgm:styleLbl name="parChTrans2D3">
+    <dgm:scene3d>
+      <a:camera prst="orthographicFront"/>
+      <a:lightRig rig="threePt" dir="t"/>
+    </dgm:scene3d>
+    <dgm:sp3d/>
+    <dgm:txPr/>
+    <dgm:style>
+      <a:lnRef idx="2">
+        <a:scrgbClr r="0" g="0" b="0"/>
+      </a:lnRef>
+      <a:fillRef idx="1">
+        <a:scrgbClr r="0" g="0" b="0"/>
+      </a:fillRef>
+      <a:effectRef idx="0">
+        <a:scrgbClr r="0" g="0" b="0"/>
+      </a:effectRef>
+      <a:fontRef idx="minor">
+        <a:schemeClr val="lt1"/>
+      </a:fontRef>
+    </dgm:style>
+  </dgm:styleLbl>
+  <dgm:styleLbl name="parChTrans2D4">
+    <dgm:scene3d>
+      <a:camera prst="orthographicFront"/>
+      <a:lightRig rig="threePt" dir="t"/>
+    </dgm:scene3d>
+    <dgm:sp3d/>
+    <dgm:txPr/>
+    <dgm:style>
+      <a:lnRef idx="2">
+        <a:scrgbClr r="0" g="0" b="0"/>
+      </a:lnRef>
+      <a:fillRef idx="1">
+        <a:scrgbClr r="0" g="0" b="0"/>
+      </a:fillRef>
+      <a:effectRef idx="0">
+        <a:scrgbClr r="0" g="0" b="0"/>
+      </a:effectRef>
+      <a:fontRef idx="minor">
+        <a:schemeClr val="lt1"/>
+      </a:fontRef>
+    </dgm:style>
+  </dgm:styleLbl>
+  <dgm:styleLbl name="parChTrans1D1">
+    <dgm:scene3d>
+      <a:camera prst="orthographicFront"/>
+      <a:lightRig rig="threePt" dir="t"/>
+    </dgm:scene3d>
+    <dgm:sp3d/>
+    <dgm:txPr/>
+    <dgm:style>
+      <a:lnRef idx="2">
+        <a:scrgbClr r="0" g="0" b="0"/>
+      </a:lnRef>
+      <a:fillRef idx="0">
+        <a:scrgbClr r="0" g="0" b="0"/>
+      </a:fillRef>
+      <a:effectRef idx="0">
+        <a:scrgbClr r="0" g="0" b="0"/>
+      </a:effectRef>
+      <a:fontRef idx="minor"/>
+    </dgm:style>
+  </dgm:styleLbl>
+  <dgm:styleLbl name="parChTrans1D2">
+    <dgm:scene3d>
+      <a:camera prst="orthographicFront"/>
+      <a:lightRig rig="threePt" dir="t"/>
+    </dgm:scene3d>
+    <dgm:sp3d/>
+    <dgm:txPr/>
+    <dgm:style>
+      <a:lnRef idx="2">
+        <a:scrgbClr r="0" g="0" b="0"/>
+      </a:lnRef>
+      <a:fillRef idx="0">
+        <a:scrgbClr r="0" g="0" b="0"/>
+      </a:fillRef>
+      <a:effectRef idx="0">
+        <a:scrgbClr r="0" g="0" b="0"/>
+      </a:effectRef>
+      <a:fontRef idx="minor"/>
+    </dgm:style>
+  </dgm:styleLbl>
+  <dgm:styleLbl name="parChTrans1D3">
+    <dgm:scene3d>
+      <a:camera prst="orthographicFront"/>
+      <a:lightRig rig="threePt" dir="t"/>
+    </dgm:scene3d>
+    <dgm:sp3d/>
+    <dgm:txPr/>
+    <dgm:style>
+      <a:lnRef idx="2">
+        <a:scrgbClr r="0" g="0" b="0"/>
+      </a:lnRef>
+      <a:fillRef idx="0">
+        <a:scrgbClr r="0" g="0" b="0"/>
+      </a:fillRef>
+      <a:effectRef idx="0">
+        <a:scrgbClr r="0" g="0" b="0"/>
+      </a:effectRef>
+      <a:fontRef idx="minor"/>
+    </dgm:style>
+  </dgm:styleLbl>
+  <dgm:styleLbl name="parChTrans1D4">
+    <dgm:scene3d>
+      <a:camera prst="orthographicFront"/>
+      <a:lightRig rig="threePt" dir="t"/>
+    </dgm:scene3d>
+    <dgm:sp3d/>
+    <dgm:txPr/>
+    <dgm:style>
+      <a:lnRef idx="2">
+        <a:scrgbClr r="0" g="0" b="0"/>
+      </a:lnRef>
+      <a:fillRef idx="0">
+        <a:scrgbClr r="0" g="0" b="0"/>
+      </a:fillRef>
+      <a:effectRef idx="0">
+        <a:scrgbClr r="0" g="0" b="0"/>
+      </a:effectRef>
+      <a:fontRef idx="minor"/>
+    </dgm:style>
+  </dgm:styleLbl>
+  <dgm:styleLbl name="fgAcc1">
+    <dgm:scene3d>
+      <a:camera prst="orthographicFront"/>
+      <a:lightRig rig="threePt" dir="t"/>
+    </dgm:scene3d>
+    <dgm:sp3d/>
+    <dgm:txPr/>
+    <dgm:style>
+      <a:lnRef idx="2">
+        <a:scrgbClr r="0" g="0" b="0"/>
+      </a:lnRef>
+      <a:fillRef idx="1">
+        <a:scrgbClr r="0" g="0" b="0"/>
+      </a:fillRef>
+      <a:effectRef idx="0">
+        <a:scrgbClr r="0" g="0" b="0"/>
+      </a:effectRef>
+      <a:fontRef idx="minor"/>
+    </dgm:style>
+  </dgm:styleLbl>
+  <dgm:styleLbl name="conFgAcc1">
+    <dgm:scene3d>
+      <a:camera prst="orthographicFront"/>
+      <a:lightRig rig="threePt" dir="t"/>
+    </dgm:scene3d>
+    <dgm:sp3d/>
+    <dgm:txPr/>
+    <dgm:style>
+      <a:lnRef idx="2">
+        <a:scrgbClr r="0" g="0" b="0"/>
+      </a:lnRef>
+      <a:fillRef idx="1">
+        <a:scrgbClr r="0" g="0" b="0"/>
+      </a:fillRef>
+      <a:effectRef idx="0">
+        <a:scrgbClr r="0" g="0" b="0"/>
+      </a:effectRef>
+      <a:fontRef idx="minor"/>
+    </dgm:style>
+  </dgm:styleLbl>
+  <dgm:styleLbl name="alignAcc1">
+    <dgm:scene3d>
+      <a:camera prst="orthographicFront"/>
+      <a:lightRig rig="threePt" dir="t"/>
+    </dgm:scene3d>
+    <dgm:sp3d/>
+    <dgm:txPr/>
+    <dgm:style>
+      <a:lnRef idx="2">
+        <a:scrgbClr r="0" g="0" b="0"/>
+      </a:lnRef>
+      <a:fillRef idx="1">
+        <a:scrgbClr r="0" g="0" b="0"/>
+      </a:fillRef>
+      <a:effectRef idx="0">
+        <a:scrgbClr r="0" g="0" b="0"/>
+      </a:effectRef>
+      <a:fontRef idx="minor"/>
+    </dgm:style>
+  </dgm:styleLbl>
+  <dgm:styleLbl name="trAlignAcc1">
+    <dgm:scene3d>
+      <a:camera prst="orthographicFront"/>
+      <a:lightRig rig="threePt" dir="t"/>
+    </dgm:scene3d>
+    <dgm:sp3d/>
+    <dgm:txPr/>
+    <dgm:style>
+      <a:lnRef idx="1">
+        <a:scrgbClr r="0" g="0" b="0"/>
+      </a:lnRef>
+      <a:fillRef idx="1">
+        <a:scrgbClr r="0" g="0" b="0"/>
+      </a:fillRef>
+      <a:effectRef idx="0">
+        <a:scrgbClr r="0" g="0" b="0"/>
+      </a:effectRef>
+      <a:fontRef idx="minor"/>
+    </dgm:style>
+  </dgm:styleLbl>
+  <dgm:styleLbl name="bgAcc1">
+    <dgm:scene3d>
+      <a:camera prst="orthographicFront"/>
+      <a:lightRig rig="threePt" dir="t"/>
+    </dgm:scene3d>
+    <dgm:sp3d/>
+    <dgm:txPr/>
+    <dgm:style>
+      <a:lnRef idx="2">
+        <a:scrgbClr r="0" g="0" b="0"/>
+      </a:lnRef>
+      <a:fillRef idx="1">
+        <a:scrgbClr r="0" g="0" b="0"/>
+      </a:fillRef>
+      <a:effectRef idx="0">
+        <a:scrgbClr r="0" g="0" b="0"/>
+      </a:effectRef>
+      <a:fontRef idx="minor"/>
+    </dgm:style>
+  </dgm:styleLbl>
+  <dgm:styleLbl name="solidFgAcc1">
+    <dgm:scene3d>
+      <a:camera prst="orthographicFront"/>
+      <a:lightRig rig="threePt" dir="t"/>
+    </dgm:scene3d>
+    <dgm:sp3d/>
+    <dgm:txPr/>
+    <dgm:style>
+      <a:lnRef idx="2">
+        <a:scrgbClr r="0" g="0" b="0"/>
+      </a:lnRef>
+      <a:fillRef idx="1">
+        <a:scrgbClr r="0" g="0" b="0"/>
+      </a:fillRef>
+      <a:effectRef idx="0">
+        <a:scrgbClr r="0" g="0" b="0"/>
+      </a:effectRef>
+      <a:fontRef idx="minor"/>
+    </dgm:style>
+  </dgm:styleLbl>
+  <dgm:styleLbl name="solidAlignAcc1">
+    <dgm:scene3d>
+      <a:camera prst="orthographicFront"/>
+      <a:lightRig rig="threePt" dir="t"/>
+    </dgm:scene3d>
+    <dgm:sp3d/>
+    <dgm:txPr/>
+    <dgm:style>
+      <a:lnRef idx="2">
+        <a:scrgbClr r="0" g="0" b="0"/>
+      </a:lnRef>
+      <a:fillRef idx="1">
+        <a:scrgbClr r="0" g="0" b="0"/>
+      </a:fillRef>
+      <a:effectRef idx="0">
+        <a:scrgbClr r="0" g="0" b="0"/>
+      </a:effectRef>
+      <a:fontRef idx="minor"/>
+    </dgm:style>
+  </dgm:styleLbl>
+  <dgm:styleLbl name="solidBgAcc1">
+    <dgm:scene3d>
+      <a:camera prst="orthographicFront"/>
+      <a:lightRig rig="threePt" dir="t"/>
+    </dgm:scene3d>
+    <dgm:sp3d/>
+    <dgm:txPr/>
+    <dgm:style>
+      <a:lnRef idx="2">
+        <a:scrgbClr r="0" g="0" b="0"/>
+      </a:lnRef>
+      <a:fillRef idx="1">
+        <a:scrgbClr r="0" g="0" b="0"/>
+      </a:fillRef>
+      <a:effectRef idx="0">
+        <a:scrgbClr r="0" g="0" b="0"/>
+      </a:effectRef>
+      <a:fontRef idx="minor"/>
+    </dgm:style>
+  </dgm:styleLbl>
+  <dgm:styleLbl name="fgAccFollowNode1">
+    <dgm:scene3d>
+      <a:camera prst="orthographicFront"/>
+      <a:lightRig rig="threePt" dir="t"/>
+    </dgm:scene3d>
+    <dgm:sp3d/>
+    <dgm:txPr/>
+    <dgm:style>
+      <a:lnRef idx="2">
+        <a:scrgbClr r="0" g="0" b="0"/>
+      </a:lnRef>
+      <a:fillRef idx="1">
+        <a:scrgbClr r="0" g="0" b="0"/>
+      </a:fillRef>
+      <a:effectRef idx="0">
+        <a:scrgbClr r="0" g="0" b="0"/>
+      </a:effectRef>
+      <a:fontRef idx="minor"/>
+    </dgm:style>
+  </dgm:styleLbl>
+  <dgm:styleLbl name="alignAccFollowNode1">
+    <dgm:scene3d>
+      <a:camera prst="orthographicFront"/>
+      <a:lightRig rig="threePt" dir="t"/>
+    </dgm:scene3d>
+    <dgm:sp3d/>
+    <dgm:txPr/>
+    <dgm:style>
+      <a:lnRef idx="2">
+        <a:scrgbClr r="0" g="0" b="0"/>
+      </a:lnRef>
+      <a:fillRef idx="1">
+        <a:scrgbClr r="0" g="0" b="0"/>
+      </a:fillRef>
+      <a:effectRef idx="0">
+        <a:scrgbClr r="0" g="0" b="0"/>
+      </a:effectRef>
+      <a:fontRef idx="minor"/>
+    </dgm:style>
+  </dgm:styleLbl>
+  <dgm:styleLbl name="bgAccFollowNode1">
+    <dgm:scene3d>
+      <a:camera prst="orthographicFront"/>
+      <a:lightRig rig="threePt" dir="t"/>
+    </dgm:scene3d>
+    <dgm:sp3d/>
+    <dgm:txPr/>
+    <dgm:style>
+      <a:lnRef idx="2">
+        <a:scrgbClr r="0" g="0" b="0"/>
+      </a:lnRef>
+      <a:fillRef idx="1">
+        <a:scrgbClr r="0" g="0" b="0"/>
+      </a:fillRef>
+      <a:effectRef idx="0">
+        <a:scrgbClr r="0" g="0" b="0"/>
+      </a:effectRef>
+      <a:fontRef idx="minor"/>
+    </dgm:style>
+  </dgm:styleLbl>
+  <dgm:styleLbl name="fgAcc0">
+    <dgm:scene3d>
+      <a:camera prst="orthographicFront"/>
+      <a:lightRig rig="threePt" dir="t"/>
+    </dgm:scene3d>
+    <dgm:sp3d/>
+    <dgm:txPr/>
+    <dgm:style>
+      <a:lnRef idx="2">
+        <a:scrgbClr r="0" g="0" b="0"/>
+      </a:lnRef>
+      <a:fillRef idx="1">
+        <a:scrgbClr r="0" g="0" b="0"/>
+      </a:fillRef>
+      <a:effectRef idx="0">
+        <a:scrgbClr r="0" g="0" b="0"/>
+      </a:effectRef>
+      <a:fontRef idx="minor"/>
+    </dgm:style>
+  </dgm:styleLbl>
+  <dgm:styleLbl name="fgAcc2">
+    <dgm:scene3d>
+      <a:camera prst="orthographicFront"/>
+      <a:lightRig rig="threePt" dir="t"/>
+    </dgm:scene3d>
+    <dgm:sp3d/>
+    <dgm:txPr/>
+    <dgm:style>
+      <a:lnRef idx="2">
+        <a:scrgbClr r="0" g="0" b="0"/>
+      </a:lnRef>
+      <a:fillRef idx="1">
+        <a:scrgbClr r="0" g="0" b="0"/>
+      </a:fillRef>
+      <a:effectRef idx="0">
+        <a:scrgbClr r="0" g="0" b="0"/>
+      </a:effectRef>
+      <a:fontRef idx="minor"/>
+    </dgm:style>
+  </dgm:styleLbl>
+  <dgm:styleLbl name="fgAcc3">
+    <dgm:scene3d>
+      <a:camera prst="orthographicFront"/>
+      <a:lightRig rig="threePt" dir="t"/>
+    </dgm:scene3d>
+    <dgm:sp3d/>
+    <dgm:txPr/>
+    <dgm:style>
+      <a:lnRef idx="2">
+        <a:scrgbClr r="0" g="0" b="0"/>
+      </a:lnRef>
+      <a:fillRef idx="1">
+        <a:scrgbClr r="0" g="0" b="0"/>
+      </a:fillRef>
+      <a:effectRef idx="0">
+        <a:scrgbClr r="0" g="0" b="0"/>
+      </a:effectRef>
+      <a:fontRef idx="minor"/>
+    </dgm:style>
+  </dgm:styleLbl>
+  <dgm:styleLbl name="fgAcc4">
+    <dgm:scene3d>
+      <a:camera prst="orthographicFront"/>
+      <a:lightRig rig="threePt" dir="t"/>
+    </dgm:scene3d>
+    <dgm:sp3d/>
+    <dgm:txPr/>
+    <dgm:style>
+      <a:lnRef idx="2">
+        <a:scrgbClr r="0" g="0" b="0"/>
+      </a:lnRef>
+      <a:fillRef idx="1">
+        <a:scrgbClr r="0" g="0" b="0"/>
+      </a:fillRef>
+      <a:effectRef idx="0">
+        <a:scrgbClr r="0" g="0" b="0"/>
+      </a:effectRef>
+      <a:fontRef idx="minor"/>
+    </dgm:style>
+  </dgm:styleLbl>
+  <dgm:styleLbl name="bgShp">
+    <dgm:scene3d>
+      <a:camera prst="orthographicFront"/>
+      <a:lightRig rig="threePt" dir="t"/>
+    </dgm:scene3d>
+    <dgm:sp3d/>
+    <dgm:txPr/>
+    <dgm:style>
+      <a:lnRef idx="0">
+        <a:scrgbClr r="0" g="0" b="0"/>
+      </a:lnRef>
+      <a:fillRef idx="1">
+        <a:scrgbClr r="0" g="0" b="0"/>
+      </a:fillRef>
+      <a:effectRef idx="0">
+        <a:scrgbClr r="0" g="0" b="0"/>
+      </a:effectRef>
+      <a:fontRef idx="minor"/>
+    </dgm:style>
+  </dgm:styleLbl>
+  <dgm:styleLbl name="dkBgShp">
+    <dgm:scene3d>
+      <a:camera prst="orthographicFront"/>
+      <a:lightRig rig="threePt" dir="t"/>
+    </dgm:scene3d>
+    <dgm:sp3d/>
+    <dgm:txPr/>
+    <dgm:style>
+      <a:lnRef idx="0">
+        <a:scrgbClr r="0" g="0" b="0"/>
+      </a:lnRef>
+      <a:fillRef idx="1">
+        <a:scrgbClr r="0" g="0" b="0"/>
+      </a:fillRef>
+      <a:effectRef idx="0">
+        <a:scrgbClr r="0" g="0" b="0"/>
+      </a:effectRef>
+      <a:fontRef idx="minor"/>
+    </dgm:style>
+  </dgm:styleLbl>
+  <dgm:styleLbl name="trBgShp">
+    <dgm:scene3d>
+      <a:camera prst="orthographicFront"/>
+      <a:lightRig rig="threePt" dir="t"/>
+    </dgm:scene3d>
+    <dgm:sp3d/>
+    <dgm:txPr/>
+    <dgm:style>
+      <a:lnRef idx="0">
+        <a:scrgbClr r="0" g="0" b="0"/>
+      </a:lnRef>
+      <a:fillRef idx="1">
+        <a:scrgbClr r="0" g="0" b="0"/>
+      </a:fillRef>
+      <a:effectRef idx="0">
+        <a:scrgbClr r="0" g="0" b="0"/>
+      </a:effectRef>
+      <a:fontRef idx="minor"/>
+    </dgm:style>
+  </dgm:styleLbl>
+  <dgm:styleLbl name="fgShp">
+    <dgm:scene3d>
+      <a:camera prst="orthographicFront"/>
+      <a:lightRig rig="threePt" dir="t"/>
+    </dgm:scene3d>
+    <dgm:sp3d/>
+    <dgm:txPr/>
+    <dgm:style>
+      <a:lnRef idx="2">
+        <a:scrgbClr r="0" g="0" b="0"/>
+      </a:lnRef>
+      <a:fillRef idx="1">
+        <a:scrgbClr r="0" g="0" b="0"/>
+      </a:fillRef>
+      <a:effectRef idx="0">
+        <a:scrgbClr r="0" g="0" b="0"/>
+      </a:effectRef>
+      <a:fontRef idx="minor"/>
+    </dgm:style>
+  </dgm:styleLbl>
+  <dgm:styleLbl name="revTx">
+    <dgm:scene3d>
+      <a:camera prst="orthographicFront"/>
+      <a:lightRig rig="threePt" dir="t"/>
+    </dgm:scene3d>
+    <dgm:sp3d/>
+    <dgm:txPr/>
+    <dgm:style>
+      <a:lnRef idx="0">
+        <a:scrgbClr r="0" g="0" b="0"/>
+      </a:lnRef>
+      <a:fillRef idx="0">
+        <a:scrgbClr r="0" g="0" b="0"/>
+      </a:fillRef>
+      <a:effectRef idx="0">
+        <a:scrgbClr r="0" g="0" b="0"/>
+      </a:effectRef>
+      <a:fontRef idx="minor"/>
+    </dgm:style>
+  </dgm:styleLbl>
+</dgm:styleDef>
 </file>
 
 <file path=ppt/slideLayouts/slideLayout1.xml><?xml version="1.0" encoding="utf-8"?>
@@ -126,10 +2580,167 @@
       </p:grpSpPr>
       <p:sp>
         <p:nvSpPr>
+          <p:cNvPr id="8" name="Freeform: Shape 7">
+            <a:extLst>
+              <a:ext uri="{FF2B5EF4-FFF2-40B4-BE49-F238E27FC236}">
+                <a16:creationId xmlns:a16="http://schemas.microsoft.com/office/drawing/2014/main" id="{48D7368D-31D9-8101-473D-CD39E706FD22}"/>
+              </a:ext>
+              <a:ext uri="{C183D7F6-B498-43B3-948B-1728B52AA6E4}">
+                <adec:decorative xmlns:adec="http://schemas.microsoft.com/office/drawing/2017/decorative" val="1"/>
+              </a:ext>
+            </a:extLst>
+          </p:cNvPr>
+          <p:cNvSpPr/>
+          <p:nvPr/>
+        </p:nvSpPr>
+        <p:spPr>
+          <a:xfrm>
+            <a:off x="5796401" y="3378954"/>
+            <a:ext cx="6394567" cy="3479046"/>
+          </a:xfrm>
+          <a:custGeom>
+            <a:avLst/>
+            <a:gdLst>
+              <a:gd name="connsiteX0" fmla="*/ 5171297 w 6394567"/>
+              <a:gd name="connsiteY0" fmla="*/ 284 h 3479046"/>
+              <a:gd name="connsiteX1" fmla="*/ 6394290 w 6394567"/>
+              <a:gd name="connsiteY1" fmla="*/ 430072 h 3479046"/>
+              <a:gd name="connsiteX2" fmla="*/ 6394567 w 6394567"/>
+              <a:gd name="connsiteY2" fmla="*/ 430316 h 3479046"/>
+              <a:gd name="connsiteX3" fmla="*/ 6394567 w 6394567"/>
+              <a:gd name="connsiteY3" fmla="*/ 3479046 h 3479046"/>
+              <a:gd name="connsiteX4" fmla="*/ 0 w 6394567"/>
+              <a:gd name="connsiteY4" fmla="*/ 3479046 h 3479046"/>
+              <a:gd name="connsiteX5" fmla="*/ 3916974 w 6394567"/>
+              <a:gd name="connsiteY5" fmla="*/ 405504 h 3479046"/>
+              <a:gd name="connsiteX6" fmla="*/ 3959456 w 6394567"/>
+              <a:gd name="connsiteY6" fmla="*/ 373857 h 3479046"/>
+              <a:gd name="connsiteX7" fmla="*/ 5052215 w 6394567"/>
+              <a:gd name="connsiteY7" fmla="*/ 1756 h 3479046"/>
+              <a:gd name="connsiteX8" fmla="*/ 5171297 w 6394567"/>
+              <a:gd name="connsiteY8" fmla="*/ 284 h 3479046"/>
+            </a:gdLst>
+            <a:ahLst/>
+            <a:cxnLst>
+              <a:cxn ang="0">
+                <a:pos x="connsiteX0" y="connsiteY0"/>
+              </a:cxn>
+              <a:cxn ang="0">
+                <a:pos x="connsiteX1" y="connsiteY1"/>
+              </a:cxn>
+              <a:cxn ang="0">
+                <a:pos x="connsiteX2" y="connsiteY2"/>
+              </a:cxn>
+              <a:cxn ang="0">
+                <a:pos x="connsiteX3" y="connsiteY3"/>
+              </a:cxn>
+              <a:cxn ang="0">
+                <a:pos x="connsiteX4" y="connsiteY4"/>
+              </a:cxn>
+              <a:cxn ang="0">
+                <a:pos x="connsiteX5" y="connsiteY5"/>
+              </a:cxn>
+              <a:cxn ang="0">
+                <a:pos x="connsiteX6" y="connsiteY6"/>
+              </a:cxn>
+              <a:cxn ang="0">
+                <a:pos x="connsiteX7" y="connsiteY7"/>
+              </a:cxn>
+              <a:cxn ang="0">
+                <a:pos x="connsiteX8" y="connsiteY8"/>
+              </a:cxn>
+            </a:cxnLst>
+            <a:rect l="l" t="t" r="r" b="b"/>
+            <a:pathLst>
+              <a:path w="6394567" h="3479046">
+                <a:moveTo>
+                  <a:pt x="5171297" y="284"/>
+                </a:moveTo>
+                <a:cubicBezTo>
+                  <a:pt x="5607674" y="7531"/>
+                  <a:pt x="6039042" y="153650"/>
+                  <a:pt x="6394290" y="430072"/>
+                </a:cubicBezTo>
+                <a:lnTo>
+                  <a:pt x="6394567" y="430316"/>
+                </a:lnTo>
+                <a:lnTo>
+                  <a:pt x="6394567" y="3479046"/>
+                </a:lnTo>
+                <a:lnTo>
+                  <a:pt x="0" y="3479046"/>
+                </a:lnTo>
+                <a:lnTo>
+                  <a:pt x="3916974" y="405504"/>
+                </a:lnTo>
+                <a:lnTo>
+                  <a:pt x="3959456" y="373857"/>
+                </a:lnTo>
+                <a:cubicBezTo>
+                  <a:pt x="4291086" y="139664"/>
+                  <a:pt x="4671097" y="17528"/>
+                  <a:pt x="5052215" y="1756"/>
+                </a:cubicBezTo>
+                <a:cubicBezTo>
+                  <a:pt x="5091916" y="114"/>
+                  <a:pt x="5131627" y="-375"/>
+                  <a:pt x="5171297" y="284"/>
+                </a:cubicBezTo>
+                <a:close/>
+              </a:path>
+            </a:pathLst>
+          </a:custGeom>
+          <a:gradFill>
+            <a:gsLst>
+              <a:gs pos="39000">
+                <a:schemeClr val="bg2"/>
+              </a:gs>
+              <a:gs pos="100000">
+                <a:schemeClr val="accent1">
+                  <a:lumMod val="60000"/>
+                  <a:lumOff val="40000"/>
+                </a:schemeClr>
+              </a:gs>
+            </a:gsLst>
+            <a:lin ang="1200000" scaled="0"/>
+          </a:gradFill>
+          <a:ln>
+            <a:noFill/>
+          </a:ln>
+        </p:spPr>
+        <p:style>
+          <a:lnRef idx="2">
+            <a:schemeClr val="accent1">
+              <a:shade val="50000"/>
+            </a:schemeClr>
+          </a:lnRef>
+          <a:fillRef idx="1">
+            <a:schemeClr val="accent1"/>
+          </a:fillRef>
+          <a:effectRef idx="0">
+            <a:schemeClr val="accent1"/>
+          </a:effectRef>
+          <a:fontRef idx="minor">
+            <a:schemeClr val="lt1"/>
+          </a:fontRef>
+        </p:style>
+        <p:txBody>
+          <a:bodyPr wrap="square" rtlCol="0" anchor="ctr">
+            <a:noAutofit/>
+          </a:bodyPr>
+          <a:lstStyle/>
+          <a:p>
+            <a:pPr algn="ctr"/>
+            <a:endParaRPr lang="en-US"/>
+          </a:p>
+        </p:txBody>
+      </p:sp>
+      <p:sp>
+        <p:nvSpPr>
           <p:cNvPr id="2" name="Title 1">
             <a:extLst>
               <a:ext uri="{FF2B5EF4-FFF2-40B4-BE49-F238E27FC236}">
-                <a16:creationId xmlns:a16="http://schemas.microsoft.com/office/drawing/2014/main" id="{E792BFAC-6304-75E1-A618-C4239EA6E0AA}"/>
+                <a16:creationId xmlns:a16="http://schemas.microsoft.com/office/drawing/2014/main" id="{9FF32C74-82F4-2A29-889B-EF23CEE6AA4F}"/>
               </a:ext>
             </a:extLst>
           </p:cNvPr>
@@ -142,15 +2753,20 @@
         </p:nvSpPr>
         <p:spPr>
           <a:xfrm>
-            <a:off x="1524000" y="1122363"/>
-            <a:ext cx="9144000" cy="2387600"/>
+            <a:off x="1066801" y="1122363"/>
+            <a:ext cx="6211185" cy="2305246"/>
           </a:xfrm>
         </p:spPr>
         <p:txBody>
-          <a:bodyPr anchor="b"/>
+          <a:bodyPr anchor="b">
+            <a:normAutofit/>
+          </a:bodyPr>
           <a:lstStyle>
-            <a:lvl1pPr algn="ctr">
-              <a:defRPr sz="6000"/>
+            <a:lvl1pPr algn="l">
+              <a:lnSpc>
+                <a:spcPct val="100000"/>
+              </a:lnSpc>
+              <a:defRPr sz="3600"/>
             </a:lvl1pPr>
           </a:lstStyle>
           <a:p>
@@ -158,6 +2774,7 @@
               <a:rPr lang="en-US"/>
               <a:t>Click to edit Master title style</a:t>
             </a:r>
+            <a:endParaRPr lang="en-US" dirty="0"/>
           </a:p>
         </p:txBody>
       </p:sp>
@@ -166,7 +2783,7 @@
           <p:cNvPr id="3" name="Subtitle 2">
             <a:extLst>
               <a:ext uri="{FF2B5EF4-FFF2-40B4-BE49-F238E27FC236}">
-                <a16:creationId xmlns:a16="http://schemas.microsoft.com/office/drawing/2014/main" id="{81665177-2474-FD85-98AD-073FE2EC1C6E}"/>
+                <a16:creationId xmlns:a16="http://schemas.microsoft.com/office/drawing/2014/main" id="{74ACADD6-278F-604C-8A38-BBBAFC6754E8}"/>
               </a:ext>
             </a:extLst>
           </p:cNvPr>
@@ -179,16 +2796,18 @@
         </p:nvSpPr>
         <p:spPr>
           <a:xfrm>
-            <a:off x="1524000" y="3602038"/>
-            <a:ext cx="9144000" cy="1655762"/>
+            <a:off x="1066802" y="3549048"/>
+            <a:ext cx="5029198" cy="1956278"/>
           </a:xfrm>
         </p:spPr>
         <p:txBody>
-          <a:bodyPr/>
+          <a:bodyPr>
+            <a:normAutofit/>
+          </a:bodyPr>
           <a:lstStyle>
-            <a:lvl1pPr marL="0" indent="0" algn="ctr">
-              <a:buNone/>
-              <a:defRPr sz="2400"/>
+            <a:lvl1pPr marL="0" indent="0" algn="l">
+              <a:buNone/>
+              <a:defRPr sz="2000"/>
             </a:lvl1pPr>
             <a:lvl2pPr marL="457200" indent="0" algn="ctr">
               <a:buNone/>
@@ -228,6 +2847,7 @@
               <a:rPr lang="en-US"/>
               <a:t>Click to edit Master subtitle style</a:t>
             </a:r>
+            <a:endParaRPr lang="en-US" dirty="0"/>
           </a:p>
         </p:txBody>
       </p:sp>
@@ -236,7 +2856,7 @@
           <p:cNvPr id="4" name="Date Placeholder 3">
             <a:extLst>
               <a:ext uri="{FF2B5EF4-FFF2-40B4-BE49-F238E27FC236}">
-                <a16:creationId xmlns:a16="http://schemas.microsoft.com/office/drawing/2014/main" id="{7AD9B916-1F90-A186-70C4-95B2874D86B0}"/>
+                <a16:creationId xmlns:a16="http://schemas.microsoft.com/office/drawing/2014/main" id="{DC43946B-3F5A-C916-B62B-8D5938EA8285}"/>
               </a:ext>
             </a:extLst>
           </p:cNvPr>
@@ -252,9 +2872,9 @@
           <a:bodyPr/>
           <a:lstStyle/>
           <a:p>
-            <a:fld id="{113942A5-3F6B-E740-842B-05DD19D54F50}" type="datetimeFigureOut">
+            <a:fld id="{1E351CED-465B-40B5-ADCE-957C918F227B}" type="datetimeFigureOut">
               <a:rPr lang="en-US" smtClean="0"/>
-              <a:t>12/27/22</a:t>
+              <a:t>12/29/22</a:t>
             </a:fld>
             <a:endParaRPr lang="en-US"/>
           </a:p>
@@ -265,7 +2885,7 @@
           <p:cNvPr id="5" name="Footer Placeholder 4">
             <a:extLst>
               <a:ext uri="{FF2B5EF4-FFF2-40B4-BE49-F238E27FC236}">
-                <a16:creationId xmlns:a16="http://schemas.microsoft.com/office/drawing/2014/main" id="{E1079992-4CE2-8F11-87FE-C71959FE24AC}"/>
+                <a16:creationId xmlns:a16="http://schemas.microsoft.com/office/drawing/2014/main" id="{5986539F-2DB8-FCDA-C884-9C3CD29B8C4C}"/>
               </a:ext>
             </a:extLst>
           </p:cNvPr>
@@ -290,7 +2910,7 @@
           <p:cNvPr id="6" name="Slide Number Placeholder 5">
             <a:extLst>
               <a:ext uri="{FF2B5EF4-FFF2-40B4-BE49-F238E27FC236}">
-                <a16:creationId xmlns:a16="http://schemas.microsoft.com/office/drawing/2014/main" id="{35DF6E11-2D1F-21D4-8A3D-79F53652679E}"/>
+                <a16:creationId xmlns:a16="http://schemas.microsoft.com/office/drawing/2014/main" id="{80DAA7B3-5D3B-D493-8F6F-1FEBB8576D62}"/>
               </a:ext>
             </a:extLst>
           </p:cNvPr>
@@ -306,7 +2926,7 @@
           <a:bodyPr/>
           <a:lstStyle/>
           <a:p>
-            <a:fld id="{477B4769-9C9B-D64D-B2A0-09C9E3FDBE22}" type="slidenum">
+            <a:fld id="{5A33CB2A-1702-4C1D-9CC4-8D472D39F19E}" type="slidenum">
               <a:rPr lang="en-US" smtClean="0"/>
               <a:t>‹#›</a:t>
             </a:fld>
@@ -317,7 +2937,7 @@
     </p:spTree>
     <p:extLst>
       <p:ext uri="{BB962C8B-B14F-4D97-AF65-F5344CB8AC3E}">
-        <p14:creationId xmlns:p14="http://schemas.microsoft.com/office/powerpoint/2010/main" val="1334920153"/>
+        <p14:creationId xmlns:p14="http://schemas.microsoft.com/office/powerpoint/2010/main" val="1246201288"/>
       </p:ext>
     </p:extLst>
   </p:cSld>
@@ -349,7 +2969,7 @@
           <p:cNvPr id="2" name="Title 1">
             <a:extLst>
               <a:ext uri="{FF2B5EF4-FFF2-40B4-BE49-F238E27FC236}">
-                <a16:creationId xmlns:a16="http://schemas.microsoft.com/office/drawing/2014/main" id="{5FE29EFE-5848-4280-4177-7CFC2DA4346C}"/>
+                <a16:creationId xmlns:a16="http://schemas.microsoft.com/office/drawing/2014/main" id="{C3650D2E-0561-F284-F89A-AAE3CD09AC24}"/>
               </a:ext>
             </a:extLst>
           </p:cNvPr>
@@ -360,7 +2980,12 @@
             <p:ph type="title"/>
           </p:nvPr>
         </p:nvSpPr>
-        <p:spPr/>
+        <p:spPr>
+          <a:xfrm>
+            <a:off x="1066800" y="936841"/>
+            <a:ext cx="10239338" cy="953669"/>
+          </a:xfrm>
+        </p:spPr>
         <p:txBody>
           <a:bodyPr/>
           <a:lstStyle/>
@@ -377,7 +3002,7 @@
           <p:cNvPr id="3" name="Vertical Text Placeholder 2">
             <a:extLst>
               <a:ext uri="{FF2B5EF4-FFF2-40B4-BE49-F238E27FC236}">
-                <a16:creationId xmlns:a16="http://schemas.microsoft.com/office/drawing/2014/main" id="{CAD17A66-7C9B-1ADB-510D-6D1113D0EE41}"/>
+                <a16:creationId xmlns:a16="http://schemas.microsoft.com/office/drawing/2014/main" id="{A2657C4C-16EC-2477-6332-830F53011D33}"/>
               </a:ext>
             </a:extLst>
           </p:cNvPr>
@@ -388,7 +3013,12 @@
             <p:ph type="body" orient="vert" idx="1"/>
           </p:nvPr>
         </p:nvSpPr>
-        <p:spPr/>
+        <p:spPr>
+          <a:xfrm>
+            <a:off x="1069848" y="2139696"/>
+            <a:ext cx="10239338" cy="3677683"/>
+          </a:xfrm>
+        </p:spPr>
         <p:txBody>
           <a:bodyPr vert="eaVert"/>
           <a:lstStyle/>
@@ -434,7 +3064,7 @@
           <p:cNvPr id="4" name="Date Placeholder 3">
             <a:extLst>
               <a:ext uri="{FF2B5EF4-FFF2-40B4-BE49-F238E27FC236}">
-                <a16:creationId xmlns:a16="http://schemas.microsoft.com/office/drawing/2014/main" id="{0FF82C0E-8A06-CCE9-E196-616AD8B42242}"/>
+                <a16:creationId xmlns:a16="http://schemas.microsoft.com/office/drawing/2014/main" id="{4B0940D3-6996-1C08-F1AF-87C354657912}"/>
               </a:ext>
             </a:extLst>
           </p:cNvPr>
@@ -450,9 +3080,9 @@
           <a:bodyPr/>
           <a:lstStyle/>
           <a:p>
-            <a:fld id="{113942A5-3F6B-E740-842B-05DD19D54F50}" type="datetimeFigureOut">
+            <a:fld id="{1E351CED-465B-40B5-ADCE-957C918F227B}" type="datetimeFigureOut">
               <a:rPr lang="en-US" smtClean="0"/>
-              <a:t>12/27/22</a:t>
+              <a:t>12/29/22</a:t>
             </a:fld>
             <a:endParaRPr lang="en-US"/>
           </a:p>
@@ -463,7 +3093,7 @@
           <p:cNvPr id="5" name="Footer Placeholder 4">
             <a:extLst>
               <a:ext uri="{FF2B5EF4-FFF2-40B4-BE49-F238E27FC236}">
-                <a16:creationId xmlns:a16="http://schemas.microsoft.com/office/drawing/2014/main" id="{0FA852F2-3E1F-20E6-7030-7B3ADEA1AF60}"/>
+                <a16:creationId xmlns:a16="http://schemas.microsoft.com/office/drawing/2014/main" id="{4C3676C3-588F-B636-8CE0-AA2CBFBCE969}"/>
               </a:ext>
             </a:extLst>
           </p:cNvPr>
@@ -488,7 +3118,7 @@
           <p:cNvPr id="6" name="Slide Number Placeholder 5">
             <a:extLst>
               <a:ext uri="{FF2B5EF4-FFF2-40B4-BE49-F238E27FC236}">
-                <a16:creationId xmlns:a16="http://schemas.microsoft.com/office/drawing/2014/main" id="{902F1D53-56C9-CDFC-F65C-449631449FEA}"/>
+                <a16:creationId xmlns:a16="http://schemas.microsoft.com/office/drawing/2014/main" id="{D8CEF8A9-EB1E-B344-A4B8-B58D0633630B}"/>
               </a:ext>
             </a:extLst>
           </p:cNvPr>
@@ -504,7 +3134,7 @@
           <a:bodyPr/>
           <a:lstStyle/>
           <a:p>
-            <a:fld id="{477B4769-9C9B-D64D-B2A0-09C9E3FDBE22}" type="slidenum">
+            <a:fld id="{5A33CB2A-1702-4C1D-9CC4-8D472D39F19E}" type="slidenum">
               <a:rPr lang="en-US" smtClean="0"/>
               <a:t>‹#›</a:t>
             </a:fld>
@@ -515,7 +3145,7 @@
     </p:spTree>
     <p:extLst>
       <p:ext uri="{BB962C8B-B14F-4D97-AF65-F5344CB8AC3E}">
-        <p14:creationId xmlns:p14="http://schemas.microsoft.com/office/powerpoint/2010/main" val="2746787473"/>
+        <p14:creationId xmlns:p14="http://schemas.microsoft.com/office/powerpoint/2010/main" val="3785489613"/>
       </p:ext>
     </p:extLst>
   </p:cSld>
@@ -547,7 +3177,7 @@
           <p:cNvPr id="2" name="Vertical Title 1">
             <a:extLst>
               <a:ext uri="{FF2B5EF4-FFF2-40B4-BE49-F238E27FC236}">
-                <a16:creationId xmlns:a16="http://schemas.microsoft.com/office/drawing/2014/main" id="{38C4FBC9-294B-4C5F-7F73-E1D873973BD9}"/>
+                <a16:creationId xmlns:a16="http://schemas.microsoft.com/office/drawing/2014/main" id="{9DEF3A28-33E4-2796-AE7A-1234569F5CE0}"/>
               </a:ext>
             </a:extLst>
           </p:cNvPr>
@@ -560,8 +3190,8 @@
         </p:nvSpPr>
         <p:spPr>
           <a:xfrm>
-            <a:off x="8724900" y="365125"/>
-            <a:ext cx="2628900" cy="5811838"/>
+            <a:off x="8844950" y="1081177"/>
+            <a:ext cx="2508849" cy="4633823"/>
           </a:xfrm>
         </p:spPr>
         <p:txBody>
@@ -572,6 +3202,7 @@
               <a:rPr lang="en-US"/>
               <a:t>Click to edit Master title style</a:t>
             </a:r>
+            <a:endParaRPr lang="en-US" dirty="0"/>
           </a:p>
         </p:txBody>
       </p:sp>
@@ -580,7 +3211,7 @@
           <p:cNvPr id="3" name="Vertical Text Placeholder 2">
             <a:extLst>
               <a:ext uri="{FF2B5EF4-FFF2-40B4-BE49-F238E27FC236}">
-                <a16:creationId xmlns:a16="http://schemas.microsoft.com/office/drawing/2014/main" id="{F862E620-BFDE-C9EB-0311-3483E8DB7E1E}"/>
+                <a16:creationId xmlns:a16="http://schemas.microsoft.com/office/drawing/2014/main" id="{A6D185FC-2BBB-E997-A5CD-F2C6CF6B7C68}"/>
               </a:ext>
             </a:extLst>
           </p:cNvPr>
@@ -593,8 +3224,8 @@
         </p:nvSpPr>
         <p:spPr>
           <a:xfrm>
-            <a:off x="838200" y="365125"/>
-            <a:ext cx="7734300" cy="5811838"/>
+            <a:off x="1066800" y="1081177"/>
+            <a:ext cx="7505700" cy="4633823"/>
           </a:xfrm>
         </p:spPr>
         <p:txBody>
@@ -634,6 +3265,7 @@
               <a:rPr lang="en-US"/>
               <a:t>Fifth level</a:t>
             </a:r>
+            <a:endParaRPr lang="en-US" dirty="0"/>
           </a:p>
         </p:txBody>
       </p:sp>
@@ -642,7 +3274,7 @@
           <p:cNvPr id="4" name="Date Placeholder 3">
             <a:extLst>
               <a:ext uri="{FF2B5EF4-FFF2-40B4-BE49-F238E27FC236}">
-                <a16:creationId xmlns:a16="http://schemas.microsoft.com/office/drawing/2014/main" id="{85EE9F6E-C099-F0DD-D917-718C32B21A56}"/>
+                <a16:creationId xmlns:a16="http://schemas.microsoft.com/office/drawing/2014/main" id="{5E314B3C-96CD-071C-C2AD-2C7E04F819C0}"/>
               </a:ext>
             </a:extLst>
           </p:cNvPr>
@@ -658,9 +3290,9 @@
           <a:bodyPr/>
           <a:lstStyle/>
           <a:p>
-            <a:fld id="{113942A5-3F6B-E740-842B-05DD19D54F50}" type="datetimeFigureOut">
+            <a:fld id="{1E351CED-465B-40B5-ADCE-957C918F227B}" type="datetimeFigureOut">
               <a:rPr lang="en-US" smtClean="0"/>
-              <a:t>12/27/22</a:t>
+              <a:t>12/29/22</a:t>
             </a:fld>
             <a:endParaRPr lang="en-US"/>
           </a:p>
@@ -671,7 +3303,7 @@
           <p:cNvPr id="5" name="Footer Placeholder 4">
             <a:extLst>
               <a:ext uri="{FF2B5EF4-FFF2-40B4-BE49-F238E27FC236}">
-                <a16:creationId xmlns:a16="http://schemas.microsoft.com/office/drawing/2014/main" id="{1297AEB5-709B-2F84-AA2A-EF21203BEC08}"/>
+                <a16:creationId xmlns:a16="http://schemas.microsoft.com/office/drawing/2014/main" id="{F5AA2B04-F5E0-C5A3-C77D-6AE9A9E91326}"/>
               </a:ext>
             </a:extLst>
           </p:cNvPr>
@@ -696,7 +3328,7 @@
           <p:cNvPr id="6" name="Slide Number Placeholder 5">
             <a:extLst>
               <a:ext uri="{FF2B5EF4-FFF2-40B4-BE49-F238E27FC236}">
-                <a16:creationId xmlns:a16="http://schemas.microsoft.com/office/drawing/2014/main" id="{81D09E2C-7B8F-8D08-90D2-8DDBDE48981E}"/>
+                <a16:creationId xmlns:a16="http://schemas.microsoft.com/office/drawing/2014/main" id="{F6155BC2-C712-C4A4-50EC-E10D88344310}"/>
               </a:ext>
             </a:extLst>
           </p:cNvPr>
@@ -712,7 +3344,7 @@
           <a:bodyPr/>
           <a:lstStyle/>
           <a:p>
-            <a:fld id="{477B4769-9C9B-D64D-B2A0-09C9E3FDBE22}" type="slidenum">
+            <a:fld id="{5A33CB2A-1702-4C1D-9CC4-8D472D39F19E}" type="slidenum">
               <a:rPr lang="en-US" smtClean="0"/>
               <a:t>‹#›</a:t>
             </a:fld>
@@ -723,7 +3355,7 @@
     </p:spTree>
     <p:extLst>
       <p:ext uri="{BB962C8B-B14F-4D97-AF65-F5344CB8AC3E}">
-        <p14:creationId xmlns:p14="http://schemas.microsoft.com/office/powerpoint/2010/main" val="1574012562"/>
+        <p14:creationId xmlns:p14="http://schemas.microsoft.com/office/powerpoint/2010/main" val="4191985663"/>
       </p:ext>
     </p:extLst>
   </p:cSld>
@@ -755,7 +3387,7 @@
           <p:cNvPr id="2" name="Title 1">
             <a:extLst>
               <a:ext uri="{FF2B5EF4-FFF2-40B4-BE49-F238E27FC236}">
-                <a16:creationId xmlns:a16="http://schemas.microsoft.com/office/drawing/2014/main" id="{2658BFE5-3A3F-1572-6D5A-22E38005A2C6}"/>
+                <a16:creationId xmlns:a16="http://schemas.microsoft.com/office/drawing/2014/main" id="{33EA4769-9A55-AF9B-4CE4-DFA07E711CF6}"/>
               </a:ext>
             </a:extLst>
           </p:cNvPr>
@@ -775,6 +3407,7 @@
               <a:rPr lang="en-US"/>
               <a:t>Click to edit Master title style</a:t>
             </a:r>
+            <a:endParaRPr lang="en-US" dirty="0"/>
           </a:p>
         </p:txBody>
       </p:sp>
@@ -783,7 +3416,7 @@
           <p:cNvPr id="3" name="Content Placeholder 2">
             <a:extLst>
               <a:ext uri="{FF2B5EF4-FFF2-40B4-BE49-F238E27FC236}">
-                <a16:creationId xmlns:a16="http://schemas.microsoft.com/office/drawing/2014/main" id="{9573626E-2F64-E2AF-8207-96664D70B636}"/>
+                <a16:creationId xmlns:a16="http://schemas.microsoft.com/office/drawing/2014/main" id="{8CE45D9E-DBB4-B890-88D5-B4C03599EC07}"/>
               </a:ext>
             </a:extLst>
           </p:cNvPr>
@@ -832,6 +3465,7 @@
               <a:rPr lang="en-US"/>
               <a:t>Fifth level</a:t>
             </a:r>
+            <a:endParaRPr lang="en-US" dirty="0"/>
           </a:p>
         </p:txBody>
       </p:sp>
@@ -840,7 +3474,7 @@
           <p:cNvPr id="4" name="Date Placeholder 3">
             <a:extLst>
               <a:ext uri="{FF2B5EF4-FFF2-40B4-BE49-F238E27FC236}">
-                <a16:creationId xmlns:a16="http://schemas.microsoft.com/office/drawing/2014/main" id="{4FEEF65F-5FFA-9015-10B9-8912681F9867}"/>
+                <a16:creationId xmlns:a16="http://schemas.microsoft.com/office/drawing/2014/main" id="{4AE15260-1C0B-A965-3114-D7C40D18BDF4}"/>
               </a:ext>
             </a:extLst>
           </p:cNvPr>
@@ -856,9 +3490,9 @@
           <a:bodyPr/>
           <a:lstStyle/>
           <a:p>
-            <a:fld id="{113942A5-3F6B-E740-842B-05DD19D54F50}" type="datetimeFigureOut">
+            <a:fld id="{1E351CED-465B-40B5-ADCE-957C918F227B}" type="datetimeFigureOut">
               <a:rPr lang="en-US" smtClean="0"/>
-              <a:t>12/27/22</a:t>
+              <a:t>12/29/22</a:t>
             </a:fld>
             <a:endParaRPr lang="en-US"/>
           </a:p>
@@ -869,7 +3503,7 @@
           <p:cNvPr id="5" name="Footer Placeholder 4">
             <a:extLst>
               <a:ext uri="{FF2B5EF4-FFF2-40B4-BE49-F238E27FC236}">
-                <a16:creationId xmlns:a16="http://schemas.microsoft.com/office/drawing/2014/main" id="{011F9A45-9378-BAD7-6985-FAACA30785D3}"/>
+                <a16:creationId xmlns:a16="http://schemas.microsoft.com/office/drawing/2014/main" id="{19AAF4D1-0334-3F24-69B4-06C7BD7426FD}"/>
               </a:ext>
             </a:extLst>
           </p:cNvPr>
@@ -894,7 +3528,7 @@
           <p:cNvPr id="6" name="Slide Number Placeholder 5">
             <a:extLst>
               <a:ext uri="{FF2B5EF4-FFF2-40B4-BE49-F238E27FC236}">
-                <a16:creationId xmlns:a16="http://schemas.microsoft.com/office/drawing/2014/main" id="{44BE2661-2AE0-AE49-BDE4-41F19114833D}"/>
+                <a16:creationId xmlns:a16="http://schemas.microsoft.com/office/drawing/2014/main" id="{6D8BA76D-3B8B-429D-9B32-54D6A6297C0A}"/>
               </a:ext>
             </a:extLst>
           </p:cNvPr>
@@ -910,7 +3544,7 @@
           <a:bodyPr/>
           <a:lstStyle/>
           <a:p>
-            <a:fld id="{477B4769-9C9B-D64D-B2A0-09C9E3FDBE22}" type="slidenum">
+            <a:fld id="{5A33CB2A-1702-4C1D-9CC4-8D472D39F19E}" type="slidenum">
               <a:rPr lang="en-US" smtClean="0"/>
               <a:t>‹#›</a:t>
             </a:fld>
@@ -921,7 +3555,7 @@
     </p:spTree>
     <p:extLst>
       <p:ext uri="{BB962C8B-B14F-4D97-AF65-F5344CB8AC3E}">
-        <p14:creationId xmlns:p14="http://schemas.microsoft.com/office/powerpoint/2010/main" val="3931136909"/>
+        <p14:creationId xmlns:p14="http://schemas.microsoft.com/office/powerpoint/2010/main" val="3424509923"/>
       </p:ext>
     </p:extLst>
   </p:cSld>
@@ -950,10 +3584,310 @@
       </p:grpSpPr>
       <p:sp>
         <p:nvSpPr>
+          <p:cNvPr id="8" name="Freeform: Shape 7">
+            <a:extLst>
+              <a:ext uri="{FF2B5EF4-FFF2-40B4-BE49-F238E27FC236}">
+                <a16:creationId xmlns:a16="http://schemas.microsoft.com/office/drawing/2014/main" id="{D8D9C414-4A2F-78AF-ED60-6130D4C563B3}"/>
+              </a:ext>
+            </a:extLst>
+          </p:cNvPr>
+          <p:cNvSpPr/>
+          <p:nvPr/>
+        </p:nvSpPr>
+        <p:spPr>
+          <a:xfrm>
+            <a:off x="6284115" y="3378954"/>
+            <a:ext cx="5907885" cy="3479046"/>
+          </a:xfrm>
+          <a:custGeom>
+            <a:avLst/>
+            <a:gdLst>
+              <a:gd name="connsiteX0" fmla="*/ 5171297 w 5907885"/>
+              <a:gd name="connsiteY0" fmla="*/ 284 h 3479046"/>
+              <a:gd name="connsiteX1" fmla="*/ 5813217 w 5907885"/>
+              <a:gd name="connsiteY1" fmla="*/ 114238 h 3479046"/>
+              <a:gd name="connsiteX2" fmla="*/ 5907885 w 5907885"/>
+              <a:gd name="connsiteY2" fmla="*/ 151524 h 3479046"/>
+              <a:gd name="connsiteX3" fmla="*/ 5907885 w 5907885"/>
+              <a:gd name="connsiteY3" fmla="*/ 3479046 h 3479046"/>
+              <a:gd name="connsiteX4" fmla="*/ 0 w 5907885"/>
+              <a:gd name="connsiteY4" fmla="*/ 3479046 h 3479046"/>
+              <a:gd name="connsiteX5" fmla="*/ 3916974 w 5907885"/>
+              <a:gd name="connsiteY5" fmla="*/ 405504 h 3479046"/>
+              <a:gd name="connsiteX6" fmla="*/ 3959456 w 5907885"/>
+              <a:gd name="connsiteY6" fmla="*/ 373857 h 3479046"/>
+              <a:gd name="connsiteX7" fmla="*/ 5052215 w 5907885"/>
+              <a:gd name="connsiteY7" fmla="*/ 1756 h 3479046"/>
+              <a:gd name="connsiteX8" fmla="*/ 5171297 w 5907885"/>
+              <a:gd name="connsiteY8" fmla="*/ 284 h 3479046"/>
+            </a:gdLst>
+            <a:ahLst/>
+            <a:cxnLst>
+              <a:cxn ang="0">
+                <a:pos x="connsiteX0" y="connsiteY0"/>
+              </a:cxn>
+              <a:cxn ang="0">
+                <a:pos x="connsiteX1" y="connsiteY1"/>
+              </a:cxn>
+              <a:cxn ang="0">
+                <a:pos x="connsiteX2" y="connsiteY2"/>
+              </a:cxn>
+              <a:cxn ang="0">
+                <a:pos x="connsiteX3" y="connsiteY3"/>
+              </a:cxn>
+              <a:cxn ang="0">
+                <a:pos x="connsiteX4" y="connsiteY4"/>
+              </a:cxn>
+              <a:cxn ang="0">
+                <a:pos x="connsiteX5" y="connsiteY5"/>
+              </a:cxn>
+              <a:cxn ang="0">
+                <a:pos x="connsiteX6" y="connsiteY6"/>
+              </a:cxn>
+              <a:cxn ang="0">
+                <a:pos x="connsiteX7" y="connsiteY7"/>
+              </a:cxn>
+              <a:cxn ang="0">
+                <a:pos x="connsiteX8" y="connsiteY8"/>
+              </a:cxn>
+            </a:cxnLst>
+            <a:rect l="l" t="t" r="r" b="b"/>
+            <a:pathLst>
+              <a:path w="5907885" h="3479046">
+                <a:moveTo>
+                  <a:pt x="5171297" y="284"/>
+                </a:moveTo>
+                <a:cubicBezTo>
+                  <a:pt x="5389485" y="3908"/>
+                  <a:pt x="5606422" y="42249"/>
+                  <a:pt x="5813217" y="114238"/>
+                </a:cubicBezTo>
+                <a:lnTo>
+                  <a:pt x="5907885" y="151524"/>
+                </a:lnTo>
+                <a:lnTo>
+                  <a:pt x="5907885" y="3479046"/>
+                </a:lnTo>
+                <a:lnTo>
+                  <a:pt x="0" y="3479046"/>
+                </a:lnTo>
+                <a:lnTo>
+                  <a:pt x="3916974" y="405504"/>
+                </a:lnTo>
+                <a:lnTo>
+                  <a:pt x="3959456" y="373857"/>
+                </a:lnTo>
+                <a:cubicBezTo>
+                  <a:pt x="4291086" y="139664"/>
+                  <a:pt x="4671097" y="17528"/>
+                  <a:pt x="5052215" y="1756"/>
+                </a:cubicBezTo>
+                <a:cubicBezTo>
+                  <a:pt x="5091916" y="114"/>
+                  <a:pt x="5131627" y="-375"/>
+                  <a:pt x="5171297" y="284"/>
+                </a:cubicBezTo>
+                <a:close/>
+              </a:path>
+            </a:pathLst>
+          </a:custGeom>
+          <a:gradFill>
+            <a:gsLst>
+              <a:gs pos="23000">
+                <a:schemeClr val="bg2"/>
+              </a:gs>
+              <a:gs pos="100000">
+                <a:schemeClr val="accent1">
+                  <a:lumMod val="60000"/>
+                  <a:lumOff val="40000"/>
+                </a:schemeClr>
+              </a:gs>
+            </a:gsLst>
+            <a:lin ang="4800000" scaled="0"/>
+          </a:gradFill>
+          <a:ln>
+            <a:noFill/>
+          </a:ln>
+        </p:spPr>
+        <p:style>
+          <a:lnRef idx="2">
+            <a:schemeClr val="accent1">
+              <a:shade val="50000"/>
+            </a:schemeClr>
+          </a:lnRef>
+          <a:fillRef idx="1">
+            <a:schemeClr val="accent1"/>
+          </a:fillRef>
+          <a:effectRef idx="0">
+            <a:schemeClr val="accent1"/>
+          </a:effectRef>
+          <a:fontRef idx="minor">
+            <a:schemeClr val="lt1"/>
+          </a:fontRef>
+        </p:style>
+        <p:txBody>
+          <a:bodyPr wrap="square" rtlCol="0" anchor="ctr">
+            <a:noAutofit/>
+          </a:bodyPr>
+          <a:lstStyle/>
+          <a:p>
+            <a:pPr algn="ctr"/>
+            <a:endParaRPr lang="en-US"/>
+          </a:p>
+        </p:txBody>
+      </p:sp>
+      <p:sp>
+        <p:nvSpPr>
+          <p:cNvPr id="10" name="Freeform: Shape 9">
+            <a:extLst>
+              <a:ext uri="{FF2B5EF4-FFF2-40B4-BE49-F238E27FC236}">
+                <a16:creationId xmlns:a16="http://schemas.microsoft.com/office/drawing/2014/main" id="{13410AE4-7FC7-589E-B6D3-0DA7B5FC5CE3}"/>
+              </a:ext>
+            </a:extLst>
+          </p:cNvPr>
+          <p:cNvSpPr/>
+          <p:nvPr/>
+        </p:nvSpPr>
+        <p:spPr>
+          <a:xfrm flipH="1" flipV="1">
+            <a:off x="0" y="0"/>
+            <a:ext cx="2923855" cy="1479128"/>
+          </a:xfrm>
+          <a:custGeom>
+            <a:avLst/>
+            <a:gdLst>
+              <a:gd name="connsiteX0" fmla="*/ 2923855 w 2923855"/>
+              <a:gd name="connsiteY0" fmla="*/ 1479128 h 1479128"/>
+              <a:gd name="connsiteX1" fmla="*/ 0 w 2923855"/>
+              <a:gd name="connsiteY1" fmla="*/ 1479128 h 1479128"/>
+              <a:gd name="connsiteX2" fmla="*/ 1368245 w 2923855"/>
+              <a:gd name="connsiteY2" fmla="*/ 405504 h 1479128"/>
+              <a:gd name="connsiteX3" fmla="*/ 1410727 w 2923855"/>
+              <a:gd name="connsiteY3" fmla="*/ 373857 h 1479128"/>
+              <a:gd name="connsiteX4" fmla="*/ 2503486 w 2923855"/>
+              <a:gd name="connsiteY4" fmla="*/ 1756 h 1479128"/>
+              <a:gd name="connsiteX5" fmla="*/ 2622568 w 2923855"/>
+              <a:gd name="connsiteY5" fmla="*/ 284 h 1479128"/>
+              <a:gd name="connsiteX6" fmla="*/ 2785835 w 2923855"/>
+              <a:gd name="connsiteY6" fmla="*/ 9494 h 1479128"/>
+              <a:gd name="connsiteX7" fmla="*/ 2923855 w 2923855"/>
+              <a:gd name="connsiteY7" fmla="*/ 28352 h 1479128"/>
+            </a:gdLst>
+            <a:ahLst/>
+            <a:cxnLst>
+              <a:cxn ang="0">
+                <a:pos x="connsiteX0" y="connsiteY0"/>
+              </a:cxn>
+              <a:cxn ang="0">
+                <a:pos x="connsiteX1" y="connsiteY1"/>
+              </a:cxn>
+              <a:cxn ang="0">
+                <a:pos x="connsiteX2" y="connsiteY2"/>
+              </a:cxn>
+              <a:cxn ang="0">
+                <a:pos x="connsiteX3" y="connsiteY3"/>
+              </a:cxn>
+              <a:cxn ang="0">
+                <a:pos x="connsiteX4" y="connsiteY4"/>
+              </a:cxn>
+              <a:cxn ang="0">
+                <a:pos x="connsiteX5" y="connsiteY5"/>
+              </a:cxn>
+              <a:cxn ang="0">
+                <a:pos x="connsiteX6" y="connsiteY6"/>
+              </a:cxn>
+              <a:cxn ang="0">
+                <a:pos x="connsiteX7" y="connsiteY7"/>
+              </a:cxn>
+            </a:cxnLst>
+            <a:rect l="l" t="t" r="r" b="b"/>
+            <a:pathLst>
+              <a:path w="2923855" h="1479128">
+                <a:moveTo>
+                  <a:pt x="2923855" y="1479128"/>
+                </a:moveTo>
+                <a:lnTo>
+                  <a:pt x="0" y="1479128"/>
+                </a:lnTo>
+                <a:lnTo>
+                  <a:pt x="1368245" y="405504"/>
+                </a:lnTo>
+                <a:lnTo>
+                  <a:pt x="1410727" y="373857"/>
+                </a:lnTo>
+                <a:cubicBezTo>
+                  <a:pt x="1742357" y="139664"/>
+                  <a:pt x="2122368" y="17528"/>
+                  <a:pt x="2503486" y="1756"/>
+                </a:cubicBezTo>
+                <a:cubicBezTo>
+                  <a:pt x="2543187" y="114"/>
+                  <a:pt x="2582898" y="-375"/>
+                  <a:pt x="2622568" y="284"/>
+                </a:cubicBezTo>
+                <a:cubicBezTo>
+                  <a:pt x="2677115" y="1190"/>
+                  <a:pt x="2731584" y="4266"/>
+                  <a:pt x="2785835" y="9494"/>
+                </a:cubicBezTo>
+                <a:lnTo>
+                  <a:pt x="2923855" y="28352"/>
+                </a:lnTo>
+                <a:close/>
+              </a:path>
+            </a:pathLst>
+          </a:custGeom>
+          <a:gradFill>
+            <a:gsLst>
+              <a:gs pos="33000">
+                <a:schemeClr val="bg2"/>
+              </a:gs>
+              <a:gs pos="100000">
+                <a:schemeClr val="accent1">
+                  <a:lumMod val="60000"/>
+                  <a:lumOff val="40000"/>
+                </a:schemeClr>
+              </a:gs>
+            </a:gsLst>
+            <a:lin ang="0" scaled="0"/>
+          </a:gradFill>
+          <a:ln>
+            <a:noFill/>
+          </a:ln>
+        </p:spPr>
+        <p:style>
+          <a:lnRef idx="2">
+            <a:schemeClr val="accent1">
+              <a:shade val="50000"/>
+            </a:schemeClr>
+          </a:lnRef>
+          <a:fillRef idx="1">
+            <a:schemeClr val="accent1"/>
+          </a:fillRef>
+          <a:effectRef idx="0">
+            <a:schemeClr val="accent1"/>
+          </a:effectRef>
+          <a:fontRef idx="minor">
+            <a:schemeClr val="lt1"/>
+          </a:fontRef>
+        </p:style>
+        <p:txBody>
+          <a:bodyPr wrap="square" rtlCol="0" anchor="ctr">
+            <a:noAutofit/>
+          </a:bodyPr>
+          <a:lstStyle/>
+          <a:p>
+            <a:pPr algn="ctr"/>
+            <a:endParaRPr lang="en-US"/>
+          </a:p>
+        </p:txBody>
+      </p:sp>
+      <p:sp>
+        <p:nvSpPr>
           <p:cNvPr id="2" name="Title 1">
             <a:extLst>
               <a:ext uri="{FF2B5EF4-FFF2-40B4-BE49-F238E27FC236}">
-                <a16:creationId xmlns:a16="http://schemas.microsoft.com/office/drawing/2014/main" id="{53A31882-1401-B6DC-2267-6E3F0AD34026}"/>
+                <a16:creationId xmlns:a16="http://schemas.microsoft.com/office/drawing/2014/main" id="{FB381CBD-08D9-3C9A-7620-24F2D6404893}"/>
               </a:ext>
             </a:extLst>
           </p:cNvPr>
@@ -966,15 +3900,17 @@
         </p:nvSpPr>
         <p:spPr>
           <a:xfrm>
-            <a:off x="831850" y="1709738"/>
-            <a:ext cx="10515600" cy="2852737"/>
+            <a:off x="1066800" y="1709738"/>
+            <a:ext cx="6455434" cy="2981274"/>
           </a:xfrm>
         </p:spPr>
         <p:txBody>
-          <a:bodyPr anchor="b"/>
+          <a:bodyPr anchor="b">
+            <a:normAutofit/>
+          </a:bodyPr>
           <a:lstStyle>
             <a:lvl1pPr>
-              <a:defRPr sz="6000"/>
+              <a:defRPr sz="4800"/>
             </a:lvl1pPr>
           </a:lstStyle>
           <a:p>
@@ -982,6 +3918,7 @@
               <a:rPr lang="en-US"/>
               <a:t>Click to edit Master title style</a:t>
             </a:r>
+            <a:endParaRPr lang="en-US" dirty="0"/>
           </a:p>
         </p:txBody>
       </p:sp>
@@ -990,7 +3927,7 @@
           <p:cNvPr id="3" name="Text Placeholder 2">
             <a:extLst>
               <a:ext uri="{FF2B5EF4-FFF2-40B4-BE49-F238E27FC236}">
-                <a16:creationId xmlns:a16="http://schemas.microsoft.com/office/drawing/2014/main" id="{E26AC478-CCC6-7BF9-3DCA-F7AE3AB77EC0}"/>
+                <a16:creationId xmlns:a16="http://schemas.microsoft.com/office/drawing/2014/main" id="{AED5AE2B-1716-CEEC-73F8-E81F59192562}"/>
               </a:ext>
             </a:extLst>
           </p:cNvPr>
@@ -1003,20 +3940,20 @@
         </p:nvSpPr>
         <p:spPr>
           <a:xfrm>
-            <a:off x="831850" y="4589463"/>
-            <a:ext cx="10515600" cy="1500187"/>
+            <a:off x="1066800" y="4759252"/>
+            <a:ext cx="5397260" cy="955748"/>
           </a:xfrm>
         </p:spPr>
         <p:txBody>
-          <a:bodyPr/>
+          <a:bodyPr>
+            <a:normAutofit/>
+          </a:bodyPr>
           <a:lstStyle>
             <a:lvl1pPr marL="0" indent="0">
               <a:buNone/>
-              <a:defRPr sz="2400">
+              <a:defRPr sz="2000">
                 <a:solidFill>
-                  <a:schemeClr val="tx1">
-                    <a:tint val="75000"/>
-                  </a:schemeClr>
+                  <a:schemeClr val="tx1"/>
                 </a:solidFill>
               </a:defRPr>
             </a:lvl1pPr>
@@ -1115,7 +4052,7 @@
           <p:cNvPr id="4" name="Date Placeholder 3">
             <a:extLst>
               <a:ext uri="{FF2B5EF4-FFF2-40B4-BE49-F238E27FC236}">
-                <a16:creationId xmlns:a16="http://schemas.microsoft.com/office/drawing/2014/main" id="{6E8E0B6A-2F9C-6B9E-A647-6069AFCBD5E0}"/>
+                <a16:creationId xmlns:a16="http://schemas.microsoft.com/office/drawing/2014/main" id="{25CF3052-6EE8-979F-04FB-1B8DF81F29B9}"/>
               </a:ext>
             </a:extLst>
           </p:cNvPr>
@@ -1131,9 +4068,9 @@
           <a:bodyPr/>
           <a:lstStyle/>
           <a:p>
-            <a:fld id="{113942A5-3F6B-E740-842B-05DD19D54F50}" type="datetimeFigureOut">
+            <a:fld id="{1E351CED-465B-40B5-ADCE-957C918F227B}" type="datetimeFigureOut">
               <a:rPr lang="en-US" smtClean="0"/>
-              <a:t>12/27/22</a:t>
+              <a:t>12/29/22</a:t>
             </a:fld>
             <a:endParaRPr lang="en-US"/>
           </a:p>
@@ -1144,7 +4081,7 @@
           <p:cNvPr id="5" name="Footer Placeholder 4">
             <a:extLst>
               <a:ext uri="{FF2B5EF4-FFF2-40B4-BE49-F238E27FC236}">
-                <a16:creationId xmlns:a16="http://schemas.microsoft.com/office/drawing/2014/main" id="{BA2BCF01-2D01-A6F8-091C-2227CC074E5C}"/>
+                <a16:creationId xmlns:a16="http://schemas.microsoft.com/office/drawing/2014/main" id="{7D986285-161A-6869-27C2-0A159C234404}"/>
               </a:ext>
             </a:extLst>
           </p:cNvPr>
@@ -1169,7 +4106,7 @@
           <p:cNvPr id="6" name="Slide Number Placeholder 5">
             <a:extLst>
               <a:ext uri="{FF2B5EF4-FFF2-40B4-BE49-F238E27FC236}">
-                <a16:creationId xmlns:a16="http://schemas.microsoft.com/office/drawing/2014/main" id="{3EEB1776-19B3-44C8-27A3-192045708D7D}"/>
+                <a16:creationId xmlns:a16="http://schemas.microsoft.com/office/drawing/2014/main" id="{BB7ED64F-5DAB-238D-C34A-1DCCB12221DD}"/>
               </a:ext>
             </a:extLst>
           </p:cNvPr>
@@ -1185,7 +4122,7 @@
           <a:bodyPr/>
           <a:lstStyle/>
           <a:p>
-            <a:fld id="{477B4769-9C9B-D64D-B2A0-09C9E3FDBE22}" type="slidenum">
+            <a:fld id="{5A33CB2A-1702-4C1D-9CC4-8D472D39F19E}" type="slidenum">
               <a:rPr lang="en-US" smtClean="0"/>
               <a:t>‹#›</a:t>
             </a:fld>
@@ -1196,7 +4133,7 @@
     </p:spTree>
     <p:extLst>
       <p:ext uri="{BB962C8B-B14F-4D97-AF65-F5344CB8AC3E}">
-        <p14:creationId xmlns:p14="http://schemas.microsoft.com/office/powerpoint/2010/main" val="2751705784"/>
+        <p14:creationId xmlns:p14="http://schemas.microsoft.com/office/powerpoint/2010/main" val="3185177039"/>
       </p:ext>
     </p:extLst>
   </p:cSld>
@@ -1228,7 +4165,7 @@
           <p:cNvPr id="2" name="Title 1">
             <a:extLst>
               <a:ext uri="{FF2B5EF4-FFF2-40B4-BE49-F238E27FC236}">
-                <a16:creationId xmlns:a16="http://schemas.microsoft.com/office/drawing/2014/main" id="{3A06FB3F-34C1-4D0A-435B-2591FBB141D4}"/>
+                <a16:creationId xmlns:a16="http://schemas.microsoft.com/office/drawing/2014/main" id="{50F484D0-7460-7B08-F1EE-96EABE40212A}"/>
               </a:ext>
             </a:extLst>
           </p:cNvPr>
@@ -1239,7 +4176,12 @@
             <p:ph type="title"/>
           </p:nvPr>
         </p:nvSpPr>
-        <p:spPr/>
+        <p:spPr>
+          <a:xfrm>
+            <a:off x="1066799" y="936841"/>
+            <a:ext cx="10092477" cy="953669"/>
+          </a:xfrm>
+        </p:spPr>
         <p:txBody>
           <a:bodyPr/>
           <a:lstStyle/>
@@ -1248,6 +4190,7 @@
               <a:rPr lang="en-US"/>
               <a:t>Click to edit Master title style</a:t>
             </a:r>
+            <a:endParaRPr lang="en-US" dirty="0"/>
           </a:p>
         </p:txBody>
       </p:sp>
@@ -1256,7 +4199,7 @@
           <p:cNvPr id="3" name="Content Placeholder 2">
             <a:extLst>
               <a:ext uri="{FF2B5EF4-FFF2-40B4-BE49-F238E27FC236}">
-                <a16:creationId xmlns:a16="http://schemas.microsoft.com/office/drawing/2014/main" id="{F0FD0A25-FEFF-FC00-4225-602F57F649A4}"/>
+                <a16:creationId xmlns:a16="http://schemas.microsoft.com/office/drawing/2014/main" id="{9780B7F9-8ECB-7079-A11E-51D3903E2B1A}"/>
               </a:ext>
             </a:extLst>
           </p:cNvPr>
@@ -1269,8 +4212,8 @@
         </p:nvSpPr>
         <p:spPr>
           <a:xfrm>
-            <a:off x="838200" y="1825625"/>
-            <a:ext cx="5181600" cy="4351338"/>
+            <a:off x="1066800" y="2117341"/>
+            <a:ext cx="4809482" cy="3760123"/>
           </a:xfrm>
         </p:spPr>
         <p:txBody>
@@ -1310,6 +4253,7 @@
               <a:rPr lang="en-US"/>
               <a:t>Fifth level</a:t>
             </a:r>
+            <a:endParaRPr lang="en-US" dirty="0"/>
           </a:p>
         </p:txBody>
       </p:sp>
@@ -1318,7 +4262,7 @@
           <p:cNvPr id="4" name="Content Placeholder 3">
             <a:extLst>
               <a:ext uri="{FF2B5EF4-FFF2-40B4-BE49-F238E27FC236}">
-                <a16:creationId xmlns:a16="http://schemas.microsoft.com/office/drawing/2014/main" id="{B7F25A6D-DFF3-E6C5-4159-C17F859E5811}"/>
+                <a16:creationId xmlns:a16="http://schemas.microsoft.com/office/drawing/2014/main" id="{E4E97161-CAF5-CA48-D814-7ACD43AB99E1}"/>
               </a:ext>
             </a:extLst>
           </p:cNvPr>
@@ -1331,8 +4275,8 @@
         </p:nvSpPr>
         <p:spPr>
           <a:xfrm>
-            <a:off x="6172200" y="1825625"/>
-            <a:ext cx="5181600" cy="4351338"/>
+            <a:off x="6349795" y="2117341"/>
+            <a:ext cx="4809482" cy="3760123"/>
           </a:xfrm>
         </p:spPr>
         <p:txBody>
@@ -1372,6 +4316,7 @@
               <a:rPr lang="en-US"/>
               <a:t>Fifth level</a:t>
             </a:r>
+            <a:endParaRPr lang="en-US" dirty="0"/>
           </a:p>
         </p:txBody>
       </p:sp>
@@ -1380,7 +4325,7 @@
           <p:cNvPr id="5" name="Date Placeholder 4">
             <a:extLst>
               <a:ext uri="{FF2B5EF4-FFF2-40B4-BE49-F238E27FC236}">
-                <a16:creationId xmlns:a16="http://schemas.microsoft.com/office/drawing/2014/main" id="{DF050C59-0993-11E2-33B9-9CDC3C41373E}"/>
+                <a16:creationId xmlns:a16="http://schemas.microsoft.com/office/drawing/2014/main" id="{623BD680-4E7A-5155-3CAE-6BD44EE8BA83}"/>
               </a:ext>
             </a:extLst>
           </p:cNvPr>
@@ -1396,9 +4341,9 @@
           <a:bodyPr/>
           <a:lstStyle/>
           <a:p>
-            <a:fld id="{113942A5-3F6B-E740-842B-05DD19D54F50}" type="datetimeFigureOut">
+            <a:fld id="{1E351CED-465B-40B5-ADCE-957C918F227B}" type="datetimeFigureOut">
               <a:rPr lang="en-US" smtClean="0"/>
-              <a:t>12/27/22</a:t>
+              <a:t>12/29/22</a:t>
             </a:fld>
             <a:endParaRPr lang="en-US"/>
           </a:p>
@@ -1409,7 +4354,7 @@
           <p:cNvPr id="6" name="Footer Placeholder 5">
             <a:extLst>
               <a:ext uri="{FF2B5EF4-FFF2-40B4-BE49-F238E27FC236}">
-                <a16:creationId xmlns:a16="http://schemas.microsoft.com/office/drawing/2014/main" id="{71A4DA77-34A3-8B24-AA0A-57EFEB4F4866}"/>
+                <a16:creationId xmlns:a16="http://schemas.microsoft.com/office/drawing/2014/main" id="{4F6A152D-EFF2-B3AA-3F25-14E1136734A8}"/>
               </a:ext>
             </a:extLst>
           </p:cNvPr>
@@ -1434,7 +4379,7 @@
           <p:cNvPr id="7" name="Slide Number Placeholder 6">
             <a:extLst>
               <a:ext uri="{FF2B5EF4-FFF2-40B4-BE49-F238E27FC236}">
-                <a16:creationId xmlns:a16="http://schemas.microsoft.com/office/drawing/2014/main" id="{B2CF805E-8E23-378F-89F3-5575BE1CE5E1}"/>
+                <a16:creationId xmlns:a16="http://schemas.microsoft.com/office/drawing/2014/main" id="{70BD6032-FD7A-BFFD-9BE5-48EDBEFBD147}"/>
               </a:ext>
             </a:extLst>
           </p:cNvPr>
@@ -1450,7 +4395,7 @@
           <a:bodyPr/>
           <a:lstStyle/>
           <a:p>
-            <a:fld id="{477B4769-9C9B-D64D-B2A0-09C9E3FDBE22}" type="slidenum">
+            <a:fld id="{5A33CB2A-1702-4C1D-9CC4-8D472D39F19E}" type="slidenum">
               <a:rPr lang="en-US" smtClean="0"/>
               <a:t>‹#›</a:t>
             </a:fld>
@@ -1461,7 +4406,7 @@
     </p:spTree>
     <p:extLst>
       <p:ext uri="{BB962C8B-B14F-4D97-AF65-F5344CB8AC3E}">
-        <p14:creationId xmlns:p14="http://schemas.microsoft.com/office/powerpoint/2010/main" val="267027683"/>
+        <p14:creationId xmlns:p14="http://schemas.microsoft.com/office/powerpoint/2010/main" val="1466644564"/>
       </p:ext>
     </p:extLst>
   </p:cSld>
@@ -1493,7 +4438,7 @@
           <p:cNvPr id="2" name="Title 1">
             <a:extLst>
               <a:ext uri="{FF2B5EF4-FFF2-40B4-BE49-F238E27FC236}">
-                <a16:creationId xmlns:a16="http://schemas.microsoft.com/office/drawing/2014/main" id="{38B3641B-51D2-8709-2B4D-6B9B352C970F}"/>
+                <a16:creationId xmlns:a16="http://schemas.microsoft.com/office/drawing/2014/main" id="{CB647F4D-4855-340E-03F3-4860885EC671}"/>
               </a:ext>
             </a:extLst>
           </p:cNvPr>
@@ -1506,8 +4451,8 @@
         </p:nvSpPr>
         <p:spPr>
           <a:xfrm>
-            <a:off x="839788" y="365125"/>
-            <a:ext cx="10515600" cy="1325563"/>
+            <a:off x="1066800" y="963283"/>
+            <a:ext cx="10096500" cy="916004"/>
           </a:xfrm>
         </p:spPr>
         <p:txBody>
@@ -1518,6 +4463,7 @@
               <a:rPr lang="en-US"/>
               <a:t>Click to edit Master title style</a:t>
             </a:r>
+            <a:endParaRPr lang="en-US" dirty="0"/>
           </a:p>
         </p:txBody>
       </p:sp>
@@ -1526,7 +4472,7 @@
           <p:cNvPr id="3" name="Text Placeholder 2">
             <a:extLst>
               <a:ext uri="{FF2B5EF4-FFF2-40B4-BE49-F238E27FC236}">
-                <a16:creationId xmlns:a16="http://schemas.microsoft.com/office/drawing/2014/main" id="{B64304EE-3A93-0C9C-9B46-0573FB750793}"/>
+                <a16:creationId xmlns:a16="http://schemas.microsoft.com/office/drawing/2014/main" id="{D3CEB472-7426-C288-B5F6-0A1232DCED65}"/>
               </a:ext>
             </a:extLst>
           </p:cNvPr>
@@ -1539,16 +4485,18 @@
         </p:nvSpPr>
         <p:spPr>
           <a:xfrm>
-            <a:off x="839788" y="1681163"/>
-            <a:ext cx="5157787" cy="823912"/>
+            <a:off x="1066801" y="1879287"/>
+            <a:ext cx="4739628" cy="582117"/>
           </a:xfrm>
         </p:spPr>
         <p:txBody>
-          <a:bodyPr anchor="b"/>
+          <a:bodyPr anchor="b">
+            <a:noAutofit/>
+          </a:bodyPr>
           <a:lstStyle>
             <a:lvl1pPr marL="0" indent="0">
               <a:buNone/>
-              <a:defRPr sz="2400" b="1"/>
+              <a:defRPr sz="1400" b="1" cap="all" spc="250" baseline="0"/>
             </a:lvl1pPr>
             <a:lvl2pPr marL="457200" indent="0">
               <a:buNone/>
@@ -1597,7 +4545,7 @@
           <p:cNvPr id="4" name="Content Placeholder 3">
             <a:extLst>
               <a:ext uri="{FF2B5EF4-FFF2-40B4-BE49-F238E27FC236}">
-                <a16:creationId xmlns:a16="http://schemas.microsoft.com/office/drawing/2014/main" id="{3728255C-55C6-9FD5-FC42-38601902754F}"/>
+                <a16:creationId xmlns:a16="http://schemas.microsoft.com/office/drawing/2014/main" id="{C3194F9C-B6FA-97C3-F618-0CF956CB53B2}"/>
               </a:ext>
             </a:extLst>
           </p:cNvPr>
@@ -1610,8 +4558,8 @@
         </p:nvSpPr>
         <p:spPr>
           <a:xfrm>
-            <a:off x="839788" y="2505075"/>
-            <a:ext cx="5157787" cy="3684588"/>
+            <a:off x="1066801" y="2505075"/>
+            <a:ext cx="4739628" cy="3389642"/>
           </a:xfrm>
         </p:spPr>
         <p:txBody>
@@ -1659,7 +4607,7 @@
           <p:cNvPr id="5" name="Text Placeholder 4">
             <a:extLst>
               <a:ext uri="{FF2B5EF4-FFF2-40B4-BE49-F238E27FC236}">
-                <a16:creationId xmlns:a16="http://schemas.microsoft.com/office/drawing/2014/main" id="{53466DBF-14CC-BF68-E330-25556484D482}"/>
+                <a16:creationId xmlns:a16="http://schemas.microsoft.com/office/drawing/2014/main" id="{D8F5665C-7910-AFA2-350F-42C06ED5AF47}"/>
               </a:ext>
             </a:extLst>
           </p:cNvPr>
@@ -1672,16 +4620,18 @@
         </p:nvSpPr>
         <p:spPr>
           <a:xfrm>
-            <a:off x="6172200" y="1681163"/>
-            <a:ext cx="5183188" cy="823912"/>
+            <a:off x="6400330" y="1879287"/>
+            <a:ext cx="4762970" cy="582117"/>
           </a:xfrm>
         </p:spPr>
         <p:txBody>
-          <a:bodyPr anchor="b"/>
+          <a:bodyPr anchor="b">
+            <a:noAutofit/>
+          </a:bodyPr>
           <a:lstStyle>
             <a:lvl1pPr marL="0" indent="0">
               <a:buNone/>
-              <a:defRPr sz="2400" b="1"/>
+              <a:defRPr sz="1400" b="1" cap="all" spc="250" baseline="0"/>
             </a:lvl1pPr>
             <a:lvl2pPr marL="457200" indent="0">
               <a:buNone/>
@@ -1730,7 +4680,7 @@
           <p:cNvPr id="6" name="Content Placeholder 5">
             <a:extLst>
               <a:ext uri="{FF2B5EF4-FFF2-40B4-BE49-F238E27FC236}">
-                <a16:creationId xmlns:a16="http://schemas.microsoft.com/office/drawing/2014/main" id="{76C2E7B2-DC44-4834-9416-82E0C4E4731E}"/>
+                <a16:creationId xmlns:a16="http://schemas.microsoft.com/office/drawing/2014/main" id="{CD71352E-1DE0-F0CD-6F81-1D8FF59C2B0D}"/>
               </a:ext>
             </a:extLst>
           </p:cNvPr>
@@ -1743,8 +4693,8 @@
         </p:nvSpPr>
         <p:spPr>
           <a:xfrm>
-            <a:off x="6172200" y="2505075"/>
-            <a:ext cx="5183188" cy="3684588"/>
+            <a:off x="6400330" y="2505075"/>
+            <a:ext cx="4762970" cy="3389642"/>
           </a:xfrm>
         </p:spPr>
         <p:txBody>
@@ -1792,7 +4742,7 @@
           <p:cNvPr id="7" name="Date Placeholder 6">
             <a:extLst>
               <a:ext uri="{FF2B5EF4-FFF2-40B4-BE49-F238E27FC236}">
-                <a16:creationId xmlns:a16="http://schemas.microsoft.com/office/drawing/2014/main" id="{0CF35699-9D08-292A-0977-8A396C02506F}"/>
+                <a16:creationId xmlns:a16="http://schemas.microsoft.com/office/drawing/2014/main" id="{2D38F7E4-7D9E-4736-3269-4F0C46996125}"/>
               </a:ext>
             </a:extLst>
           </p:cNvPr>
@@ -1808,9 +4758,9 @@
           <a:bodyPr/>
           <a:lstStyle/>
           <a:p>
-            <a:fld id="{113942A5-3F6B-E740-842B-05DD19D54F50}" type="datetimeFigureOut">
+            <a:fld id="{1E351CED-465B-40B5-ADCE-957C918F227B}" type="datetimeFigureOut">
               <a:rPr lang="en-US" smtClean="0"/>
-              <a:t>12/27/22</a:t>
+              <a:t>12/29/22</a:t>
             </a:fld>
             <a:endParaRPr lang="en-US"/>
           </a:p>
@@ -1821,7 +4771,7 @@
           <p:cNvPr id="8" name="Footer Placeholder 7">
             <a:extLst>
               <a:ext uri="{FF2B5EF4-FFF2-40B4-BE49-F238E27FC236}">
-                <a16:creationId xmlns:a16="http://schemas.microsoft.com/office/drawing/2014/main" id="{FB9A5527-82D0-4FF0-8EDD-FF4E5C69E4D6}"/>
+                <a16:creationId xmlns:a16="http://schemas.microsoft.com/office/drawing/2014/main" id="{218386CF-9A84-8D2A-BC47-C951DD99492D}"/>
               </a:ext>
             </a:extLst>
           </p:cNvPr>
@@ -1846,7 +4796,7 @@
           <p:cNvPr id="9" name="Slide Number Placeholder 8">
             <a:extLst>
               <a:ext uri="{FF2B5EF4-FFF2-40B4-BE49-F238E27FC236}">
-                <a16:creationId xmlns:a16="http://schemas.microsoft.com/office/drawing/2014/main" id="{4778DB1A-0B22-7AFF-C33F-3DDE11AFD153}"/>
+                <a16:creationId xmlns:a16="http://schemas.microsoft.com/office/drawing/2014/main" id="{6980844D-FE1F-49E7-3BBD-527FB72ECD1D}"/>
               </a:ext>
             </a:extLst>
           </p:cNvPr>
@@ -1862,7 +4812,7 @@
           <a:bodyPr/>
           <a:lstStyle/>
           <a:p>
-            <a:fld id="{477B4769-9C9B-D64D-B2A0-09C9E3FDBE22}" type="slidenum">
+            <a:fld id="{5A33CB2A-1702-4C1D-9CC4-8D472D39F19E}" type="slidenum">
               <a:rPr lang="en-US" smtClean="0"/>
               <a:t>‹#›</a:t>
             </a:fld>
@@ -1873,7 +4823,7 @@
     </p:spTree>
     <p:extLst>
       <p:ext uri="{BB962C8B-B14F-4D97-AF65-F5344CB8AC3E}">
-        <p14:creationId xmlns:p14="http://schemas.microsoft.com/office/powerpoint/2010/main" val="3396472868"/>
+        <p14:creationId xmlns:p14="http://schemas.microsoft.com/office/powerpoint/2010/main" val="2756159590"/>
       </p:ext>
     </p:extLst>
   </p:cSld>
@@ -1905,7 +4855,7 @@
           <p:cNvPr id="2" name="Title 1">
             <a:extLst>
               <a:ext uri="{FF2B5EF4-FFF2-40B4-BE49-F238E27FC236}">
-                <a16:creationId xmlns:a16="http://schemas.microsoft.com/office/drawing/2014/main" id="{7A5D1A7C-E3D2-01C9-0AF7-C69847CEFC6D}"/>
+                <a16:creationId xmlns:a16="http://schemas.microsoft.com/office/drawing/2014/main" id="{88EF691C-93A5-1364-00A9-A470C289F365}"/>
               </a:ext>
             </a:extLst>
           </p:cNvPr>
@@ -1916,15 +4866,21 @@
             <p:ph type="title"/>
           </p:nvPr>
         </p:nvSpPr>
-        <p:spPr/>
+        <p:spPr>
+          <a:xfrm>
+            <a:off x="1066800" y="1357223"/>
+            <a:ext cx="8886884" cy="1043078"/>
+          </a:xfrm>
+        </p:spPr>
         <p:txBody>
-          <a:bodyPr/>
+          <a:bodyPr anchor="t"/>
           <a:lstStyle/>
           <a:p>
             <a:r>
               <a:rPr lang="en-US"/>
               <a:t>Click to edit Master title style</a:t>
             </a:r>
+            <a:endParaRPr lang="en-US" dirty="0"/>
           </a:p>
         </p:txBody>
       </p:sp>
@@ -1933,7 +4889,7 @@
           <p:cNvPr id="3" name="Date Placeholder 2">
             <a:extLst>
               <a:ext uri="{FF2B5EF4-FFF2-40B4-BE49-F238E27FC236}">
-                <a16:creationId xmlns:a16="http://schemas.microsoft.com/office/drawing/2014/main" id="{065BBC86-C5CB-F530-ECC7-EAD6623F889B}"/>
+                <a16:creationId xmlns:a16="http://schemas.microsoft.com/office/drawing/2014/main" id="{76E055BD-4154-B9D1-0B5B-B1E3A06B6B31}"/>
               </a:ext>
             </a:extLst>
           </p:cNvPr>
@@ -1949,9 +4905,9 @@
           <a:bodyPr/>
           <a:lstStyle/>
           <a:p>
-            <a:fld id="{113942A5-3F6B-E740-842B-05DD19D54F50}" type="datetimeFigureOut">
+            <a:fld id="{1E351CED-465B-40B5-ADCE-957C918F227B}" type="datetimeFigureOut">
               <a:rPr lang="en-US" smtClean="0"/>
-              <a:t>12/27/22</a:t>
+              <a:t>12/29/22</a:t>
             </a:fld>
             <a:endParaRPr lang="en-US"/>
           </a:p>
@@ -1962,7 +4918,7 @@
           <p:cNvPr id="4" name="Footer Placeholder 3">
             <a:extLst>
               <a:ext uri="{FF2B5EF4-FFF2-40B4-BE49-F238E27FC236}">
-                <a16:creationId xmlns:a16="http://schemas.microsoft.com/office/drawing/2014/main" id="{B7791592-77BE-69CC-B15F-596594E0B824}"/>
+                <a16:creationId xmlns:a16="http://schemas.microsoft.com/office/drawing/2014/main" id="{0C2A9E4A-03D1-7A8B-233D-014A3248F0B8}"/>
               </a:ext>
             </a:extLst>
           </p:cNvPr>
@@ -1987,7 +4943,7 @@
           <p:cNvPr id="5" name="Slide Number Placeholder 4">
             <a:extLst>
               <a:ext uri="{FF2B5EF4-FFF2-40B4-BE49-F238E27FC236}">
-                <a16:creationId xmlns:a16="http://schemas.microsoft.com/office/drawing/2014/main" id="{EC7B9A37-DD52-9DD2-66F2-303CB7D85677}"/>
+                <a16:creationId xmlns:a16="http://schemas.microsoft.com/office/drawing/2014/main" id="{582CEFC4-D276-DF45-F395-F5BD2EA70114}"/>
               </a:ext>
             </a:extLst>
           </p:cNvPr>
@@ -2003,7 +4959,7 @@
           <a:bodyPr/>
           <a:lstStyle/>
           <a:p>
-            <a:fld id="{477B4769-9C9B-D64D-B2A0-09C9E3FDBE22}" type="slidenum">
+            <a:fld id="{5A33CB2A-1702-4C1D-9CC4-8D472D39F19E}" type="slidenum">
               <a:rPr lang="en-US" smtClean="0"/>
               <a:t>‹#›</a:t>
             </a:fld>
@@ -2014,7 +4970,7 @@
     </p:spTree>
     <p:extLst>
       <p:ext uri="{BB962C8B-B14F-4D97-AF65-F5344CB8AC3E}">
-        <p14:creationId xmlns:p14="http://schemas.microsoft.com/office/powerpoint/2010/main" val="3946909607"/>
+        <p14:creationId xmlns:p14="http://schemas.microsoft.com/office/powerpoint/2010/main" val="575908665"/>
       </p:ext>
     </p:extLst>
   </p:cSld>
@@ -2046,7 +5002,7 @@
           <p:cNvPr id="2" name="Date Placeholder 1">
             <a:extLst>
               <a:ext uri="{FF2B5EF4-FFF2-40B4-BE49-F238E27FC236}">
-                <a16:creationId xmlns:a16="http://schemas.microsoft.com/office/drawing/2014/main" id="{E85923B8-82DA-7D46-B1A7-55C0E8255510}"/>
+                <a16:creationId xmlns:a16="http://schemas.microsoft.com/office/drawing/2014/main" id="{1712C0AD-76F4-FCE4-2717-0A9AA4351B6D}"/>
               </a:ext>
             </a:extLst>
           </p:cNvPr>
@@ -2062,9 +5018,9 @@
           <a:bodyPr/>
           <a:lstStyle/>
           <a:p>
-            <a:fld id="{113942A5-3F6B-E740-842B-05DD19D54F50}" type="datetimeFigureOut">
+            <a:fld id="{1E351CED-465B-40B5-ADCE-957C918F227B}" type="datetimeFigureOut">
               <a:rPr lang="en-US" smtClean="0"/>
-              <a:t>12/27/22</a:t>
+              <a:t>12/29/22</a:t>
             </a:fld>
             <a:endParaRPr lang="en-US"/>
           </a:p>
@@ -2075,7 +5031,7 @@
           <p:cNvPr id="3" name="Footer Placeholder 2">
             <a:extLst>
               <a:ext uri="{FF2B5EF4-FFF2-40B4-BE49-F238E27FC236}">
-                <a16:creationId xmlns:a16="http://schemas.microsoft.com/office/drawing/2014/main" id="{66839775-F868-3060-6E29-B992AFFCD303}"/>
+                <a16:creationId xmlns:a16="http://schemas.microsoft.com/office/drawing/2014/main" id="{BE83BB66-3F41-7F1D-5108-B3F679A88E60}"/>
               </a:ext>
             </a:extLst>
           </p:cNvPr>
@@ -2100,7 +5056,7 @@
           <p:cNvPr id="4" name="Slide Number Placeholder 3">
             <a:extLst>
               <a:ext uri="{FF2B5EF4-FFF2-40B4-BE49-F238E27FC236}">
-                <a16:creationId xmlns:a16="http://schemas.microsoft.com/office/drawing/2014/main" id="{C2DB1CDC-C698-314C-DDBD-F7F849C889F8}"/>
+                <a16:creationId xmlns:a16="http://schemas.microsoft.com/office/drawing/2014/main" id="{7FAA6DA0-07AE-4BE4-B82F-7936D0E3E37D}"/>
               </a:ext>
             </a:extLst>
           </p:cNvPr>
@@ -2116,7 +5072,7 @@
           <a:bodyPr/>
           <a:lstStyle/>
           <a:p>
-            <a:fld id="{477B4769-9C9B-D64D-B2A0-09C9E3FDBE22}" type="slidenum">
+            <a:fld id="{5A33CB2A-1702-4C1D-9CC4-8D472D39F19E}" type="slidenum">
               <a:rPr lang="en-US" smtClean="0"/>
               <a:t>‹#›</a:t>
             </a:fld>
@@ -2127,7 +5083,7 @@
     </p:spTree>
     <p:extLst>
       <p:ext uri="{BB962C8B-B14F-4D97-AF65-F5344CB8AC3E}">
-        <p14:creationId xmlns:p14="http://schemas.microsoft.com/office/powerpoint/2010/main" val="4113839041"/>
+        <p14:creationId xmlns:p14="http://schemas.microsoft.com/office/powerpoint/2010/main" val="3482387033"/>
       </p:ext>
     </p:extLst>
   </p:cSld>
@@ -2159,7 +5115,7 @@
           <p:cNvPr id="2" name="Title 1">
             <a:extLst>
               <a:ext uri="{FF2B5EF4-FFF2-40B4-BE49-F238E27FC236}">
-                <a16:creationId xmlns:a16="http://schemas.microsoft.com/office/drawing/2014/main" id="{85EF1069-B284-E9D5-2772-115C6DF87202}"/>
+                <a16:creationId xmlns:a16="http://schemas.microsoft.com/office/drawing/2014/main" id="{C0CBFB75-C953-0BD0-4E2E-717767426228}"/>
               </a:ext>
             </a:extLst>
           </p:cNvPr>
@@ -2172,15 +5128,17 @@
         </p:nvSpPr>
         <p:spPr>
           <a:xfrm>
-            <a:off x="839788" y="457200"/>
-            <a:ext cx="3932237" cy="1600200"/>
+            <a:off x="1066800" y="770626"/>
+            <a:ext cx="3705225" cy="1286774"/>
           </a:xfrm>
         </p:spPr>
         <p:txBody>
-          <a:bodyPr anchor="b"/>
+          <a:bodyPr anchor="b">
+            <a:normAutofit/>
+          </a:bodyPr>
           <a:lstStyle>
             <a:lvl1pPr>
-              <a:defRPr sz="3200"/>
+              <a:defRPr sz="2800"/>
             </a:lvl1pPr>
           </a:lstStyle>
           <a:p>
@@ -2188,6 +5146,7 @@
               <a:rPr lang="en-US"/>
               <a:t>Click to edit Master title style</a:t>
             </a:r>
+            <a:endParaRPr lang="en-US" dirty="0"/>
           </a:p>
         </p:txBody>
       </p:sp>
@@ -2196,7 +5155,7 @@
           <p:cNvPr id="3" name="Content Placeholder 2">
             <a:extLst>
               <a:ext uri="{FF2B5EF4-FFF2-40B4-BE49-F238E27FC236}">
-                <a16:creationId xmlns:a16="http://schemas.microsoft.com/office/drawing/2014/main" id="{98CABE10-6906-71B9-6E6C-79EFF7FEB610}"/>
+                <a16:creationId xmlns:a16="http://schemas.microsoft.com/office/drawing/2014/main" id="{98E1AA52-60F3-40F2-673B-5848F4253FF0}"/>
               </a:ext>
             </a:extLst>
           </p:cNvPr>
@@ -2209,8 +5168,8 @@
         </p:nvSpPr>
         <p:spPr>
           <a:xfrm>
-            <a:off x="5183188" y="987425"/>
-            <a:ext cx="6172200" cy="4873625"/>
+            <a:off x="5183188" y="1075426"/>
+            <a:ext cx="5980112" cy="4768371"/>
           </a:xfrm>
         </p:spPr>
         <p:txBody>
@@ -2278,6 +5237,7 @@
               <a:rPr lang="en-US"/>
               <a:t>Fifth level</a:t>
             </a:r>
+            <a:endParaRPr lang="en-US" dirty="0"/>
           </a:p>
         </p:txBody>
       </p:sp>
@@ -2286,7 +5246,7 @@
           <p:cNvPr id="4" name="Text Placeholder 3">
             <a:extLst>
               <a:ext uri="{FF2B5EF4-FFF2-40B4-BE49-F238E27FC236}">
-                <a16:creationId xmlns:a16="http://schemas.microsoft.com/office/drawing/2014/main" id="{C024F0CC-2627-5D0C-0EBC-488467B5A5D4}"/>
+                <a16:creationId xmlns:a16="http://schemas.microsoft.com/office/drawing/2014/main" id="{F40167E8-C561-5A72-AED3-442F66DDEE31}"/>
               </a:ext>
             </a:extLst>
           </p:cNvPr>
@@ -2299,8 +5259,8 @@
         </p:nvSpPr>
         <p:spPr>
           <a:xfrm>
-            <a:off x="839788" y="2057400"/>
-            <a:ext cx="3932237" cy="3811588"/>
+            <a:off x="1066800" y="2057400"/>
+            <a:ext cx="3705225" cy="3811588"/>
           </a:xfrm>
         </p:spPr>
         <p:txBody>
@@ -2357,7 +5317,7 @@
           <p:cNvPr id="5" name="Date Placeholder 4">
             <a:extLst>
               <a:ext uri="{FF2B5EF4-FFF2-40B4-BE49-F238E27FC236}">
-                <a16:creationId xmlns:a16="http://schemas.microsoft.com/office/drawing/2014/main" id="{D4FE68B2-2764-1C2B-E1DA-8493AD640C4B}"/>
+                <a16:creationId xmlns:a16="http://schemas.microsoft.com/office/drawing/2014/main" id="{7FDBFED3-7CB3-1B8B-9504-13A121CAD015}"/>
               </a:ext>
             </a:extLst>
           </p:cNvPr>
@@ -2373,9 +5333,9 @@
           <a:bodyPr/>
           <a:lstStyle/>
           <a:p>
-            <a:fld id="{113942A5-3F6B-E740-842B-05DD19D54F50}" type="datetimeFigureOut">
+            <a:fld id="{1E351CED-465B-40B5-ADCE-957C918F227B}" type="datetimeFigureOut">
               <a:rPr lang="en-US" smtClean="0"/>
-              <a:t>12/27/22</a:t>
+              <a:t>12/29/22</a:t>
             </a:fld>
             <a:endParaRPr lang="en-US"/>
           </a:p>
@@ -2386,7 +5346,7 @@
           <p:cNvPr id="6" name="Footer Placeholder 5">
             <a:extLst>
               <a:ext uri="{FF2B5EF4-FFF2-40B4-BE49-F238E27FC236}">
-                <a16:creationId xmlns:a16="http://schemas.microsoft.com/office/drawing/2014/main" id="{E1E120F8-32FD-9DCE-6FDF-088F76C16287}"/>
+                <a16:creationId xmlns:a16="http://schemas.microsoft.com/office/drawing/2014/main" id="{152456C9-19A0-4441-B1AF-B7AFBF642FCE}"/>
               </a:ext>
             </a:extLst>
           </p:cNvPr>
@@ -2411,7 +5371,7 @@
           <p:cNvPr id="7" name="Slide Number Placeholder 6">
             <a:extLst>
               <a:ext uri="{FF2B5EF4-FFF2-40B4-BE49-F238E27FC236}">
-                <a16:creationId xmlns:a16="http://schemas.microsoft.com/office/drawing/2014/main" id="{BD77EE7E-445E-CB17-49A0-4C2B02AED4A8}"/>
+                <a16:creationId xmlns:a16="http://schemas.microsoft.com/office/drawing/2014/main" id="{AA8898EA-84CC-411C-0012-D314953696B9}"/>
               </a:ext>
             </a:extLst>
           </p:cNvPr>
@@ -2427,7 +5387,7 @@
           <a:bodyPr/>
           <a:lstStyle/>
           <a:p>
-            <a:fld id="{477B4769-9C9B-D64D-B2A0-09C9E3FDBE22}" type="slidenum">
+            <a:fld id="{5A33CB2A-1702-4C1D-9CC4-8D472D39F19E}" type="slidenum">
               <a:rPr lang="en-US" smtClean="0"/>
               <a:t>‹#›</a:t>
             </a:fld>
@@ -2438,7 +5398,7 @@
     </p:spTree>
     <p:extLst>
       <p:ext uri="{BB962C8B-B14F-4D97-AF65-F5344CB8AC3E}">
-        <p14:creationId xmlns:p14="http://schemas.microsoft.com/office/powerpoint/2010/main" val="2636046143"/>
+        <p14:creationId xmlns:p14="http://schemas.microsoft.com/office/powerpoint/2010/main" val="4262994546"/>
       </p:ext>
     </p:extLst>
   </p:cSld>
@@ -2470,7 +5430,7 @@
           <p:cNvPr id="2" name="Title 1">
             <a:extLst>
               <a:ext uri="{FF2B5EF4-FFF2-40B4-BE49-F238E27FC236}">
-                <a16:creationId xmlns:a16="http://schemas.microsoft.com/office/drawing/2014/main" id="{69C7617E-61C1-F823-6381-B8F3EFAC90E3}"/>
+                <a16:creationId xmlns:a16="http://schemas.microsoft.com/office/drawing/2014/main" id="{52AC1E10-1458-2553-05B4-313F7E26D210}"/>
               </a:ext>
             </a:extLst>
           </p:cNvPr>
@@ -2483,15 +5443,17 @@
         </p:nvSpPr>
         <p:spPr>
           <a:xfrm>
-            <a:off x="839788" y="457200"/>
-            <a:ext cx="3932237" cy="1600200"/>
+            <a:off x="1066800" y="782128"/>
+            <a:ext cx="3705225" cy="1275272"/>
           </a:xfrm>
         </p:spPr>
         <p:txBody>
-          <a:bodyPr anchor="b"/>
+          <a:bodyPr anchor="b">
+            <a:normAutofit/>
+          </a:bodyPr>
           <a:lstStyle>
             <a:lvl1pPr>
-              <a:defRPr sz="3200"/>
+              <a:defRPr sz="2800"/>
             </a:lvl1pPr>
           </a:lstStyle>
           <a:p>
@@ -2499,6 +5461,7 @@
               <a:rPr lang="en-US"/>
               <a:t>Click to edit Master title style</a:t>
             </a:r>
+            <a:endParaRPr lang="en-US" dirty="0"/>
           </a:p>
         </p:txBody>
       </p:sp>
@@ -2507,7 +5470,7 @@
           <p:cNvPr id="3" name="Picture Placeholder 2">
             <a:extLst>
               <a:ext uri="{FF2B5EF4-FFF2-40B4-BE49-F238E27FC236}">
-                <a16:creationId xmlns:a16="http://schemas.microsoft.com/office/drawing/2014/main" id="{8A97D831-517B-82EC-AD2D-466A3E868101}"/>
+                <a16:creationId xmlns:a16="http://schemas.microsoft.com/office/drawing/2014/main" id="{43C0F677-F177-6DED-1920-685B9D9FF254}"/>
               </a:ext>
             </a:extLst>
           </p:cNvPr>
@@ -2520,8 +5483,8 @@
         </p:nvSpPr>
         <p:spPr>
           <a:xfrm>
-            <a:off x="5183188" y="987425"/>
-            <a:ext cx="6172200" cy="4873625"/>
+            <a:off x="5183188" y="1143000"/>
+            <a:ext cx="5980112" cy="4572000"/>
           </a:xfrm>
         </p:spPr>
         <p:txBody>
@@ -2565,7 +5528,10 @@
             </a:lvl9pPr>
           </a:lstStyle>
           <a:p>
-            <a:endParaRPr lang="en-US"/>
+            <a:r>
+              <a:rPr lang="en-US"/>
+              <a:t>Click icon to add picture</a:t>
+            </a:r>
           </a:p>
         </p:txBody>
       </p:sp>
@@ -2574,7 +5540,7 @@
           <p:cNvPr id="4" name="Text Placeholder 3">
             <a:extLst>
               <a:ext uri="{FF2B5EF4-FFF2-40B4-BE49-F238E27FC236}">
-                <a16:creationId xmlns:a16="http://schemas.microsoft.com/office/drawing/2014/main" id="{B5B739B7-B811-8FA1-3BA9-CD4658B6047E}"/>
+                <a16:creationId xmlns:a16="http://schemas.microsoft.com/office/drawing/2014/main" id="{BC4D1CB1-2109-480E-8904-4077C94D6E7D}"/>
               </a:ext>
             </a:extLst>
           </p:cNvPr>
@@ -2587,8 +5553,8 @@
         </p:nvSpPr>
         <p:spPr>
           <a:xfrm>
-            <a:off x="839788" y="2057400"/>
-            <a:ext cx="3932237" cy="3811588"/>
+            <a:off x="1066800" y="2057400"/>
+            <a:ext cx="3705225" cy="3657600"/>
           </a:xfrm>
         </p:spPr>
         <p:txBody>
@@ -2645,7 +5611,7 @@
           <p:cNvPr id="5" name="Date Placeholder 4">
             <a:extLst>
               <a:ext uri="{FF2B5EF4-FFF2-40B4-BE49-F238E27FC236}">
-                <a16:creationId xmlns:a16="http://schemas.microsoft.com/office/drawing/2014/main" id="{EBB24046-AA45-6C3D-012A-3F925DFD3F0F}"/>
+                <a16:creationId xmlns:a16="http://schemas.microsoft.com/office/drawing/2014/main" id="{45B0DB38-7CB9-2140-BC21-6D2E7DD0B6B5}"/>
               </a:ext>
             </a:extLst>
           </p:cNvPr>
@@ -2661,9 +5627,9 @@
           <a:bodyPr/>
           <a:lstStyle/>
           <a:p>
-            <a:fld id="{113942A5-3F6B-E740-842B-05DD19D54F50}" type="datetimeFigureOut">
+            <a:fld id="{1E351CED-465B-40B5-ADCE-957C918F227B}" type="datetimeFigureOut">
               <a:rPr lang="en-US" smtClean="0"/>
-              <a:t>12/27/22</a:t>
+              <a:t>12/29/22</a:t>
             </a:fld>
             <a:endParaRPr lang="en-US"/>
           </a:p>
@@ -2674,7 +5640,7 @@
           <p:cNvPr id="6" name="Footer Placeholder 5">
             <a:extLst>
               <a:ext uri="{FF2B5EF4-FFF2-40B4-BE49-F238E27FC236}">
-                <a16:creationId xmlns:a16="http://schemas.microsoft.com/office/drawing/2014/main" id="{889D7FF3-E2B7-5ABE-8F67-B04AF0E059D9}"/>
+                <a16:creationId xmlns:a16="http://schemas.microsoft.com/office/drawing/2014/main" id="{C7B448AD-3B1D-4B5E-CAB9-BB5FD2CDEBC0}"/>
               </a:ext>
             </a:extLst>
           </p:cNvPr>
@@ -2699,7 +5665,7 @@
           <p:cNvPr id="7" name="Slide Number Placeholder 6">
             <a:extLst>
               <a:ext uri="{FF2B5EF4-FFF2-40B4-BE49-F238E27FC236}">
-                <a16:creationId xmlns:a16="http://schemas.microsoft.com/office/drawing/2014/main" id="{D0DE4FC5-1C41-ECFF-8484-D39907083180}"/>
+                <a16:creationId xmlns:a16="http://schemas.microsoft.com/office/drawing/2014/main" id="{CBEEF53D-CF5A-87A2-E973-3B8CCDEBAA2B}"/>
               </a:ext>
             </a:extLst>
           </p:cNvPr>
@@ -2715,7 +5681,7 @@
           <a:bodyPr/>
           <a:lstStyle/>
           <a:p>
-            <a:fld id="{477B4769-9C9B-D64D-B2A0-09C9E3FDBE22}" type="slidenum">
+            <a:fld id="{5A33CB2A-1702-4C1D-9CC4-8D472D39F19E}" type="slidenum">
               <a:rPr lang="en-US" smtClean="0"/>
               <a:t>‹#›</a:t>
             </a:fld>
@@ -2726,7 +5692,7 @@
     </p:spTree>
     <p:extLst>
       <p:ext uri="{BB962C8B-B14F-4D97-AF65-F5344CB8AC3E}">
-        <p14:creationId xmlns:p14="http://schemas.microsoft.com/office/powerpoint/2010/main" val="116245361"/>
+        <p14:creationId xmlns:p14="http://schemas.microsoft.com/office/powerpoint/2010/main" val="3011062922"/>
       </p:ext>
     </p:extLst>
   </p:cSld>
@@ -2763,7 +5729,7 @@
           <p:cNvPr id="2" name="Title Placeholder 1">
             <a:extLst>
               <a:ext uri="{FF2B5EF4-FFF2-40B4-BE49-F238E27FC236}">
-                <a16:creationId xmlns:a16="http://schemas.microsoft.com/office/drawing/2014/main" id="{56252F67-79E5-0A67-4585-9620664DAC1E}"/>
+                <a16:creationId xmlns:a16="http://schemas.microsoft.com/office/drawing/2014/main" id="{921F4A25-A386-9574-775C-E5E5F9FC352A}"/>
               </a:ext>
             </a:extLst>
           </p:cNvPr>
@@ -2776,15 +5742,15 @@
         </p:nvSpPr>
         <p:spPr>
           <a:xfrm>
-            <a:off x="838200" y="365125"/>
-            <a:ext cx="10515600" cy="1325563"/>
+            <a:off x="1066800" y="936841"/>
+            <a:ext cx="8886884" cy="953669"/>
           </a:xfrm>
           <a:prstGeom prst="rect">
             <a:avLst/>
           </a:prstGeom>
         </p:spPr>
         <p:txBody>
-          <a:bodyPr vert="horz" lIns="91440" tIns="45720" rIns="91440" bIns="45720" rtlCol="0" anchor="ctr">
+          <a:bodyPr vert="horz" lIns="91440" tIns="45720" rIns="91440" bIns="45720" rtlCol="0" anchor="b">
             <a:normAutofit/>
           </a:bodyPr>
           <a:lstStyle/>
@@ -2793,6 +5759,7 @@
               <a:rPr lang="en-US"/>
               <a:t>Click to edit Master title style</a:t>
             </a:r>
+            <a:endParaRPr lang="en-US" dirty="0"/>
           </a:p>
         </p:txBody>
       </p:sp>
@@ -2801,7 +5768,7 @@
           <p:cNvPr id="3" name="Text Placeholder 2">
             <a:extLst>
               <a:ext uri="{FF2B5EF4-FFF2-40B4-BE49-F238E27FC236}">
-                <a16:creationId xmlns:a16="http://schemas.microsoft.com/office/drawing/2014/main" id="{451A4F8C-CC43-B3D4-9FAC-30CF3671BCD2}"/>
+                <a16:creationId xmlns:a16="http://schemas.microsoft.com/office/drawing/2014/main" id="{C4F7885F-2B7B-74DB-9996-E0ACEBC9DB25}"/>
               </a:ext>
             </a:extLst>
           </p:cNvPr>
@@ -2814,8 +5781,8 @@
         </p:nvSpPr>
         <p:spPr>
           <a:xfrm>
-            <a:off x="838200" y="1825625"/>
-            <a:ext cx="10515600" cy="4351338"/>
+            <a:off x="1069848" y="2139696"/>
+            <a:ext cx="8883836" cy="3677683"/>
           </a:xfrm>
           <a:prstGeom prst="rect">
             <a:avLst/>
@@ -2860,6 +5827,7 @@
               <a:rPr lang="en-US"/>
               <a:t>Fifth level</a:t>
             </a:r>
+            <a:endParaRPr lang="en-US" dirty="0"/>
           </a:p>
         </p:txBody>
       </p:sp>
@@ -2868,7 +5836,7 @@
           <p:cNvPr id="4" name="Date Placeholder 3">
             <a:extLst>
               <a:ext uri="{FF2B5EF4-FFF2-40B4-BE49-F238E27FC236}">
-                <a16:creationId xmlns:a16="http://schemas.microsoft.com/office/drawing/2014/main" id="{C25A24E0-2109-EC34-7C07-C8509110543F}"/>
+                <a16:creationId xmlns:a16="http://schemas.microsoft.com/office/drawing/2014/main" id="{6804F519-BA47-2B81-CC1C-7E1F119EC69E}"/>
               </a:ext>
             </a:extLst>
           </p:cNvPr>
@@ -2880,9 +5848,9 @@
           </p:nvPr>
         </p:nvSpPr>
         <p:spPr>
-          <a:xfrm>
-            <a:off x="838200" y="6356350"/>
-            <a:ext cx="2743200" cy="365125"/>
+          <a:xfrm rot="5400000">
+            <a:off x="10477379" y="4629744"/>
+            <a:ext cx="2653508" cy="365125"/>
           </a:xfrm>
           <a:prstGeom prst="rect">
             <a:avLst/>
@@ -2891,20 +5859,18 @@
         <p:txBody>
           <a:bodyPr vert="horz" lIns="91440" tIns="45720" rIns="91440" bIns="45720" rtlCol="0" anchor="ctr"/>
           <a:lstStyle>
-            <a:lvl1pPr algn="l">
-              <a:defRPr sz="1200">
+            <a:lvl1pPr algn="r">
+              <a:defRPr sz="900">
                 <a:solidFill>
-                  <a:schemeClr val="tx1">
-                    <a:tint val="75000"/>
-                  </a:schemeClr>
+                  <a:schemeClr val="tx1"/>
                 </a:solidFill>
               </a:defRPr>
             </a:lvl1pPr>
           </a:lstStyle>
           <a:p>
-            <a:fld id="{113942A5-3F6B-E740-842B-05DD19D54F50}" type="datetimeFigureOut">
+            <a:fld id="{1E351CED-465B-40B5-ADCE-957C918F227B}" type="datetimeFigureOut">
               <a:rPr lang="en-US" smtClean="0"/>
-              <a:t>12/27/22</a:t>
+              <a:t>12/29/22</a:t>
             </a:fld>
             <a:endParaRPr lang="en-US"/>
           </a:p>
@@ -2915,7 +5881,7 @@
           <p:cNvPr id="5" name="Footer Placeholder 4">
             <a:extLst>
               <a:ext uri="{FF2B5EF4-FFF2-40B4-BE49-F238E27FC236}">
-                <a16:creationId xmlns:a16="http://schemas.microsoft.com/office/drawing/2014/main" id="{536733B6-480F-BA56-F761-B0F00F8FA0AA}"/>
+                <a16:creationId xmlns:a16="http://schemas.microsoft.com/office/drawing/2014/main" id="{BE952D7B-C352-1630-4C3D-7D5983C04D4A}"/>
               </a:ext>
             </a:extLst>
           </p:cNvPr>
@@ -2928,8 +5894,8 @@
         </p:nvSpPr>
         <p:spPr>
           <a:xfrm>
-            <a:off x="4038600" y="6356350"/>
-            <a:ext cx="4114800" cy="365125"/>
+            <a:off x="8610602" y="6318446"/>
+            <a:ext cx="2743198" cy="365125"/>
           </a:xfrm>
           <a:prstGeom prst="rect">
             <a:avLst/>
@@ -2938,12 +5904,10 @@
         <p:txBody>
           <a:bodyPr vert="horz" lIns="91440" tIns="45720" rIns="91440" bIns="45720" rtlCol="0" anchor="ctr"/>
           <a:lstStyle>
-            <a:lvl1pPr algn="ctr">
-              <a:defRPr sz="1200">
+            <a:lvl1pPr algn="r">
+              <a:defRPr sz="900">
                 <a:solidFill>
-                  <a:schemeClr val="tx1">
-                    <a:tint val="75000"/>
-                  </a:schemeClr>
+                  <a:schemeClr val="tx1"/>
                 </a:solidFill>
               </a:defRPr>
             </a:lvl1pPr>
@@ -2958,7 +5922,7 @@
           <p:cNvPr id="6" name="Slide Number Placeholder 5">
             <a:extLst>
               <a:ext uri="{FF2B5EF4-FFF2-40B4-BE49-F238E27FC236}">
-                <a16:creationId xmlns:a16="http://schemas.microsoft.com/office/drawing/2014/main" id="{44CA2111-309B-494E-CBC5-ED7600547A69}"/>
+                <a16:creationId xmlns:a16="http://schemas.microsoft.com/office/drawing/2014/main" id="{F96E04F0-DF9B-480B-CC46-BAE7A81FB7E6}"/>
               </a:ext>
             </a:extLst>
           </p:cNvPr>
@@ -2971,8 +5935,8 @@
         </p:nvSpPr>
         <p:spPr>
           <a:xfrm>
-            <a:off x="8610600" y="6356350"/>
-            <a:ext cx="2743200" cy="365125"/>
+            <a:off x="11353800" y="6318446"/>
+            <a:ext cx="615696" cy="365125"/>
           </a:xfrm>
           <a:prstGeom prst="rect">
             <a:avLst/>
@@ -2982,17 +5946,15 @@
           <a:bodyPr vert="horz" lIns="91440" tIns="45720" rIns="91440" bIns="45720" rtlCol="0" anchor="ctr"/>
           <a:lstStyle>
             <a:lvl1pPr algn="r">
-              <a:defRPr sz="1200">
+              <a:defRPr sz="1600" b="1">
                 <a:solidFill>
-                  <a:schemeClr val="tx1">
-                    <a:tint val="75000"/>
-                  </a:schemeClr>
+                  <a:schemeClr val="tx1"/>
                 </a:solidFill>
               </a:defRPr>
             </a:lvl1pPr>
           </a:lstStyle>
           <a:p>
-            <a:fld id="{477B4769-9C9B-D64D-B2A0-09C9E3FDBE22}" type="slidenum">
+            <a:fld id="{5A33CB2A-1702-4C1D-9CC4-8D472D39F19E}" type="slidenum">
               <a:rPr lang="en-US" smtClean="0"/>
               <a:t>‹#›</a:t>
             </a:fld>
@@ -3003,23 +5965,23 @@
     </p:spTree>
     <p:extLst>
       <p:ext uri="{BB962C8B-B14F-4D97-AF65-F5344CB8AC3E}">
-        <p14:creationId xmlns:p14="http://schemas.microsoft.com/office/powerpoint/2010/main" val="1220384555"/>
+        <p14:creationId xmlns:p14="http://schemas.microsoft.com/office/powerpoint/2010/main" val="2130262760"/>
       </p:ext>
     </p:extLst>
   </p:cSld>
   <p:clrMap bg1="lt1" tx1="dk1" bg2="lt2" tx2="dk2" accent1="accent1" accent2="accent2" accent3="accent3" accent4="accent4" accent5="accent5" accent6="accent6" hlink="hlink" folHlink="folHlink"/>
   <p:sldLayoutIdLst>
-    <p:sldLayoutId id="2147483649" r:id="rId1"/>
-    <p:sldLayoutId id="2147483650" r:id="rId2"/>
-    <p:sldLayoutId id="2147483651" r:id="rId3"/>
-    <p:sldLayoutId id="2147483652" r:id="rId4"/>
-    <p:sldLayoutId id="2147483653" r:id="rId5"/>
-    <p:sldLayoutId id="2147483654" r:id="rId6"/>
-    <p:sldLayoutId id="2147483655" r:id="rId7"/>
-    <p:sldLayoutId id="2147483656" r:id="rId8"/>
-    <p:sldLayoutId id="2147483657" r:id="rId9"/>
-    <p:sldLayoutId id="2147483658" r:id="rId10"/>
-    <p:sldLayoutId id="2147483659" r:id="rId11"/>
+    <p:sldLayoutId id="2147483671" r:id="rId1"/>
+    <p:sldLayoutId id="2147483670" r:id="rId2"/>
+    <p:sldLayoutId id="2147483669" r:id="rId3"/>
+    <p:sldLayoutId id="2147483668" r:id="rId4"/>
+    <p:sldLayoutId id="2147483667" r:id="rId5"/>
+    <p:sldLayoutId id="2147483666" r:id="rId6"/>
+    <p:sldLayoutId id="2147483665" r:id="rId7"/>
+    <p:sldLayoutId id="2147483664" r:id="rId8"/>
+    <p:sldLayoutId id="2147483663" r:id="rId9"/>
+    <p:sldLayoutId id="2147483662" r:id="rId10"/>
+    <p:sldLayoutId id="2147483661" r:id="rId11"/>
   </p:sldLayoutIdLst>
   <p:txStyles>
     <p:titleStyle>
@@ -3031,7 +5993,7 @@
           <a:spcPct val="0"/>
         </a:spcBef>
         <a:buNone/>
-        <a:defRPr sz="4400" kern="1200">
+        <a:defRPr sz="3200" b="1" kern="1200">
           <a:solidFill>
             <a:schemeClr val="tx1"/>
           </a:solidFill>
@@ -3044,64 +6006,10 @@
     <p:bodyStyle>
       <a:lvl1pPr marL="228600" indent="-228600" algn="l" defTabSz="914400" rtl="0" eaLnBrk="1" latinLnBrk="0" hangingPunct="1">
         <a:lnSpc>
-          <a:spcPct val="90000"/>
+          <a:spcPct val="120000"/>
         </a:lnSpc>
         <a:spcBef>
           <a:spcPts val="1000"/>
-        </a:spcBef>
-        <a:buFont typeface="Arial" panose="020B0604020202020204" pitchFamily="34" charset="0"/>
-        <a:buChar char="•"/>
-        <a:defRPr sz="2800" kern="1200">
-          <a:solidFill>
-            <a:schemeClr val="tx1"/>
-          </a:solidFill>
-          <a:latin typeface="+mn-lt"/>
-          <a:ea typeface="+mn-ea"/>
-          <a:cs typeface="+mn-cs"/>
-        </a:defRPr>
-      </a:lvl1pPr>
-      <a:lvl2pPr marL="685800" indent="-228600" algn="l" defTabSz="914400" rtl="0" eaLnBrk="1" latinLnBrk="0" hangingPunct="1">
-        <a:lnSpc>
-          <a:spcPct val="90000"/>
-        </a:lnSpc>
-        <a:spcBef>
-          <a:spcPts val="500"/>
-        </a:spcBef>
-        <a:buFont typeface="Arial" panose="020B0604020202020204" pitchFamily="34" charset="0"/>
-        <a:buChar char="•"/>
-        <a:defRPr sz="2400" kern="1200">
-          <a:solidFill>
-            <a:schemeClr val="tx1"/>
-          </a:solidFill>
-          <a:latin typeface="+mn-lt"/>
-          <a:ea typeface="+mn-ea"/>
-          <a:cs typeface="+mn-cs"/>
-        </a:defRPr>
-      </a:lvl2pPr>
-      <a:lvl3pPr marL="1143000" indent="-228600" algn="l" defTabSz="914400" rtl="0" eaLnBrk="1" latinLnBrk="0" hangingPunct="1">
-        <a:lnSpc>
-          <a:spcPct val="90000"/>
-        </a:lnSpc>
-        <a:spcBef>
-          <a:spcPts val="500"/>
-        </a:spcBef>
-        <a:buFont typeface="Arial" panose="020B0604020202020204" pitchFamily="34" charset="0"/>
-        <a:buChar char="•"/>
-        <a:defRPr sz="2000" kern="1200">
-          <a:solidFill>
-            <a:schemeClr val="tx1"/>
-          </a:solidFill>
-          <a:latin typeface="+mn-lt"/>
-          <a:ea typeface="+mn-ea"/>
-          <a:cs typeface="+mn-cs"/>
-        </a:defRPr>
-      </a:lvl3pPr>
-      <a:lvl4pPr marL="1600200" indent="-228600" algn="l" defTabSz="914400" rtl="0" eaLnBrk="1" latinLnBrk="0" hangingPunct="1">
-        <a:lnSpc>
-          <a:spcPct val="90000"/>
-        </a:lnSpc>
-        <a:spcBef>
-          <a:spcPts val="500"/>
         </a:spcBef>
         <a:buFont typeface="Arial" panose="020B0604020202020204" pitchFamily="34" charset="0"/>
         <a:buChar char="•"/>
@@ -3113,17 +6021,71 @@
           <a:ea typeface="+mn-ea"/>
           <a:cs typeface="+mn-cs"/>
         </a:defRPr>
-      </a:lvl4pPr>
-      <a:lvl5pPr marL="2057400" indent="-228600" algn="l" defTabSz="914400" rtl="0" eaLnBrk="1" latinLnBrk="0" hangingPunct="1">
+      </a:lvl1pPr>
+      <a:lvl2pPr marL="548640" indent="-228600" algn="l" defTabSz="914400" rtl="0" eaLnBrk="1" latinLnBrk="0" hangingPunct="1">
         <a:lnSpc>
-          <a:spcPct val="90000"/>
+          <a:spcPct val="120000"/>
+        </a:lnSpc>
+        <a:spcBef>
+          <a:spcPts val="500"/>
+        </a:spcBef>
+        <a:buFont typeface="Neue Haas Grotesk Text Pro" panose="020B0504020202020204" pitchFamily="34" charset="0"/>
+        <a:buChar char="–"/>
+        <a:defRPr sz="1600" kern="1200">
+          <a:solidFill>
+            <a:schemeClr val="tx1"/>
+          </a:solidFill>
+          <a:latin typeface="+mn-lt"/>
+          <a:ea typeface="+mn-ea"/>
+          <a:cs typeface="+mn-cs"/>
+        </a:defRPr>
+      </a:lvl2pPr>
+      <a:lvl3pPr marL="777240" indent="-228600" algn="l" defTabSz="914400" rtl="0" eaLnBrk="1" latinLnBrk="0" hangingPunct="1">
+        <a:lnSpc>
+          <a:spcPct val="120000"/>
         </a:lnSpc>
         <a:spcBef>
           <a:spcPts val="500"/>
         </a:spcBef>
         <a:buFont typeface="Arial" panose="020B0604020202020204" pitchFamily="34" charset="0"/>
         <a:buChar char="•"/>
-        <a:defRPr sz="1800" kern="1200">
+        <a:defRPr sz="1400" kern="1200">
+          <a:solidFill>
+            <a:schemeClr val="tx1"/>
+          </a:solidFill>
+          <a:latin typeface="+mn-lt"/>
+          <a:ea typeface="+mn-ea"/>
+          <a:cs typeface="+mn-cs"/>
+        </a:defRPr>
+      </a:lvl3pPr>
+      <a:lvl4pPr marL="914400" indent="-228600" algn="l" defTabSz="914400" rtl="0" eaLnBrk="1" latinLnBrk="0" hangingPunct="1">
+        <a:lnSpc>
+          <a:spcPct val="120000"/>
+        </a:lnSpc>
+        <a:spcBef>
+          <a:spcPts val="500"/>
+        </a:spcBef>
+        <a:buFont typeface="Neue Haas Grotesk Text Pro" panose="020B0504020202020204" pitchFamily="34" charset="0"/>
+        <a:buChar char="–"/>
+        <a:defRPr sz="1200" kern="1200">
+          <a:solidFill>
+            <a:schemeClr val="tx1"/>
+          </a:solidFill>
+          <a:latin typeface="+mn-lt"/>
+          <a:ea typeface="+mn-ea"/>
+          <a:cs typeface="+mn-cs"/>
+        </a:defRPr>
+      </a:lvl4pPr>
+      <a:lvl5pPr marL="1097280" indent="-228600" algn="l" defTabSz="914400" rtl="0" eaLnBrk="1" latinLnBrk="0" hangingPunct="1">
+        <a:lnSpc>
+          <a:spcPct val="120000"/>
+        </a:lnSpc>
+        <a:spcBef>
+          <a:spcPts val="500"/>
+        </a:spcBef>
+        <a:buFont typeface="Arial" panose="020B0604020202020204" pitchFamily="34" charset="0"/>
+        <a:buChar char="•"/>
+        <a:defRPr sz="1200" kern="1200">
           <a:solidFill>
             <a:schemeClr val="tx1"/>
           </a:solidFill>
@@ -3321,6 +6283,82 @@
           <a:chExt cx="0" cy="0"/>
         </a:xfrm>
       </p:grpSpPr>
+      <p:sp useBgFill="1">
+        <p:nvSpPr>
+          <p:cNvPr id="10" name="Rectangle 9">
+            <a:extLst>
+              <a:ext uri="{FF2B5EF4-FFF2-40B4-BE49-F238E27FC236}">
+                <a16:creationId xmlns:a16="http://schemas.microsoft.com/office/drawing/2014/main" id="{41A06B62-8BB1-9677-4094-5FB84178B453}"/>
+              </a:ext>
+              <a:ext uri="{C183D7F6-B498-43B3-948B-1728B52AA6E4}">
+                <adec:decorative xmlns:adec="http://schemas.microsoft.com/office/drawing/2017/decorative" val="1"/>
+              </a:ext>
+            </a:extLst>
+          </p:cNvPr>
+          <p:cNvSpPr>
+            <a:spLocks noGrp="1" noRot="1" noChangeAspect="1" noMove="1" noResize="1" noEditPoints="1" noAdjustHandles="1" noChangeArrowheads="1" noChangeShapeType="1" noTextEdit="1"/>
+          </p:cNvSpPr>
+          <p:nvPr>
+            <p:extLst>
+              <p:ext uri="{386F3935-93C4-4BCD-93E2-E3B085C9AB24}">
+                <p16:designElem xmlns:p16="http://schemas.microsoft.com/office/powerpoint/2015/main" val="1"/>
+              </p:ext>
+            </p:extLst>
+          </p:nvPr>
+        </p:nvSpPr>
+        <p:spPr>
+          <a:xfrm>
+            <a:off x="0" y="0"/>
+            <a:ext cx="12192000" cy="6858000"/>
+          </a:xfrm>
+          <a:prstGeom prst="rect">
+            <a:avLst/>
+          </a:prstGeom>
+          <a:ln w="12700" cap="flat" cmpd="sng" algn="ctr">
+            <a:noFill/>
+            <a:prstDash val="solid"/>
+            <a:miter lim="800000"/>
+          </a:ln>
+          <a:effectLst/>
+          <a:extLst>
+            <a:ext uri="{91240B29-F687-4F45-9708-019B960494DF}">
+              <a14:hiddenLine xmlns:a14="http://schemas.microsoft.com/office/drawing/2010/main" w="12700" cap="flat" cmpd="sng" algn="ctr">
+                <a:solidFill>
+                  <a:schemeClr val="accent1">
+                    <a:shade val="50000"/>
+                  </a:schemeClr>
+                </a:solidFill>
+                <a:prstDash val="solid"/>
+                <a:miter lim="800000"/>
+              </a14:hiddenLine>
+            </a:ext>
+          </a:extLst>
+        </p:spPr>
+        <p:style>
+          <a:lnRef idx="2">
+            <a:schemeClr val="accent1">
+              <a:shade val="50000"/>
+            </a:schemeClr>
+          </a:lnRef>
+          <a:fillRef idx="1">
+            <a:schemeClr val="accent1"/>
+          </a:fillRef>
+          <a:effectRef idx="0">
+            <a:schemeClr val="accent1"/>
+          </a:effectRef>
+          <a:fontRef idx="minor">
+            <a:schemeClr val="lt1"/>
+          </a:fontRef>
+        </p:style>
+        <p:txBody>
+          <a:bodyPr rtlCol="0" anchor="ctr"/>
+          <a:lstStyle/>
+          <a:p>
+            <a:pPr algn="ctr"/>
+            <a:endParaRPr lang="en-US"/>
+          </a:p>
+        </p:txBody>
+      </p:sp>
       <p:sp>
         <p:nvSpPr>
           <p:cNvPr id="2" name="Title 1">
@@ -3337,71 +6375,191 @@
             <p:ph type="ctrTitle"/>
           </p:nvPr>
         </p:nvSpPr>
-        <p:spPr/>
+        <p:spPr>
+          <a:xfrm>
+            <a:off x="7239000" y="1143000"/>
+            <a:ext cx="3924299" cy="1612290"/>
+          </a:xfrm>
+        </p:spPr>
         <p:txBody>
-          <a:bodyPr/>
+          <a:bodyPr vert="horz" lIns="91440" tIns="45720" rIns="91440" bIns="45720" rtlCol="0" anchor="ctr">
+            <a:normAutofit/>
+          </a:bodyPr>
           <a:lstStyle/>
           <a:p>
-            <a:pPr marL="0" marR="0">
-              <a:spcBef>
-                <a:spcPts val="0"/>
-              </a:spcBef>
+            <a:pPr>
+              <a:lnSpc>
+                <a:spcPct val="90000"/>
+              </a:lnSpc>
+            </a:pPr>
+            <a:r>
+              <a:rPr lang="en-US" sz="3200"/>
+              <a:t>Sentiment Analysis of Amazon Reviews</a:t>
+            </a:r>
+          </a:p>
+        </p:txBody>
+      </p:sp>
+      <p:sp>
+        <p:nvSpPr>
+          <p:cNvPr id="3" name="TextBox 2">
+            <a:extLst>
+              <a:ext uri="{FF2B5EF4-FFF2-40B4-BE49-F238E27FC236}">
+                <a16:creationId xmlns:a16="http://schemas.microsoft.com/office/drawing/2014/main" id="{25023312-8F9C-AE25-98DC-CAADBFD58E7F}"/>
+              </a:ext>
+            </a:extLst>
+          </p:cNvPr>
+          <p:cNvSpPr txBox="1"/>
+          <p:nvPr/>
+        </p:nvSpPr>
+        <p:spPr>
+          <a:xfrm>
+            <a:off x="7239000" y="2736850"/>
+            <a:ext cx="3924299" cy="2978150"/>
+          </a:xfrm>
+          <a:prstGeom prst="rect">
+            <a:avLst/>
+          </a:prstGeom>
+        </p:spPr>
+        <p:txBody>
+          <a:bodyPr vert="horz" lIns="91440" tIns="45720" rIns="91440" bIns="45720" rtlCol="0">
+            <a:normAutofit/>
+          </a:bodyPr>
+          <a:lstStyle/>
+          <a:p>
+            <a:pPr indent="-228600">
+              <a:lnSpc>
+                <a:spcPct val="120000"/>
+              </a:lnSpc>
               <a:spcAft>
-                <a:spcPts val="0"/>
+                <a:spcPts val="600"/>
               </a:spcAft>
             </a:pPr>
             <a:r>
-              <a:rPr lang="en-US" sz="1800" dirty="0">
-                <a:effectLst/>
-                <a:latin typeface="Calibri" panose="020F0502020204030204" pitchFamily="34" charset="0"/>
-                <a:ea typeface="Calibri" panose="020F0502020204030204" pitchFamily="34" charset="0"/>
-                <a:cs typeface="Times New Roman" panose="02020603050405020304" pitchFamily="18" charset="0"/>
-              </a:rPr>
-              <a:t>INTENTIONALLY LEFT BLANK </a:t>
-            </a:r>
-            <a:br>
-              <a:rPr lang="en-US" sz="1800" dirty="0">
-                <a:effectLst/>
-                <a:latin typeface="Calibri" panose="020F0502020204030204" pitchFamily="34" charset="0"/>
-                <a:ea typeface="Calibri" panose="020F0502020204030204" pitchFamily="34" charset="0"/>
-                <a:cs typeface="Times New Roman" panose="02020603050405020304" pitchFamily="18" charset="0"/>
-              </a:rPr>
-            </a:br>
-            <a:r>
-              <a:rPr lang="en-US" sz="1800" dirty="0">
-                <a:effectLst/>
-                <a:latin typeface="Calibri" panose="020F0502020204030204" pitchFamily="34" charset="0"/>
-                <a:ea typeface="Calibri" panose="020F0502020204030204" pitchFamily="34" charset="0"/>
-                <a:cs typeface="Times New Roman" panose="02020603050405020304" pitchFamily="18" charset="0"/>
-              </a:rPr>
-              <a:t> </a:t>
-            </a:r>
-            <a:br>
-              <a:rPr lang="en-US" sz="1800" dirty="0">
-                <a:effectLst/>
-                <a:latin typeface="Calibri" panose="020F0502020204030204" pitchFamily="34" charset="0"/>
-                <a:ea typeface="Calibri" panose="020F0502020204030204" pitchFamily="34" charset="0"/>
-                <a:cs typeface="Times New Roman" panose="02020603050405020304" pitchFamily="18" charset="0"/>
-              </a:rPr>
-            </a:br>
-            <a:r>
-              <a:rPr lang="en-US" sz="1800" dirty="0">
-                <a:effectLst/>
-                <a:latin typeface="Calibri" panose="020F0502020204030204" pitchFamily="34" charset="0"/>
-                <a:ea typeface="Calibri" panose="020F0502020204030204" pitchFamily="34" charset="0"/>
-                <a:cs typeface="Times New Roman" panose="02020603050405020304" pitchFamily="18" charset="0"/>
-              </a:rPr>
-              <a:t>Placeholder document to meet Springboard’s deadlines</a:t>
-            </a:r>
-            <a:br>
-              <a:rPr lang="en-US" sz="1800" dirty="0">
-                <a:effectLst/>
-                <a:latin typeface="Calibri" panose="020F0502020204030204" pitchFamily="34" charset="0"/>
-                <a:ea typeface="Calibri" panose="020F0502020204030204" pitchFamily="34" charset="0"/>
-                <a:cs typeface="Times New Roman" panose="02020603050405020304" pitchFamily="18" charset="0"/>
-              </a:rPr>
-            </a:br>
+              <a:rPr lang="en-US" dirty="0"/>
+              <a:t>Presentation  – A Capstone Element for Springboard’s Data Science program</a:t>
+            </a:r>
+          </a:p>
+          <a:p>
+            <a:pPr indent="-228600">
+              <a:lnSpc>
+                <a:spcPct val="120000"/>
+              </a:lnSpc>
+              <a:spcAft>
+                <a:spcPts val="600"/>
+              </a:spcAft>
+            </a:pPr>
             <a:endParaRPr lang="en-US" dirty="0"/>
+          </a:p>
+        </p:txBody>
+      </p:sp>
+      <p:pic>
+        <p:nvPicPr>
+          <p:cNvPr id="5" name="Picture 4">
+            <a:extLst>
+              <a:ext uri="{FF2B5EF4-FFF2-40B4-BE49-F238E27FC236}">
+                <a16:creationId xmlns:a16="http://schemas.microsoft.com/office/drawing/2014/main" id="{DB893571-3D77-0B82-E467-F76E2484F62B}"/>
+              </a:ext>
+            </a:extLst>
+          </p:cNvPr>
+          <p:cNvPicPr>
+            <a:picLocks noChangeAspect="1"/>
+          </p:cNvPicPr>
+          <p:nvPr/>
+        </p:nvPicPr>
+        <p:blipFill rotWithShape="1">
+          <a:blip r:embed="rId2"/>
+          <a:srcRect t="22327"/>
+          <a:stretch/>
+        </p:blipFill>
+        <p:spPr>
+          <a:xfrm>
+            <a:off x="1" y="-2357"/>
+            <a:ext cx="7872431" cy="4310904"/>
+          </a:xfrm>
+          <a:custGeom>
+            <a:avLst/>
+            <a:gdLst/>
+            <a:ahLst/>
+            <a:cxnLst/>
+            <a:rect l="l" t="t" r="r" b="b"/>
+            <a:pathLst>
+              <a:path w="7872431" h="4310904">
+                <a:moveTo>
+                  <a:pt x="0" y="0"/>
+                </a:moveTo>
+                <a:lnTo>
+                  <a:pt x="7872431" y="0"/>
+                </a:lnTo>
+                <a:lnTo>
+                  <a:pt x="3042989" y="3788060"/>
+                </a:lnTo>
+                <a:cubicBezTo>
+                  <a:pt x="2579199" y="4115583"/>
+                  <a:pt x="2047750" y="4286391"/>
+                  <a:pt x="1514750" y="4308448"/>
+                </a:cubicBezTo>
+                <a:cubicBezTo>
+                  <a:pt x="1015062" y="4329127"/>
+                  <a:pt x="514010" y="4219067"/>
+                  <a:pt x="66064" y="3984830"/>
+                </a:cubicBezTo>
+                <a:lnTo>
+                  <a:pt x="0" y="3947746"/>
+                </a:lnTo>
+                <a:close/>
+              </a:path>
+            </a:pathLst>
+          </a:custGeom>
+        </p:spPr>
+      </p:pic>
+      <p:sp>
+        <p:nvSpPr>
+          <p:cNvPr id="4" name="TextBox 3">
+            <a:extLst>
+              <a:ext uri="{FF2B5EF4-FFF2-40B4-BE49-F238E27FC236}">
+                <a16:creationId xmlns:a16="http://schemas.microsoft.com/office/drawing/2014/main" id="{549CDB57-B452-30D2-3EB3-49FD772557E5}"/>
+              </a:ext>
+            </a:extLst>
+          </p:cNvPr>
+          <p:cNvSpPr txBox="1"/>
+          <p:nvPr/>
+        </p:nvSpPr>
+        <p:spPr>
+          <a:xfrm>
+            <a:off x="9800065" y="6134725"/>
+            <a:ext cx="2391936" cy="723275"/>
+          </a:xfrm>
+          <a:prstGeom prst="rect">
+            <a:avLst/>
+          </a:prstGeom>
+          <a:noFill/>
+        </p:spPr>
+        <p:txBody>
+          <a:bodyPr wrap="square" rtlCol="0">
+            <a:spAutoFit/>
+          </a:bodyPr>
+          <a:lstStyle/>
+          <a:p>
+            <a:pPr>
+              <a:spcAft>
+                <a:spcPts val="600"/>
+              </a:spcAft>
+            </a:pPr>
+            <a:r>
+              <a:rPr lang="en-US" dirty="0"/>
+              <a:t>Evan Meeks</a:t>
+            </a:r>
+          </a:p>
+          <a:p>
+            <a:pPr>
+              <a:spcAft>
+                <a:spcPts val="600"/>
+              </a:spcAft>
+            </a:pPr>
+            <a:r>
+              <a:rPr lang="en-US" dirty="0"/>
+              <a:t>December 29, 2022</a:t>
+            </a:r>
           </a:p>
         </p:txBody>
       </p:sp>
@@ -3418,151 +6576,3159 @@
 </p:sld>
 </file>
 
+<file path=ppt/slides/slide2.xml><?xml version="1.0" encoding="utf-8"?>
+<p:sld xmlns:a="http://schemas.openxmlformats.org/drawingml/2006/main" xmlns:r="http://schemas.openxmlformats.org/officeDocument/2006/relationships" xmlns:p="http://schemas.openxmlformats.org/presentationml/2006/main">
+  <p:cSld>
+    <p:spTree>
+      <p:nvGrpSpPr>
+        <p:cNvPr id="1" name=""/>
+        <p:cNvGrpSpPr/>
+        <p:nvPr/>
+      </p:nvGrpSpPr>
+      <p:grpSpPr>
+        <a:xfrm>
+          <a:off x="0" y="0"/>
+          <a:ext cx="0" cy="0"/>
+          <a:chOff x="0" y="0"/>
+          <a:chExt cx="0" cy="0"/>
+        </a:xfrm>
+      </p:grpSpPr>
+      <p:sp>
+        <p:nvSpPr>
+          <p:cNvPr id="2" name="Title 1">
+            <a:extLst>
+              <a:ext uri="{FF2B5EF4-FFF2-40B4-BE49-F238E27FC236}">
+                <a16:creationId xmlns:a16="http://schemas.microsoft.com/office/drawing/2014/main" id="{F72E77F9-4B58-5F3B-9889-DEA4DF4B6342}"/>
+              </a:ext>
+            </a:extLst>
+          </p:cNvPr>
+          <p:cNvSpPr>
+            <a:spLocks noGrp="1"/>
+          </p:cNvSpPr>
+          <p:nvPr>
+            <p:ph type="title"/>
+          </p:nvPr>
+        </p:nvSpPr>
+        <p:spPr/>
+        <p:txBody>
+          <a:bodyPr/>
+          <a:lstStyle/>
+          <a:p>
+            <a:r>
+              <a:rPr lang="en-US" dirty="0" err="1"/>
+              <a:t>Amazon.com</a:t>
+            </a:r>
+            <a:r>
+              <a:rPr lang="en-US" dirty="0"/>
+              <a:t>: America’s Retail Giant</a:t>
+            </a:r>
+          </a:p>
+        </p:txBody>
+      </p:sp>
+      <p:graphicFrame>
+        <p:nvGraphicFramePr>
+          <p:cNvPr id="7" name="Content Placeholder 2">
+            <a:extLst>
+              <a:ext uri="{FF2B5EF4-FFF2-40B4-BE49-F238E27FC236}">
+                <a16:creationId xmlns:a16="http://schemas.microsoft.com/office/drawing/2014/main" id="{D92E58BC-EE50-B68B-C907-7987FD675C53}"/>
+              </a:ext>
+            </a:extLst>
+          </p:cNvPr>
+          <p:cNvGraphicFramePr>
+            <a:graphicFrameLocks noGrp="1"/>
+          </p:cNvGraphicFramePr>
+          <p:nvPr>
+            <p:ph idx="1"/>
+          </p:nvPr>
+        </p:nvGraphicFramePr>
+        <p:xfrm>
+          <a:off x="1069848" y="2139696"/>
+          <a:ext cx="8883836" cy="3677683"/>
+        </p:xfrm>
+        <a:graphic>
+          <a:graphicData uri="http://schemas.openxmlformats.org/drawingml/2006/diagram">
+            <dgm:relIds xmlns:dgm="http://schemas.openxmlformats.org/drawingml/2006/diagram" xmlns:r="http://schemas.openxmlformats.org/officeDocument/2006/relationships" r:dm="rId2" r:lo="rId3" r:qs="rId4" r:cs="rId5"/>
+          </a:graphicData>
+        </a:graphic>
+      </p:graphicFrame>
+    </p:spTree>
+    <p:extLst>
+      <p:ext uri="{BB962C8B-B14F-4D97-AF65-F5344CB8AC3E}">
+        <p14:creationId xmlns:p14="http://schemas.microsoft.com/office/powerpoint/2010/main" val="2518459401"/>
+      </p:ext>
+    </p:extLst>
+  </p:cSld>
+  <p:clrMapOvr>
+    <a:masterClrMapping/>
+  </p:clrMapOvr>
+</p:sld>
+</file>
+
+<file path=ppt/slides/slide3.xml><?xml version="1.0" encoding="utf-8"?>
+<p:sld xmlns:a="http://schemas.openxmlformats.org/drawingml/2006/main" xmlns:r="http://schemas.openxmlformats.org/officeDocument/2006/relationships" xmlns:p="http://schemas.openxmlformats.org/presentationml/2006/main">
+  <p:cSld>
+    <p:spTree>
+      <p:nvGrpSpPr>
+        <p:cNvPr id="1" name=""/>
+        <p:cNvGrpSpPr/>
+        <p:nvPr/>
+      </p:nvGrpSpPr>
+      <p:grpSpPr>
+        <a:xfrm>
+          <a:off x="0" y="0"/>
+          <a:ext cx="0" cy="0"/>
+          <a:chOff x="0" y="0"/>
+          <a:chExt cx="0" cy="0"/>
+        </a:xfrm>
+      </p:grpSpPr>
+      <p:sp>
+        <p:nvSpPr>
+          <p:cNvPr id="2" name="Title 1">
+            <a:extLst>
+              <a:ext uri="{FF2B5EF4-FFF2-40B4-BE49-F238E27FC236}">
+                <a16:creationId xmlns:a16="http://schemas.microsoft.com/office/drawing/2014/main" id="{24B68D91-B076-6AA1-5909-D7EE5917CB7C}"/>
+              </a:ext>
+            </a:extLst>
+          </p:cNvPr>
+          <p:cNvSpPr>
+            <a:spLocks noGrp="1"/>
+          </p:cNvSpPr>
+          <p:nvPr>
+            <p:ph type="ctrTitle"/>
+          </p:nvPr>
+        </p:nvSpPr>
+        <p:spPr>
+          <a:xfrm>
+            <a:off x="1066800" y="1084008"/>
+            <a:ext cx="6944436" cy="2090634"/>
+          </a:xfrm>
+        </p:spPr>
+        <p:txBody>
+          <a:bodyPr anchor="b">
+            <a:normAutofit/>
+          </a:bodyPr>
+          <a:lstStyle/>
+          <a:p>
+            <a:r>
+              <a:rPr lang="en-US" sz="6000"/>
+              <a:t>Predicting Sentiment</a:t>
+            </a:r>
+          </a:p>
+        </p:txBody>
+      </p:sp>
+      <p:sp>
+        <p:nvSpPr>
+          <p:cNvPr id="3" name="Content Placeholder 2">
+            <a:extLst>
+              <a:ext uri="{FF2B5EF4-FFF2-40B4-BE49-F238E27FC236}">
+                <a16:creationId xmlns:a16="http://schemas.microsoft.com/office/drawing/2014/main" id="{155E7B55-9185-7E62-8BBA-72C9A6183C58}"/>
+              </a:ext>
+            </a:extLst>
+          </p:cNvPr>
+          <p:cNvSpPr>
+            <a:spLocks noGrp="1"/>
+          </p:cNvSpPr>
+          <p:nvPr>
+            <p:ph type="subTitle" idx="1"/>
+          </p:nvPr>
+        </p:nvSpPr>
+        <p:spPr>
+          <a:xfrm>
+            <a:off x="1066800" y="3233019"/>
+            <a:ext cx="4559643" cy="1771136"/>
+          </a:xfrm>
+        </p:spPr>
+        <p:txBody>
+          <a:bodyPr>
+            <a:normAutofit/>
+          </a:bodyPr>
+          <a:lstStyle/>
+          <a:p>
+            <a:r>
+              <a:rPr lang="en-US" dirty="0"/>
+              <a:t>Can we accurately predict whether a review from Amazon is positive or negative in nature? </a:t>
+            </a:r>
+          </a:p>
+        </p:txBody>
+      </p:sp>
+      <p:sp>
+        <p:nvSpPr>
+          <p:cNvPr id="12" name="Slide Number Placeholder 8">
+            <a:extLst>
+              <a:ext uri="{FF2B5EF4-FFF2-40B4-BE49-F238E27FC236}">
+                <a16:creationId xmlns:a16="http://schemas.microsoft.com/office/drawing/2014/main" id="{DD07FCD6-FE6A-38F4-3D58-E6D3DD6AD395}"/>
+              </a:ext>
+            </a:extLst>
+          </p:cNvPr>
+          <p:cNvSpPr>
+            <a:spLocks noGrp="1"/>
+          </p:cNvSpPr>
+          <p:nvPr>
+            <p:ph type="sldNum" sz="quarter" idx="12"/>
+          </p:nvPr>
+        </p:nvSpPr>
+        <p:spPr>
+          <a:xfrm>
+            <a:off x="11353800" y="6318446"/>
+            <a:ext cx="615696" cy="365125"/>
+          </a:xfrm>
+        </p:spPr>
+        <p:txBody>
+          <a:bodyPr/>
+          <a:lstStyle/>
+          <a:p>
+            <a:pPr>
+              <a:spcAft>
+                <a:spcPts val="600"/>
+              </a:spcAft>
+            </a:pPr>
+            <a:fld id="{5E84AC6A-A0EF-437B-BCEE-4772B0214A58}" type="slidenum">
+              <a:rPr lang="en-US" smtClean="0"/>
+              <a:pPr>
+                <a:spcAft>
+                  <a:spcPts val="600"/>
+                </a:spcAft>
+              </a:pPr>
+              <a:t>3</a:t>
+            </a:fld>
+            <a:endParaRPr lang="en-US"/>
+          </a:p>
+        </p:txBody>
+      </p:sp>
+    </p:spTree>
+    <p:extLst>
+      <p:ext uri="{BB962C8B-B14F-4D97-AF65-F5344CB8AC3E}">
+        <p14:creationId xmlns:p14="http://schemas.microsoft.com/office/powerpoint/2010/main" val="2466127407"/>
+      </p:ext>
+    </p:extLst>
+  </p:cSld>
+  <p:clrMapOvr>
+    <a:masterClrMapping/>
+  </p:clrMapOvr>
+</p:sld>
+</file>
+
+<file path=ppt/slides/slide4.xml><?xml version="1.0" encoding="utf-8"?>
+<p:sld xmlns:a="http://schemas.openxmlformats.org/drawingml/2006/main" xmlns:r="http://schemas.openxmlformats.org/officeDocument/2006/relationships" xmlns:p="http://schemas.openxmlformats.org/presentationml/2006/main">
+  <p:cSld>
+    <p:spTree>
+      <p:nvGrpSpPr>
+        <p:cNvPr id="1" name=""/>
+        <p:cNvGrpSpPr/>
+        <p:nvPr/>
+      </p:nvGrpSpPr>
+      <p:grpSpPr>
+        <a:xfrm>
+          <a:off x="0" y="0"/>
+          <a:ext cx="0" cy="0"/>
+          <a:chOff x="0" y="0"/>
+          <a:chExt cx="0" cy="0"/>
+        </a:xfrm>
+      </p:grpSpPr>
+      <p:sp>
+        <p:nvSpPr>
+          <p:cNvPr id="12" name="Slide Number Placeholder 8">
+            <a:extLst>
+              <a:ext uri="{FF2B5EF4-FFF2-40B4-BE49-F238E27FC236}">
+                <a16:creationId xmlns:a16="http://schemas.microsoft.com/office/drawing/2014/main" id="{DD07FCD6-FE6A-38F4-3D58-E6D3DD6AD395}"/>
+              </a:ext>
+            </a:extLst>
+          </p:cNvPr>
+          <p:cNvSpPr>
+            <a:spLocks noGrp="1"/>
+          </p:cNvSpPr>
+          <p:nvPr>
+            <p:ph type="sldNum" sz="quarter" idx="12"/>
+          </p:nvPr>
+        </p:nvSpPr>
+        <p:spPr>
+          <a:xfrm>
+            <a:off x="11353800" y="6318446"/>
+            <a:ext cx="615696" cy="365125"/>
+          </a:xfrm>
+        </p:spPr>
+        <p:txBody>
+          <a:bodyPr/>
+          <a:lstStyle/>
+          <a:p>
+            <a:pPr>
+              <a:spcAft>
+                <a:spcPts val="600"/>
+              </a:spcAft>
+            </a:pPr>
+            <a:fld id="{5E84AC6A-A0EF-437B-BCEE-4772B0214A58}" type="slidenum">
+              <a:rPr lang="en-US" smtClean="0"/>
+              <a:pPr>
+                <a:spcAft>
+                  <a:spcPts val="600"/>
+                </a:spcAft>
+              </a:pPr>
+              <a:t>4</a:t>
+            </a:fld>
+            <a:endParaRPr lang="en-US"/>
+          </a:p>
+        </p:txBody>
+      </p:sp>
+      <p:sp>
+        <p:nvSpPr>
+          <p:cNvPr id="8" name="Title 1">
+            <a:extLst>
+              <a:ext uri="{FF2B5EF4-FFF2-40B4-BE49-F238E27FC236}">
+                <a16:creationId xmlns:a16="http://schemas.microsoft.com/office/drawing/2014/main" id="{E34AB901-1140-B5D8-E260-90B04EE46F8D}"/>
+              </a:ext>
+            </a:extLst>
+          </p:cNvPr>
+          <p:cNvSpPr txBox="1">
+            <a:spLocks/>
+          </p:cNvSpPr>
+          <p:nvPr/>
+        </p:nvSpPr>
+        <p:spPr>
+          <a:xfrm>
+            <a:off x="946280" y="165100"/>
+            <a:ext cx="7946597" cy="1257300"/>
+          </a:xfrm>
+          <a:prstGeom prst="rect">
+            <a:avLst/>
+          </a:prstGeom>
+        </p:spPr>
+        <p:txBody>
+          <a:bodyPr vert="horz" lIns="91440" tIns="45720" rIns="91440" bIns="45720" rtlCol="0" anchor="ctr">
+            <a:normAutofit/>
+          </a:bodyPr>
+          <a:lstStyle>
+            <a:lvl1pPr algn="l" defTabSz="914400" rtl="0" eaLnBrk="1" latinLnBrk="0" hangingPunct="1">
+              <a:lnSpc>
+                <a:spcPct val="100000"/>
+              </a:lnSpc>
+              <a:spcBef>
+                <a:spcPct val="0"/>
+              </a:spcBef>
+              <a:buNone/>
+              <a:defRPr sz="3600" b="1" kern="1200">
+                <a:solidFill>
+                  <a:schemeClr val="tx1"/>
+                </a:solidFill>
+                <a:latin typeface="+mj-lt"/>
+                <a:ea typeface="+mj-ea"/>
+                <a:cs typeface="+mj-cs"/>
+              </a:defRPr>
+            </a:lvl1pPr>
+          </a:lstStyle>
+          <a:p>
+            <a:r>
+              <a:rPr lang="en-US" dirty="0"/>
+              <a:t>The Objective</a:t>
+            </a:r>
+          </a:p>
+        </p:txBody>
+      </p:sp>
+      <p:sp>
+        <p:nvSpPr>
+          <p:cNvPr id="9" name="Content Placeholder 2">
+            <a:extLst>
+              <a:ext uri="{FF2B5EF4-FFF2-40B4-BE49-F238E27FC236}">
+                <a16:creationId xmlns:a16="http://schemas.microsoft.com/office/drawing/2014/main" id="{5678FE4E-F84C-0F0E-8211-A0776B6A70F5}"/>
+              </a:ext>
+            </a:extLst>
+          </p:cNvPr>
+          <p:cNvSpPr txBox="1">
+            <a:spLocks/>
+          </p:cNvSpPr>
+          <p:nvPr/>
+        </p:nvSpPr>
+        <p:spPr>
+          <a:xfrm>
+            <a:off x="715470" y="1731679"/>
+            <a:ext cx="5380530" cy="3394641"/>
+          </a:xfrm>
+          <a:prstGeom prst="rect">
+            <a:avLst/>
+          </a:prstGeom>
+        </p:spPr>
+        <p:txBody>
+          <a:bodyPr vert="horz" lIns="91440" tIns="45720" rIns="91440" bIns="45720" rtlCol="0">
+            <a:normAutofit/>
+          </a:bodyPr>
+          <a:lstStyle>
+            <a:lvl1pPr marL="0" indent="0" algn="l" defTabSz="914400" rtl="0" eaLnBrk="1" latinLnBrk="0" hangingPunct="1">
+              <a:lnSpc>
+                <a:spcPct val="120000"/>
+              </a:lnSpc>
+              <a:spcBef>
+                <a:spcPts val="1000"/>
+              </a:spcBef>
+              <a:buFont typeface="Arial" panose="020B0604020202020204" pitchFamily="34" charset="0"/>
+              <a:buNone/>
+              <a:defRPr sz="2000" kern="1200">
+                <a:solidFill>
+                  <a:schemeClr val="tx1"/>
+                </a:solidFill>
+                <a:latin typeface="+mn-lt"/>
+                <a:ea typeface="+mn-ea"/>
+                <a:cs typeface="+mn-cs"/>
+              </a:defRPr>
+            </a:lvl1pPr>
+            <a:lvl2pPr marL="457200" indent="0" algn="ctr" defTabSz="914400" rtl="0" eaLnBrk="1" latinLnBrk="0" hangingPunct="1">
+              <a:lnSpc>
+                <a:spcPct val="120000"/>
+              </a:lnSpc>
+              <a:spcBef>
+                <a:spcPts val="500"/>
+              </a:spcBef>
+              <a:buFont typeface="Neue Haas Grotesk Text Pro" panose="020B0504020202020204" pitchFamily="34" charset="0"/>
+              <a:buNone/>
+              <a:defRPr sz="2000" kern="1200">
+                <a:solidFill>
+                  <a:schemeClr val="tx1"/>
+                </a:solidFill>
+                <a:latin typeface="+mn-lt"/>
+                <a:ea typeface="+mn-ea"/>
+                <a:cs typeface="+mn-cs"/>
+              </a:defRPr>
+            </a:lvl2pPr>
+            <a:lvl3pPr marL="914400" indent="0" algn="ctr" defTabSz="914400" rtl="0" eaLnBrk="1" latinLnBrk="0" hangingPunct="1">
+              <a:lnSpc>
+                <a:spcPct val="120000"/>
+              </a:lnSpc>
+              <a:spcBef>
+                <a:spcPts val="500"/>
+              </a:spcBef>
+              <a:buFont typeface="Arial" panose="020B0604020202020204" pitchFamily="34" charset="0"/>
+              <a:buNone/>
+              <a:defRPr sz="1800" kern="1200">
+                <a:solidFill>
+                  <a:schemeClr val="tx1"/>
+                </a:solidFill>
+                <a:latin typeface="+mn-lt"/>
+                <a:ea typeface="+mn-ea"/>
+                <a:cs typeface="+mn-cs"/>
+              </a:defRPr>
+            </a:lvl3pPr>
+            <a:lvl4pPr marL="1371600" indent="0" algn="ctr" defTabSz="914400" rtl="0" eaLnBrk="1" latinLnBrk="0" hangingPunct="1">
+              <a:lnSpc>
+                <a:spcPct val="120000"/>
+              </a:lnSpc>
+              <a:spcBef>
+                <a:spcPts val="500"/>
+              </a:spcBef>
+              <a:buFont typeface="Neue Haas Grotesk Text Pro" panose="020B0504020202020204" pitchFamily="34" charset="0"/>
+              <a:buNone/>
+              <a:defRPr sz="1600" kern="1200">
+                <a:solidFill>
+                  <a:schemeClr val="tx1"/>
+                </a:solidFill>
+                <a:latin typeface="+mn-lt"/>
+                <a:ea typeface="+mn-ea"/>
+                <a:cs typeface="+mn-cs"/>
+              </a:defRPr>
+            </a:lvl4pPr>
+            <a:lvl5pPr marL="1828800" indent="0" algn="ctr" defTabSz="914400" rtl="0" eaLnBrk="1" latinLnBrk="0" hangingPunct="1">
+              <a:lnSpc>
+                <a:spcPct val="120000"/>
+              </a:lnSpc>
+              <a:spcBef>
+                <a:spcPts val="500"/>
+              </a:spcBef>
+              <a:buFont typeface="Arial" panose="020B0604020202020204" pitchFamily="34" charset="0"/>
+              <a:buNone/>
+              <a:defRPr sz="1600" kern="1200">
+                <a:solidFill>
+                  <a:schemeClr val="tx1"/>
+                </a:solidFill>
+                <a:latin typeface="+mn-lt"/>
+                <a:ea typeface="+mn-ea"/>
+                <a:cs typeface="+mn-cs"/>
+              </a:defRPr>
+            </a:lvl5pPr>
+            <a:lvl6pPr marL="2286000" indent="0" algn="ctr" defTabSz="914400" rtl="0" eaLnBrk="1" latinLnBrk="0" hangingPunct="1">
+              <a:lnSpc>
+                <a:spcPct val="90000"/>
+              </a:lnSpc>
+              <a:spcBef>
+                <a:spcPts val="500"/>
+              </a:spcBef>
+              <a:buFont typeface="Arial" panose="020B0604020202020204" pitchFamily="34" charset="0"/>
+              <a:buNone/>
+              <a:defRPr sz="1600" kern="1200">
+                <a:solidFill>
+                  <a:schemeClr val="tx1"/>
+                </a:solidFill>
+                <a:latin typeface="+mn-lt"/>
+                <a:ea typeface="+mn-ea"/>
+                <a:cs typeface="+mn-cs"/>
+              </a:defRPr>
+            </a:lvl6pPr>
+            <a:lvl7pPr marL="2743200" indent="0" algn="ctr" defTabSz="914400" rtl="0" eaLnBrk="1" latinLnBrk="0" hangingPunct="1">
+              <a:lnSpc>
+                <a:spcPct val="90000"/>
+              </a:lnSpc>
+              <a:spcBef>
+                <a:spcPts val="500"/>
+              </a:spcBef>
+              <a:buFont typeface="Arial" panose="020B0604020202020204" pitchFamily="34" charset="0"/>
+              <a:buNone/>
+              <a:defRPr sz="1600" kern="1200">
+                <a:solidFill>
+                  <a:schemeClr val="tx1"/>
+                </a:solidFill>
+                <a:latin typeface="+mn-lt"/>
+                <a:ea typeface="+mn-ea"/>
+                <a:cs typeface="+mn-cs"/>
+              </a:defRPr>
+            </a:lvl7pPr>
+            <a:lvl8pPr marL="3200400" indent="0" algn="ctr" defTabSz="914400" rtl="0" eaLnBrk="1" latinLnBrk="0" hangingPunct="1">
+              <a:lnSpc>
+                <a:spcPct val="90000"/>
+              </a:lnSpc>
+              <a:spcBef>
+                <a:spcPts val="500"/>
+              </a:spcBef>
+              <a:buFont typeface="Arial" panose="020B0604020202020204" pitchFamily="34" charset="0"/>
+              <a:buNone/>
+              <a:defRPr sz="1600" kern="1200">
+                <a:solidFill>
+                  <a:schemeClr val="tx1"/>
+                </a:solidFill>
+                <a:latin typeface="+mn-lt"/>
+                <a:ea typeface="+mn-ea"/>
+                <a:cs typeface="+mn-cs"/>
+              </a:defRPr>
+            </a:lvl8pPr>
+            <a:lvl9pPr marL="3657600" indent="0" algn="ctr" defTabSz="914400" rtl="0" eaLnBrk="1" latinLnBrk="0" hangingPunct="1">
+              <a:lnSpc>
+                <a:spcPct val="90000"/>
+              </a:lnSpc>
+              <a:spcBef>
+                <a:spcPts val="500"/>
+              </a:spcBef>
+              <a:buFont typeface="Arial" panose="020B0604020202020204" pitchFamily="34" charset="0"/>
+              <a:buNone/>
+              <a:defRPr sz="1600" kern="1200">
+                <a:solidFill>
+                  <a:schemeClr val="tx1"/>
+                </a:solidFill>
+                <a:latin typeface="+mn-lt"/>
+                <a:ea typeface="+mn-ea"/>
+                <a:cs typeface="+mn-cs"/>
+              </a:defRPr>
+            </a:lvl9pPr>
+          </a:lstStyle>
+          <a:p>
+            <a:pPr marL="342900" indent="-342900">
+              <a:spcBef>
+                <a:spcPts val="0"/>
+              </a:spcBef>
+              <a:buFont typeface="Calibri" panose="020F0502020204030204" pitchFamily="34" charset="0"/>
+              <a:buChar char="-"/>
+            </a:pPr>
+            <a:r>
+              <a:rPr lang="en-US" dirty="0"/>
+              <a:t>Better understand what keywords may affect the probability of a certain star count</a:t>
+            </a:r>
+          </a:p>
+          <a:p>
+            <a:pPr marL="342900" indent="-342900">
+              <a:spcBef>
+                <a:spcPts val="0"/>
+              </a:spcBef>
+              <a:buFont typeface="Calibri" panose="020F0502020204030204" pitchFamily="34" charset="0"/>
+              <a:buChar char="-"/>
+            </a:pPr>
+            <a:r>
+              <a:rPr lang="en-US" dirty="0"/>
+              <a:t>Provide an understanding of how Amazon reviews may be biased towards a higher or lower ranking</a:t>
+            </a:r>
+          </a:p>
+          <a:p>
+            <a:pPr marL="342900" indent="-342900">
+              <a:spcBef>
+                <a:spcPts val="0"/>
+              </a:spcBef>
+              <a:buFont typeface="Calibri" panose="020F0502020204030204" pitchFamily="34" charset="0"/>
+              <a:buChar char="-"/>
+            </a:pPr>
+            <a:r>
+              <a:rPr lang="en-US" dirty="0"/>
+              <a:t>Create a model to predict the number of stars a review was given based off the textual review itself. </a:t>
+            </a:r>
+          </a:p>
+          <a:p>
+            <a:endParaRPr lang="en-US" dirty="0"/>
+          </a:p>
+        </p:txBody>
+      </p:sp>
+    </p:spTree>
+    <p:extLst>
+      <p:ext uri="{BB962C8B-B14F-4D97-AF65-F5344CB8AC3E}">
+        <p14:creationId xmlns:p14="http://schemas.microsoft.com/office/powerpoint/2010/main" val="2620458945"/>
+      </p:ext>
+    </p:extLst>
+  </p:cSld>
+  <p:clrMapOvr>
+    <a:masterClrMapping/>
+  </p:clrMapOvr>
+</p:sld>
+</file>
+
+<file path=ppt/slides/slide5.xml><?xml version="1.0" encoding="utf-8"?>
+<p:sld xmlns:a="http://schemas.openxmlformats.org/drawingml/2006/main" xmlns:r="http://schemas.openxmlformats.org/officeDocument/2006/relationships" xmlns:p="http://schemas.openxmlformats.org/presentationml/2006/main">
+  <p:cSld>
+    <p:spTree>
+      <p:nvGrpSpPr>
+        <p:cNvPr id="1" name=""/>
+        <p:cNvGrpSpPr/>
+        <p:nvPr/>
+      </p:nvGrpSpPr>
+      <p:grpSpPr>
+        <a:xfrm>
+          <a:off x="0" y="0"/>
+          <a:ext cx="0" cy="0"/>
+          <a:chOff x="0" y="0"/>
+          <a:chExt cx="0" cy="0"/>
+        </a:xfrm>
+      </p:grpSpPr>
+      <p:sp>
+        <p:nvSpPr>
+          <p:cNvPr id="2" name="Title 1">
+            <a:extLst>
+              <a:ext uri="{FF2B5EF4-FFF2-40B4-BE49-F238E27FC236}">
+                <a16:creationId xmlns:a16="http://schemas.microsoft.com/office/drawing/2014/main" id="{F70A28C5-16F4-E8AB-1267-E6B88DDE6C81}"/>
+              </a:ext>
+            </a:extLst>
+          </p:cNvPr>
+          <p:cNvSpPr txBox="1">
+            <a:spLocks/>
+          </p:cNvSpPr>
+          <p:nvPr/>
+        </p:nvSpPr>
+        <p:spPr>
+          <a:xfrm>
+            <a:off x="1098680" y="228600"/>
+            <a:ext cx="7946597" cy="1257300"/>
+          </a:xfrm>
+          <a:prstGeom prst="rect">
+            <a:avLst/>
+          </a:prstGeom>
+        </p:spPr>
+        <p:txBody>
+          <a:bodyPr vert="horz" lIns="91440" tIns="45720" rIns="91440" bIns="45720" rtlCol="0" anchor="ctr">
+            <a:normAutofit/>
+          </a:bodyPr>
+          <a:lstStyle>
+            <a:lvl1pPr algn="l" defTabSz="914400" rtl="0" eaLnBrk="1" latinLnBrk="0" hangingPunct="1">
+              <a:lnSpc>
+                <a:spcPct val="100000"/>
+              </a:lnSpc>
+              <a:spcBef>
+                <a:spcPct val="0"/>
+              </a:spcBef>
+              <a:buNone/>
+              <a:defRPr sz="3600" b="1" kern="1200">
+                <a:solidFill>
+                  <a:schemeClr val="tx1"/>
+                </a:solidFill>
+                <a:latin typeface="+mj-lt"/>
+                <a:ea typeface="+mj-ea"/>
+                <a:cs typeface="+mj-cs"/>
+              </a:defRPr>
+            </a:lvl1pPr>
+          </a:lstStyle>
+          <a:p>
+            <a:r>
+              <a:rPr lang="en-US"/>
+              <a:t>The Data	</a:t>
+            </a:r>
+            <a:endParaRPr lang="en-US" dirty="0"/>
+          </a:p>
+        </p:txBody>
+      </p:sp>
+      <p:sp>
+        <p:nvSpPr>
+          <p:cNvPr id="3" name="Content Placeholder 2">
+            <a:extLst>
+              <a:ext uri="{FF2B5EF4-FFF2-40B4-BE49-F238E27FC236}">
+                <a16:creationId xmlns:a16="http://schemas.microsoft.com/office/drawing/2014/main" id="{C75CCD2C-0779-99AB-6E49-320A9BC9796B}"/>
+              </a:ext>
+            </a:extLst>
+          </p:cNvPr>
+          <p:cNvSpPr txBox="1">
+            <a:spLocks/>
+          </p:cNvSpPr>
+          <p:nvPr/>
+        </p:nvSpPr>
+        <p:spPr>
+          <a:xfrm>
+            <a:off x="362080" y="1731679"/>
+            <a:ext cx="5380530" cy="3394641"/>
+          </a:xfrm>
+          <a:prstGeom prst="rect">
+            <a:avLst/>
+          </a:prstGeom>
+        </p:spPr>
+        <p:txBody>
+          <a:bodyPr vert="horz" lIns="91440" tIns="45720" rIns="91440" bIns="45720" rtlCol="0">
+            <a:normAutofit/>
+          </a:bodyPr>
+          <a:lstStyle>
+            <a:lvl1pPr marL="0" indent="0" algn="l" defTabSz="914400" rtl="0" eaLnBrk="1" latinLnBrk="0" hangingPunct="1">
+              <a:lnSpc>
+                <a:spcPct val="120000"/>
+              </a:lnSpc>
+              <a:spcBef>
+                <a:spcPts val="1000"/>
+              </a:spcBef>
+              <a:buFont typeface="Arial" panose="020B0604020202020204" pitchFamily="34" charset="0"/>
+              <a:buNone/>
+              <a:defRPr sz="2000" kern="1200">
+                <a:solidFill>
+                  <a:schemeClr val="tx1"/>
+                </a:solidFill>
+                <a:latin typeface="+mn-lt"/>
+                <a:ea typeface="+mn-ea"/>
+                <a:cs typeface="+mn-cs"/>
+              </a:defRPr>
+            </a:lvl1pPr>
+            <a:lvl2pPr marL="457200" indent="0" algn="ctr" defTabSz="914400" rtl="0" eaLnBrk="1" latinLnBrk="0" hangingPunct="1">
+              <a:lnSpc>
+                <a:spcPct val="120000"/>
+              </a:lnSpc>
+              <a:spcBef>
+                <a:spcPts val="500"/>
+              </a:spcBef>
+              <a:buFont typeface="Neue Haas Grotesk Text Pro" panose="020B0504020202020204" pitchFamily="34" charset="0"/>
+              <a:buNone/>
+              <a:defRPr sz="2000" kern="1200">
+                <a:solidFill>
+                  <a:schemeClr val="tx1"/>
+                </a:solidFill>
+                <a:latin typeface="+mn-lt"/>
+                <a:ea typeface="+mn-ea"/>
+                <a:cs typeface="+mn-cs"/>
+              </a:defRPr>
+            </a:lvl2pPr>
+            <a:lvl3pPr marL="914400" indent="0" algn="ctr" defTabSz="914400" rtl="0" eaLnBrk="1" latinLnBrk="0" hangingPunct="1">
+              <a:lnSpc>
+                <a:spcPct val="120000"/>
+              </a:lnSpc>
+              <a:spcBef>
+                <a:spcPts val="500"/>
+              </a:spcBef>
+              <a:buFont typeface="Arial" panose="020B0604020202020204" pitchFamily="34" charset="0"/>
+              <a:buNone/>
+              <a:defRPr sz="1800" kern="1200">
+                <a:solidFill>
+                  <a:schemeClr val="tx1"/>
+                </a:solidFill>
+                <a:latin typeface="+mn-lt"/>
+                <a:ea typeface="+mn-ea"/>
+                <a:cs typeface="+mn-cs"/>
+              </a:defRPr>
+            </a:lvl3pPr>
+            <a:lvl4pPr marL="1371600" indent="0" algn="ctr" defTabSz="914400" rtl="0" eaLnBrk="1" latinLnBrk="0" hangingPunct="1">
+              <a:lnSpc>
+                <a:spcPct val="120000"/>
+              </a:lnSpc>
+              <a:spcBef>
+                <a:spcPts val="500"/>
+              </a:spcBef>
+              <a:buFont typeface="Neue Haas Grotesk Text Pro" panose="020B0504020202020204" pitchFamily="34" charset="0"/>
+              <a:buNone/>
+              <a:defRPr sz="1600" kern="1200">
+                <a:solidFill>
+                  <a:schemeClr val="tx1"/>
+                </a:solidFill>
+                <a:latin typeface="+mn-lt"/>
+                <a:ea typeface="+mn-ea"/>
+                <a:cs typeface="+mn-cs"/>
+              </a:defRPr>
+            </a:lvl4pPr>
+            <a:lvl5pPr marL="1828800" indent="0" algn="ctr" defTabSz="914400" rtl="0" eaLnBrk="1" latinLnBrk="0" hangingPunct="1">
+              <a:lnSpc>
+                <a:spcPct val="120000"/>
+              </a:lnSpc>
+              <a:spcBef>
+                <a:spcPts val="500"/>
+              </a:spcBef>
+              <a:buFont typeface="Arial" panose="020B0604020202020204" pitchFamily="34" charset="0"/>
+              <a:buNone/>
+              <a:defRPr sz="1600" kern="1200">
+                <a:solidFill>
+                  <a:schemeClr val="tx1"/>
+                </a:solidFill>
+                <a:latin typeface="+mn-lt"/>
+                <a:ea typeface="+mn-ea"/>
+                <a:cs typeface="+mn-cs"/>
+              </a:defRPr>
+            </a:lvl5pPr>
+            <a:lvl6pPr marL="2286000" indent="0" algn="ctr" defTabSz="914400" rtl="0" eaLnBrk="1" latinLnBrk="0" hangingPunct="1">
+              <a:lnSpc>
+                <a:spcPct val="90000"/>
+              </a:lnSpc>
+              <a:spcBef>
+                <a:spcPts val="500"/>
+              </a:spcBef>
+              <a:buFont typeface="Arial" panose="020B0604020202020204" pitchFamily="34" charset="0"/>
+              <a:buNone/>
+              <a:defRPr sz="1600" kern="1200">
+                <a:solidFill>
+                  <a:schemeClr val="tx1"/>
+                </a:solidFill>
+                <a:latin typeface="+mn-lt"/>
+                <a:ea typeface="+mn-ea"/>
+                <a:cs typeface="+mn-cs"/>
+              </a:defRPr>
+            </a:lvl6pPr>
+            <a:lvl7pPr marL="2743200" indent="0" algn="ctr" defTabSz="914400" rtl="0" eaLnBrk="1" latinLnBrk="0" hangingPunct="1">
+              <a:lnSpc>
+                <a:spcPct val="90000"/>
+              </a:lnSpc>
+              <a:spcBef>
+                <a:spcPts val="500"/>
+              </a:spcBef>
+              <a:buFont typeface="Arial" panose="020B0604020202020204" pitchFamily="34" charset="0"/>
+              <a:buNone/>
+              <a:defRPr sz="1600" kern="1200">
+                <a:solidFill>
+                  <a:schemeClr val="tx1"/>
+                </a:solidFill>
+                <a:latin typeface="+mn-lt"/>
+                <a:ea typeface="+mn-ea"/>
+                <a:cs typeface="+mn-cs"/>
+              </a:defRPr>
+            </a:lvl7pPr>
+            <a:lvl8pPr marL="3200400" indent="0" algn="ctr" defTabSz="914400" rtl="0" eaLnBrk="1" latinLnBrk="0" hangingPunct="1">
+              <a:lnSpc>
+                <a:spcPct val="90000"/>
+              </a:lnSpc>
+              <a:spcBef>
+                <a:spcPts val="500"/>
+              </a:spcBef>
+              <a:buFont typeface="Arial" panose="020B0604020202020204" pitchFamily="34" charset="0"/>
+              <a:buNone/>
+              <a:defRPr sz="1600" kern="1200">
+                <a:solidFill>
+                  <a:schemeClr val="tx1"/>
+                </a:solidFill>
+                <a:latin typeface="+mn-lt"/>
+                <a:ea typeface="+mn-ea"/>
+                <a:cs typeface="+mn-cs"/>
+              </a:defRPr>
+            </a:lvl8pPr>
+            <a:lvl9pPr marL="3657600" indent="0" algn="ctr" defTabSz="914400" rtl="0" eaLnBrk="1" latinLnBrk="0" hangingPunct="1">
+              <a:lnSpc>
+                <a:spcPct val="90000"/>
+              </a:lnSpc>
+              <a:spcBef>
+                <a:spcPts val="500"/>
+              </a:spcBef>
+              <a:buFont typeface="Arial" panose="020B0604020202020204" pitchFamily="34" charset="0"/>
+              <a:buNone/>
+              <a:defRPr sz="1600" kern="1200">
+                <a:solidFill>
+                  <a:schemeClr val="tx1"/>
+                </a:solidFill>
+                <a:latin typeface="+mn-lt"/>
+                <a:ea typeface="+mn-ea"/>
+                <a:cs typeface="+mn-cs"/>
+              </a:defRPr>
+            </a:lvl9pPr>
+          </a:lstStyle>
+          <a:p>
+            <a:r>
+              <a:rPr lang="en-US" sz="1600" dirty="0"/>
+              <a:t>Almost 4 million reviews from across the entirety of </a:t>
+            </a:r>
+            <a:r>
+              <a:rPr lang="en-US" sz="1600" dirty="0" err="1"/>
+              <a:t>Amazon.com</a:t>
+            </a:r>
+            <a:r>
+              <a:rPr lang="en-US" sz="1600" dirty="0"/>
+              <a:t> to train on</a:t>
+            </a:r>
+          </a:p>
+          <a:p>
+            <a:r>
+              <a:rPr lang="en-US" sz="1600" dirty="0"/>
+              <a:t>40,000 reviews reserved for testing</a:t>
+            </a:r>
+          </a:p>
+          <a:p>
+            <a:r>
+              <a:rPr lang="en-US" sz="1600" dirty="0"/>
+              <a:t>1GB in data overall</a:t>
+            </a:r>
+          </a:p>
+        </p:txBody>
+      </p:sp>
+      <p:sp>
+        <p:nvSpPr>
+          <p:cNvPr id="4" name="Slide Number Placeholder 12">
+            <a:extLst>
+              <a:ext uri="{FF2B5EF4-FFF2-40B4-BE49-F238E27FC236}">
+                <a16:creationId xmlns:a16="http://schemas.microsoft.com/office/drawing/2014/main" id="{70E18E76-6868-F691-2402-FAF2E06F875E}"/>
+              </a:ext>
+            </a:extLst>
+          </p:cNvPr>
+          <p:cNvSpPr>
+            <a:spLocks noGrp="1"/>
+          </p:cNvSpPr>
+          <p:nvPr>
+            <p:ph type="sldNum" sz="quarter" idx="12"/>
+          </p:nvPr>
+        </p:nvSpPr>
+        <p:spPr>
+          <a:xfrm>
+            <a:off x="11353800" y="6318446"/>
+            <a:ext cx="615696" cy="365125"/>
+          </a:xfrm>
+        </p:spPr>
+        <p:txBody>
+          <a:bodyPr/>
+          <a:lstStyle/>
+          <a:p>
+            <a:pPr>
+              <a:spcAft>
+                <a:spcPts val="600"/>
+              </a:spcAft>
+            </a:pPr>
+            <a:fld id="{5E84AC6A-A0EF-437B-BCEE-4772B0214A58}" type="slidenum">
+              <a:rPr lang="en-US" smtClean="0"/>
+              <a:pPr>
+                <a:spcAft>
+                  <a:spcPts val="600"/>
+                </a:spcAft>
+              </a:pPr>
+              <a:t>5</a:t>
+            </a:fld>
+            <a:endParaRPr lang="en-US"/>
+          </a:p>
+        </p:txBody>
+      </p:sp>
+      <p:sp>
+        <p:nvSpPr>
+          <p:cNvPr id="5" name="Content Placeholder 2">
+            <a:extLst>
+              <a:ext uri="{FF2B5EF4-FFF2-40B4-BE49-F238E27FC236}">
+                <a16:creationId xmlns:a16="http://schemas.microsoft.com/office/drawing/2014/main" id="{FB86AC82-E0B1-C0F9-8176-D4BC9B2BBF9C}"/>
+              </a:ext>
+            </a:extLst>
+          </p:cNvPr>
+          <p:cNvSpPr txBox="1">
+            <a:spLocks/>
+          </p:cNvSpPr>
+          <p:nvPr/>
+        </p:nvSpPr>
+        <p:spPr>
+          <a:xfrm>
+            <a:off x="355655" y="3277336"/>
+            <a:ext cx="5380530" cy="3394641"/>
+          </a:xfrm>
+          <a:prstGeom prst="rect">
+            <a:avLst/>
+          </a:prstGeom>
+        </p:spPr>
+        <p:txBody>
+          <a:bodyPr vert="horz" lIns="91440" tIns="45720" rIns="91440" bIns="45720" rtlCol="0">
+            <a:normAutofit/>
+          </a:bodyPr>
+          <a:lstStyle>
+            <a:lvl1pPr marL="228600" indent="-228600" algn="l" defTabSz="914400" rtl="0" eaLnBrk="1" latinLnBrk="0" hangingPunct="1">
+              <a:lnSpc>
+                <a:spcPct val="120000"/>
+              </a:lnSpc>
+              <a:spcBef>
+                <a:spcPts val="1000"/>
+              </a:spcBef>
+              <a:buFont typeface="Arial" panose="020B0604020202020204" pitchFamily="34" charset="0"/>
+              <a:buChar char="•"/>
+              <a:defRPr sz="1800" kern="1200">
+                <a:solidFill>
+                  <a:schemeClr val="tx1"/>
+                </a:solidFill>
+                <a:latin typeface="+mn-lt"/>
+                <a:ea typeface="+mn-ea"/>
+                <a:cs typeface="+mn-cs"/>
+              </a:defRPr>
+            </a:lvl1pPr>
+            <a:lvl2pPr marL="548640" indent="-228600" algn="l" defTabSz="914400" rtl="0" eaLnBrk="1" latinLnBrk="0" hangingPunct="1">
+              <a:lnSpc>
+                <a:spcPct val="120000"/>
+              </a:lnSpc>
+              <a:spcBef>
+                <a:spcPts val="500"/>
+              </a:spcBef>
+              <a:buFont typeface="Neue Haas Grotesk Text Pro" panose="020B0504020202020204" pitchFamily="34" charset="0"/>
+              <a:buChar char="–"/>
+              <a:defRPr sz="1600" kern="1200">
+                <a:solidFill>
+                  <a:schemeClr val="tx1"/>
+                </a:solidFill>
+                <a:latin typeface="+mn-lt"/>
+                <a:ea typeface="+mn-ea"/>
+                <a:cs typeface="+mn-cs"/>
+              </a:defRPr>
+            </a:lvl2pPr>
+            <a:lvl3pPr marL="777240" indent="-228600" algn="l" defTabSz="914400" rtl="0" eaLnBrk="1" latinLnBrk="0" hangingPunct="1">
+              <a:lnSpc>
+                <a:spcPct val="120000"/>
+              </a:lnSpc>
+              <a:spcBef>
+                <a:spcPts val="500"/>
+              </a:spcBef>
+              <a:buFont typeface="Arial" panose="020B0604020202020204" pitchFamily="34" charset="0"/>
+              <a:buChar char="•"/>
+              <a:defRPr sz="1400" kern="1200">
+                <a:solidFill>
+                  <a:schemeClr val="tx1"/>
+                </a:solidFill>
+                <a:latin typeface="+mn-lt"/>
+                <a:ea typeface="+mn-ea"/>
+                <a:cs typeface="+mn-cs"/>
+              </a:defRPr>
+            </a:lvl3pPr>
+            <a:lvl4pPr marL="914400" indent="-228600" algn="l" defTabSz="914400" rtl="0" eaLnBrk="1" latinLnBrk="0" hangingPunct="1">
+              <a:lnSpc>
+                <a:spcPct val="120000"/>
+              </a:lnSpc>
+              <a:spcBef>
+                <a:spcPts val="500"/>
+              </a:spcBef>
+              <a:buFont typeface="Neue Haas Grotesk Text Pro" panose="020B0504020202020204" pitchFamily="34" charset="0"/>
+              <a:buChar char="–"/>
+              <a:defRPr sz="1200" kern="1200">
+                <a:solidFill>
+                  <a:schemeClr val="tx1"/>
+                </a:solidFill>
+                <a:latin typeface="+mn-lt"/>
+                <a:ea typeface="+mn-ea"/>
+                <a:cs typeface="+mn-cs"/>
+              </a:defRPr>
+            </a:lvl4pPr>
+            <a:lvl5pPr marL="1097280" indent="-228600" algn="l" defTabSz="914400" rtl="0" eaLnBrk="1" latinLnBrk="0" hangingPunct="1">
+              <a:lnSpc>
+                <a:spcPct val="120000"/>
+              </a:lnSpc>
+              <a:spcBef>
+                <a:spcPts val="500"/>
+              </a:spcBef>
+              <a:buFont typeface="Arial" panose="020B0604020202020204" pitchFamily="34" charset="0"/>
+              <a:buChar char="•"/>
+              <a:defRPr sz="1200" kern="1200">
+                <a:solidFill>
+                  <a:schemeClr val="tx1"/>
+                </a:solidFill>
+                <a:latin typeface="+mn-lt"/>
+                <a:ea typeface="+mn-ea"/>
+                <a:cs typeface="+mn-cs"/>
+              </a:defRPr>
+            </a:lvl5pPr>
+            <a:lvl6pPr marL="2514600" indent="-228600" algn="l" defTabSz="914400" rtl="0" eaLnBrk="1" latinLnBrk="0" hangingPunct="1">
+              <a:lnSpc>
+                <a:spcPct val="90000"/>
+              </a:lnSpc>
+              <a:spcBef>
+                <a:spcPts val="500"/>
+              </a:spcBef>
+              <a:buFont typeface="Arial" panose="020B0604020202020204" pitchFamily="34" charset="0"/>
+              <a:buChar char="•"/>
+              <a:defRPr sz="1800" kern="1200">
+                <a:solidFill>
+                  <a:schemeClr val="tx1"/>
+                </a:solidFill>
+                <a:latin typeface="+mn-lt"/>
+                <a:ea typeface="+mn-ea"/>
+                <a:cs typeface="+mn-cs"/>
+              </a:defRPr>
+            </a:lvl6pPr>
+            <a:lvl7pPr marL="2971800" indent="-228600" algn="l" defTabSz="914400" rtl="0" eaLnBrk="1" latinLnBrk="0" hangingPunct="1">
+              <a:lnSpc>
+                <a:spcPct val="90000"/>
+              </a:lnSpc>
+              <a:spcBef>
+                <a:spcPts val="500"/>
+              </a:spcBef>
+              <a:buFont typeface="Arial" panose="020B0604020202020204" pitchFamily="34" charset="0"/>
+              <a:buChar char="•"/>
+              <a:defRPr sz="1800" kern="1200">
+                <a:solidFill>
+                  <a:schemeClr val="tx1"/>
+                </a:solidFill>
+                <a:latin typeface="+mn-lt"/>
+                <a:ea typeface="+mn-ea"/>
+                <a:cs typeface="+mn-cs"/>
+              </a:defRPr>
+            </a:lvl7pPr>
+            <a:lvl8pPr marL="3429000" indent="-228600" algn="l" defTabSz="914400" rtl="0" eaLnBrk="1" latinLnBrk="0" hangingPunct="1">
+              <a:lnSpc>
+                <a:spcPct val="90000"/>
+              </a:lnSpc>
+              <a:spcBef>
+                <a:spcPts val="500"/>
+              </a:spcBef>
+              <a:buFont typeface="Arial" panose="020B0604020202020204" pitchFamily="34" charset="0"/>
+              <a:buChar char="•"/>
+              <a:defRPr sz="1800" kern="1200">
+                <a:solidFill>
+                  <a:schemeClr val="tx1"/>
+                </a:solidFill>
+                <a:latin typeface="+mn-lt"/>
+                <a:ea typeface="+mn-ea"/>
+                <a:cs typeface="+mn-cs"/>
+              </a:defRPr>
+            </a:lvl8pPr>
+            <a:lvl9pPr marL="3886200" indent="-228600" algn="l" defTabSz="914400" rtl="0" eaLnBrk="1" latinLnBrk="0" hangingPunct="1">
+              <a:lnSpc>
+                <a:spcPct val="90000"/>
+              </a:lnSpc>
+              <a:spcBef>
+                <a:spcPts val="500"/>
+              </a:spcBef>
+              <a:buFont typeface="Arial" panose="020B0604020202020204" pitchFamily="34" charset="0"/>
+              <a:buChar char="•"/>
+              <a:defRPr sz="1800" kern="1200">
+                <a:solidFill>
+                  <a:schemeClr val="tx1"/>
+                </a:solidFill>
+                <a:latin typeface="+mn-lt"/>
+                <a:ea typeface="+mn-ea"/>
+                <a:cs typeface="+mn-cs"/>
+              </a:defRPr>
+            </a:lvl9pPr>
+          </a:lstStyle>
+          <a:p>
+            <a:pPr marL="0" indent="0">
+              <a:buNone/>
+            </a:pPr>
+            <a:r>
+              <a:rPr lang="en-US" sz="1600" dirty="0"/>
+              <a:t>Reviews divided into two labels: </a:t>
+            </a:r>
+          </a:p>
+          <a:p>
+            <a:pPr lvl="1"/>
+            <a:r>
+              <a:rPr lang="en-US" dirty="0"/>
+              <a:t>“__label__1” encompasses reviews &lt; 3 stars</a:t>
+            </a:r>
+          </a:p>
+          <a:p>
+            <a:pPr lvl="1"/>
+            <a:r>
+              <a:rPr lang="en-US" dirty="0"/>
+              <a:t>“__label__2” contains reviews &gt; 3 stars</a:t>
+            </a:r>
+          </a:p>
+        </p:txBody>
+      </p:sp>
+      <p:sp>
+        <p:nvSpPr>
+          <p:cNvPr id="6" name="Content Placeholder 2">
+            <a:extLst>
+              <a:ext uri="{FF2B5EF4-FFF2-40B4-BE49-F238E27FC236}">
+                <a16:creationId xmlns:a16="http://schemas.microsoft.com/office/drawing/2014/main" id="{FCD08396-45A0-095F-C350-1E01C5A0C64F}"/>
+              </a:ext>
+            </a:extLst>
+          </p:cNvPr>
+          <p:cNvSpPr txBox="1">
+            <a:spLocks/>
+          </p:cNvSpPr>
+          <p:nvPr/>
+        </p:nvSpPr>
+        <p:spPr>
+          <a:xfrm>
+            <a:off x="349230" y="4424079"/>
+            <a:ext cx="5137020" cy="3394641"/>
+          </a:xfrm>
+          <a:prstGeom prst="rect">
+            <a:avLst/>
+          </a:prstGeom>
+        </p:spPr>
+        <p:txBody>
+          <a:bodyPr vert="horz" lIns="91440" tIns="45720" rIns="91440" bIns="45720" rtlCol="0">
+            <a:normAutofit/>
+          </a:bodyPr>
+          <a:lstStyle>
+            <a:lvl1pPr marL="228600" indent="-228600" algn="l" defTabSz="914400" rtl="0" eaLnBrk="1" latinLnBrk="0" hangingPunct="1">
+              <a:lnSpc>
+                <a:spcPct val="120000"/>
+              </a:lnSpc>
+              <a:spcBef>
+                <a:spcPts val="1000"/>
+              </a:spcBef>
+              <a:buFont typeface="Arial" panose="020B0604020202020204" pitchFamily="34" charset="0"/>
+              <a:buChar char="•"/>
+              <a:defRPr sz="1800" kern="1200">
+                <a:solidFill>
+                  <a:schemeClr val="tx1"/>
+                </a:solidFill>
+                <a:latin typeface="+mn-lt"/>
+                <a:ea typeface="+mn-ea"/>
+                <a:cs typeface="+mn-cs"/>
+              </a:defRPr>
+            </a:lvl1pPr>
+            <a:lvl2pPr marL="548640" indent="-228600" algn="l" defTabSz="914400" rtl="0" eaLnBrk="1" latinLnBrk="0" hangingPunct="1">
+              <a:lnSpc>
+                <a:spcPct val="120000"/>
+              </a:lnSpc>
+              <a:spcBef>
+                <a:spcPts val="500"/>
+              </a:spcBef>
+              <a:buFont typeface="Neue Haas Grotesk Text Pro" panose="020B0504020202020204" pitchFamily="34" charset="0"/>
+              <a:buChar char="–"/>
+              <a:defRPr sz="1600" kern="1200">
+                <a:solidFill>
+                  <a:schemeClr val="tx1"/>
+                </a:solidFill>
+                <a:latin typeface="+mn-lt"/>
+                <a:ea typeface="+mn-ea"/>
+                <a:cs typeface="+mn-cs"/>
+              </a:defRPr>
+            </a:lvl2pPr>
+            <a:lvl3pPr marL="777240" indent="-228600" algn="l" defTabSz="914400" rtl="0" eaLnBrk="1" latinLnBrk="0" hangingPunct="1">
+              <a:lnSpc>
+                <a:spcPct val="120000"/>
+              </a:lnSpc>
+              <a:spcBef>
+                <a:spcPts val="500"/>
+              </a:spcBef>
+              <a:buFont typeface="Arial" panose="020B0604020202020204" pitchFamily="34" charset="0"/>
+              <a:buChar char="•"/>
+              <a:defRPr sz="1400" kern="1200">
+                <a:solidFill>
+                  <a:schemeClr val="tx1"/>
+                </a:solidFill>
+                <a:latin typeface="+mn-lt"/>
+                <a:ea typeface="+mn-ea"/>
+                <a:cs typeface="+mn-cs"/>
+              </a:defRPr>
+            </a:lvl3pPr>
+            <a:lvl4pPr marL="914400" indent="-228600" algn="l" defTabSz="914400" rtl="0" eaLnBrk="1" latinLnBrk="0" hangingPunct="1">
+              <a:lnSpc>
+                <a:spcPct val="120000"/>
+              </a:lnSpc>
+              <a:spcBef>
+                <a:spcPts val="500"/>
+              </a:spcBef>
+              <a:buFont typeface="Neue Haas Grotesk Text Pro" panose="020B0504020202020204" pitchFamily="34" charset="0"/>
+              <a:buChar char="–"/>
+              <a:defRPr sz="1200" kern="1200">
+                <a:solidFill>
+                  <a:schemeClr val="tx1"/>
+                </a:solidFill>
+                <a:latin typeface="+mn-lt"/>
+                <a:ea typeface="+mn-ea"/>
+                <a:cs typeface="+mn-cs"/>
+              </a:defRPr>
+            </a:lvl4pPr>
+            <a:lvl5pPr marL="1097280" indent="-228600" algn="l" defTabSz="914400" rtl="0" eaLnBrk="1" latinLnBrk="0" hangingPunct="1">
+              <a:lnSpc>
+                <a:spcPct val="120000"/>
+              </a:lnSpc>
+              <a:spcBef>
+                <a:spcPts val="500"/>
+              </a:spcBef>
+              <a:buFont typeface="Arial" panose="020B0604020202020204" pitchFamily="34" charset="0"/>
+              <a:buChar char="•"/>
+              <a:defRPr sz="1200" kern="1200">
+                <a:solidFill>
+                  <a:schemeClr val="tx1"/>
+                </a:solidFill>
+                <a:latin typeface="+mn-lt"/>
+                <a:ea typeface="+mn-ea"/>
+                <a:cs typeface="+mn-cs"/>
+              </a:defRPr>
+            </a:lvl5pPr>
+            <a:lvl6pPr marL="2514600" indent="-228600" algn="l" defTabSz="914400" rtl="0" eaLnBrk="1" latinLnBrk="0" hangingPunct="1">
+              <a:lnSpc>
+                <a:spcPct val="90000"/>
+              </a:lnSpc>
+              <a:spcBef>
+                <a:spcPts val="500"/>
+              </a:spcBef>
+              <a:buFont typeface="Arial" panose="020B0604020202020204" pitchFamily="34" charset="0"/>
+              <a:buChar char="•"/>
+              <a:defRPr sz="1800" kern="1200">
+                <a:solidFill>
+                  <a:schemeClr val="tx1"/>
+                </a:solidFill>
+                <a:latin typeface="+mn-lt"/>
+                <a:ea typeface="+mn-ea"/>
+                <a:cs typeface="+mn-cs"/>
+              </a:defRPr>
+            </a:lvl6pPr>
+            <a:lvl7pPr marL="2971800" indent="-228600" algn="l" defTabSz="914400" rtl="0" eaLnBrk="1" latinLnBrk="0" hangingPunct="1">
+              <a:lnSpc>
+                <a:spcPct val="90000"/>
+              </a:lnSpc>
+              <a:spcBef>
+                <a:spcPts val="500"/>
+              </a:spcBef>
+              <a:buFont typeface="Arial" panose="020B0604020202020204" pitchFamily="34" charset="0"/>
+              <a:buChar char="•"/>
+              <a:defRPr sz="1800" kern="1200">
+                <a:solidFill>
+                  <a:schemeClr val="tx1"/>
+                </a:solidFill>
+                <a:latin typeface="+mn-lt"/>
+                <a:ea typeface="+mn-ea"/>
+                <a:cs typeface="+mn-cs"/>
+              </a:defRPr>
+            </a:lvl7pPr>
+            <a:lvl8pPr marL="3429000" indent="-228600" algn="l" defTabSz="914400" rtl="0" eaLnBrk="1" latinLnBrk="0" hangingPunct="1">
+              <a:lnSpc>
+                <a:spcPct val="90000"/>
+              </a:lnSpc>
+              <a:spcBef>
+                <a:spcPts val="500"/>
+              </a:spcBef>
+              <a:buFont typeface="Arial" panose="020B0604020202020204" pitchFamily="34" charset="0"/>
+              <a:buChar char="•"/>
+              <a:defRPr sz="1800" kern="1200">
+                <a:solidFill>
+                  <a:schemeClr val="tx1"/>
+                </a:solidFill>
+                <a:latin typeface="+mn-lt"/>
+                <a:ea typeface="+mn-ea"/>
+                <a:cs typeface="+mn-cs"/>
+              </a:defRPr>
+            </a:lvl8pPr>
+            <a:lvl9pPr marL="3886200" indent="-228600" algn="l" defTabSz="914400" rtl="0" eaLnBrk="1" latinLnBrk="0" hangingPunct="1">
+              <a:lnSpc>
+                <a:spcPct val="90000"/>
+              </a:lnSpc>
+              <a:spcBef>
+                <a:spcPts val="500"/>
+              </a:spcBef>
+              <a:buFont typeface="Arial" panose="020B0604020202020204" pitchFamily="34" charset="0"/>
+              <a:buChar char="•"/>
+              <a:defRPr sz="1800" kern="1200">
+                <a:solidFill>
+                  <a:schemeClr val="tx1"/>
+                </a:solidFill>
+                <a:latin typeface="+mn-lt"/>
+                <a:ea typeface="+mn-ea"/>
+                <a:cs typeface="+mn-cs"/>
+              </a:defRPr>
+            </a:lvl9pPr>
+          </a:lstStyle>
+          <a:p>
+            <a:pPr marL="0" indent="0">
+              <a:buNone/>
+            </a:pPr>
+            <a:r>
+              <a:rPr lang="en-US" sz="1600" dirty="0"/>
+              <a:t>Reviews with exactly 3 stars were omitted due to their  neutrality</a:t>
+            </a:r>
+          </a:p>
+          <a:p>
+            <a:pPr marL="0" indent="0">
+              <a:buNone/>
+            </a:pPr>
+            <a:endParaRPr lang="en-US" sz="1600" dirty="0"/>
+          </a:p>
+        </p:txBody>
+      </p:sp>
+    </p:spTree>
+    <p:extLst>
+      <p:ext uri="{BB962C8B-B14F-4D97-AF65-F5344CB8AC3E}">
+        <p14:creationId xmlns:p14="http://schemas.microsoft.com/office/powerpoint/2010/main" val="2136613959"/>
+      </p:ext>
+    </p:extLst>
+  </p:cSld>
+  <p:clrMapOvr>
+    <a:masterClrMapping/>
+  </p:clrMapOvr>
+</p:sld>
+</file>
+
+<file path=ppt/slides/slide6.xml><?xml version="1.0" encoding="utf-8"?>
+<p:sld xmlns:a="http://schemas.openxmlformats.org/drawingml/2006/main" xmlns:r="http://schemas.openxmlformats.org/officeDocument/2006/relationships" xmlns:p="http://schemas.openxmlformats.org/presentationml/2006/main">
+  <p:cSld>
+    <p:spTree>
+      <p:nvGrpSpPr>
+        <p:cNvPr id="1" name=""/>
+        <p:cNvGrpSpPr/>
+        <p:nvPr/>
+      </p:nvGrpSpPr>
+      <p:grpSpPr>
+        <a:xfrm>
+          <a:off x="0" y="0"/>
+          <a:ext cx="0" cy="0"/>
+          <a:chOff x="0" y="0"/>
+          <a:chExt cx="0" cy="0"/>
+        </a:xfrm>
+      </p:grpSpPr>
+      <p:sp>
+        <p:nvSpPr>
+          <p:cNvPr id="2" name="Title 1">
+            <a:extLst>
+              <a:ext uri="{FF2B5EF4-FFF2-40B4-BE49-F238E27FC236}">
+                <a16:creationId xmlns:a16="http://schemas.microsoft.com/office/drawing/2014/main" id="{144F4CC7-2C2D-3087-13CB-95D207754687}"/>
+              </a:ext>
+            </a:extLst>
+          </p:cNvPr>
+          <p:cNvSpPr>
+            <a:spLocks noGrp="1"/>
+          </p:cNvSpPr>
+          <p:nvPr>
+            <p:ph type="ctrTitle"/>
+          </p:nvPr>
+        </p:nvSpPr>
+        <p:spPr>
+          <a:xfrm>
+            <a:off x="1066800" y="850006"/>
+            <a:ext cx="6196885" cy="850208"/>
+          </a:xfrm>
+        </p:spPr>
+        <p:txBody>
+          <a:bodyPr>
+            <a:normAutofit/>
+          </a:bodyPr>
+          <a:lstStyle/>
+          <a:p>
+            <a:r>
+              <a:rPr lang="en-US" sz="4800" dirty="0"/>
+              <a:t>Processing</a:t>
+            </a:r>
+          </a:p>
+        </p:txBody>
+      </p:sp>
+      <p:sp>
+        <p:nvSpPr>
+          <p:cNvPr id="5" name="Slide Number Placeholder 5">
+            <a:extLst>
+              <a:ext uri="{FF2B5EF4-FFF2-40B4-BE49-F238E27FC236}">
+                <a16:creationId xmlns:a16="http://schemas.microsoft.com/office/drawing/2014/main" id="{0404E2E1-DCEC-7B6D-76BF-E4F96FE159EF}"/>
+              </a:ext>
+            </a:extLst>
+          </p:cNvPr>
+          <p:cNvSpPr>
+            <a:spLocks noGrp="1"/>
+          </p:cNvSpPr>
+          <p:nvPr>
+            <p:ph type="sldNum" sz="quarter" idx="12"/>
+          </p:nvPr>
+        </p:nvSpPr>
+        <p:spPr>
+          <a:xfrm>
+            <a:off x="11353800" y="6318446"/>
+            <a:ext cx="615696" cy="365125"/>
+          </a:xfrm>
+        </p:spPr>
+        <p:txBody>
+          <a:bodyPr>
+            <a:normAutofit/>
+          </a:bodyPr>
+          <a:lstStyle/>
+          <a:p>
+            <a:pPr>
+              <a:spcAft>
+                <a:spcPts val="600"/>
+              </a:spcAft>
+            </a:pPr>
+            <a:fld id="{5E84AC6A-A0EF-437B-BCEE-4772B0214A58}" type="slidenum">
+              <a:rPr lang="en-US" smtClean="0"/>
+              <a:pPr>
+                <a:spcAft>
+                  <a:spcPts val="600"/>
+                </a:spcAft>
+              </a:pPr>
+              <a:t>6</a:t>
+            </a:fld>
+            <a:endParaRPr lang="en-US" dirty="0"/>
+          </a:p>
+        </p:txBody>
+      </p:sp>
+      <p:sp>
+        <p:nvSpPr>
+          <p:cNvPr id="10" name="Content Placeholder 2">
+            <a:extLst>
+              <a:ext uri="{FF2B5EF4-FFF2-40B4-BE49-F238E27FC236}">
+                <a16:creationId xmlns:a16="http://schemas.microsoft.com/office/drawing/2014/main" id="{EEAB360F-76E6-9E25-0AE5-2ECB0DDB79F4}"/>
+              </a:ext>
+            </a:extLst>
+          </p:cNvPr>
+          <p:cNvSpPr txBox="1">
+            <a:spLocks/>
+          </p:cNvSpPr>
+          <p:nvPr/>
+        </p:nvSpPr>
+        <p:spPr>
+          <a:xfrm>
+            <a:off x="1022165" y="3304407"/>
+            <a:ext cx="8883836" cy="1289304"/>
+          </a:xfrm>
+          <a:prstGeom prst="rect">
+            <a:avLst/>
+          </a:prstGeom>
+        </p:spPr>
+        <p:txBody>
+          <a:bodyPr vert="horz" lIns="91440" tIns="45720" rIns="91440" bIns="45720" rtlCol="0">
+            <a:normAutofit/>
+          </a:bodyPr>
+          <a:lstStyle>
+            <a:lvl1pPr marL="0" indent="0" algn="l" defTabSz="914400" rtl="0" eaLnBrk="1" latinLnBrk="0" hangingPunct="1">
+              <a:lnSpc>
+                <a:spcPct val="120000"/>
+              </a:lnSpc>
+              <a:spcBef>
+                <a:spcPts val="1000"/>
+              </a:spcBef>
+              <a:buFont typeface="Arial" panose="020B0604020202020204" pitchFamily="34" charset="0"/>
+              <a:buNone/>
+              <a:defRPr sz="2000" kern="1200">
+                <a:solidFill>
+                  <a:schemeClr val="tx1"/>
+                </a:solidFill>
+                <a:latin typeface="+mn-lt"/>
+                <a:ea typeface="+mn-ea"/>
+                <a:cs typeface="+mn-cs"/>
+              </a:defRPr>
+            </a:lvl1pPr>
+            <a:lvl2pPr marL="457200" indent="0" algn="ctr" defTabSz="914400" rtl="0" eaLnBrk="1" latinLnBrk="0" hangingPunct="1">
+              <a:lnSpc>
+                <a:spcPct val="120000"/>
+              </a:lnSpc>
+              <a:spcBef>
+                <a:spcPts val="500"/>
+              </a:spcBef>
+              <a:buFont typeface="Neue Haas Grotesk Text Pro" panose="020B0504020202020204" pitchFamily="34" charset="0"/>
+              <a:buNone/>
+              <a:defRPr sz="2000" kern="1200">
+                <a:solidFill>
+                  <a:schemeClr val="tx1"/>
+                </a:solidFill>
+                <a:latin typeface="+mn-lt"/>
+                <a:ea typeface="+mn-ea"/>
+                <a:cs typeface="+mn-cs"/>
+              </a:defRPr>
+            </a:lvl2pPr>
+            <a:lvl3pPr marL="914400" indent="0" algn="ctr" defTabSz="914400" rtl="0" eaLnBrk="1" latinLnBrk="0" hangingPunct="1">
+              <a:lnSpc>
+                <a:spcPct val="120000"/>
+              </a:lnSpc>
+              <a:spcBef>
+                <a:spcPts val="500"/>
+              </a:spcBef>
+              <a:buFont typeface="Arial" panose="020B0604020202020204" pitchFamily="34" charset="0"/>
+              <a:buNone/>
+              <a:defRPr sz="1800" kern="1200">
+                <a:solidFill>
+                  <a:schemeClr val="tx1"/>
+                </a:solidFill>
+                <a:latin typeface="+mn-lt"/>
+                <a:ea typeface="+mn-ea"/>
+                <a:cs typeface="+mn-cs"/>
+              </a:defRPr>
+            </a:lvl3pPr>
+            <a:lvl4pPr marL="1371600" indent="0" algn="ctr" defTabSz="914400" rtl="0" eaLnBrk="1" latinLnBrk="0" hangingPunct="1">
+              <a:lnSpc>
+                <a:spcPct val="120000"/>
+              </a:lnSpc>
+              <a:spcBef>
+                <a:spcPts val="500"/>
+              </a:spcBef>
+              <a:buFont typeface="Neue Haas Grotesk Text Pro" panose="020B0504020202020204" pitchFamily="34" charset="0"/>
+              <a:buNone/>
+              <a:defRPr sz="1600" kern="1200">
+                <a:solidFill>
+                  <a:schemeClr val="tx1"/>
+                </a:solidFill>
+                <a:latin typeface="+mn-lt"/>
+                <a:ea typeface="+mn-ea"/>
+                <a:cs typeface="+mn-cs"/>
+              </a:defRPr>
+            </a:lvl4pPr>
+            <a:lvl5pPr marL="1828800" indent="0" algn="ctr" defTabSz="914400" rtl="0" eaLnBrk="1" latinLnBrk="0" hangingPunct="1">
+              <a:lnSpc>
+                <a:spcPct val="120000"/>
+              </a:lnSpc>
+              <a:spcBef>
+                <a:spcPts val="500"/>
+              </a:spcBef>
+              <a:buFont typeface="Arial" panose="020B0604020202020204" pitchFamily="34" charset="0"/>
+              <a:buNone/>
+              <a:defRPr sz="1600" kern="1200">
+                <a:solidFill>
+                  <a:schemeClr val="tx1"/>
+                </a:solidFill>
+                <a:latin typeface="+mn-lt"/>
+                <a:ea typeface="+mn-ea"/>
+                <a:cs typeface="+mn-cs"/>
+              </a:defRPr>
+            </a:lvl5pPr>
+            <a:lvl6pPr marL="2286000" indent="0" algn="ctr" defTabSz="914400" rtl="0" eaLnBrk="1" latinLnBrk="0" hangingPunct="1">
+              <a:lnSpc>
+                <a:spcPct val="90000"/>
+              </a:lnSpc>
+              <a:spcBef>
+                <a:spcPts val="500"/>
+              </a:spcBef>
+              <a:buFont typeface="Arial" panose="020B0604020202020204" pitchFamily="34" charset="0"/>
+              <a:buNone/>
+              <a:defRPr sz="1600" kern="1200">
+                <a:solidFill>
+                  <a:schemeClr val="tx1"/>
+                </a:solidFill>
+                <a:latin typeface="+mn-lt"/>
+                <a:ea typeface="+mn-ea"/>
+                <a:cs typeface="+mn-cs"/>
+              </a:defRPr>
+            </a:lvl6pPr>
+            <a:lvl7pPr marL="2743200" indent="0" algn="ctr" defTabSz="914400" rtl="0" eaLnBrk="1" latinLnBrk="0" hangingPunct="1">
+              <a:lnSpc>
+                <a:spcPct val="90000"/>
+              </a:lnSpc>
+              <a:spcBef>
+                <a:spcPts val="500"/>
+              </a:spcBef>
+              <a:buFont typeface="Arial" panose="020B0604020202020204" pitchFamily="34" charset="0"/>
+              <a:buNone/>
+              <a:defRPr sz="1600" kern="1200">
+                <a:solidFill>
+                  <a:schemeClr val="tx1"/>
+                </a:solidFill>
+                <a:latin typeface="+mn-lt"/>
+                <a:ea typeface="+mn-ea"/>
+                <a:cs typeface="+mn-cs"/>
+              </a:defRPr>
+            </a:lvl7pPr>
+            <a:lvl8pPr marL="3200400" indent="0" algn="ctr" defTabSz="914400" rtl="0" eaLnBrk="1" latinLnBrk="0" hangingPunct="1">
+              <a:lnSpc>
+                <a:spcPct val="90000"/>
+              </a:lnSpc>
+              <a:spcBef>
+                <a:spcPts val="500"/>
+              </a:spcBef>
+              <a:buFont typeface="Arial" panose="020B0604020202020204" pitchFamily="34" charset="0"/>
+              <a:buNone/>
+              <a:defRPr sz="1600" kern="1200">
+                <a:solidFill>
+                  <a:schemeClr val="tx1"/>
+                </a:solidFill>
+                <a:latin typeface="+mn-lt"/>
+                <a:ea typeface="+mn-ea"/>
+                <a:cs typeface="+mn-cs"/>
+              </a:defRPr>
+            </a:lvl8pPr>
+            <a:lvl9pPr marL="3657600" indent="0" algn="ctr" defTabSz="914400" rtl="0" eaLnBrk="1" latinLnBrk="0" hangingPunct="1">
+              <a:lnSpc>
+                <a:spcPct val="90000"/>
+              </a:lnSpc>
+              <a:spcBef>
+                <a:spcPts val="500"/>
+              </a:spcBef>
+              <a:buFont typeface="Arial" panose="020B0604020202020204" pitchFamily="34" charset="0"/>
+              <a:buNone/>
+              <a:defRPr sz="1600" kern="1200">
+                <a:solidFill>
+                  <a:schemeClr val="tx1"/>
+                </a:solidFill>
+                <a:latin typeface="+mn-lt"/>
+                <a:ea typeface="+mn-ea"/>
+                <a:cs typeface="+mn-cs"/>
+              </a:defRPr>
+            </a:lvl9pPr>
+          </a:lstStyle>
+          <a:p>
+            <a:pPr marL="65088" lvl="1"/>
+            <a:endParaRPr lang="en-US" dirty="0"/>
+          </a:p>
+        </p:txBody>
+      </p:sp>
+      <p:sp>
+        <p:nvSpPr>
+          <p:cNvPr id="11" name="Content Placeholder 2">
+            <a:extLst>
+              <a:ext uri="{FF2B5EF4-FFF2-40B4-BE49-F238E27FC236}">
+                <a16:creationId xmlns:a16="http://schemas.microsoft.com/office/drawing/2014/main" id="{FF9B0381-3064-6486-7EDB-B7917850E83F}"/>
+              </a:ext>
+            </a:extLst>
+          </p:cNvPr>
+          <p:cNvSpPr txBox="1">
+            <a:spLocks/>
+          </p:cNvSpPr>
+          <p:nvPr/>
+        </p:nvSpPr>
+        <p:spPr>
+          <a:xfrm>
+            <a:off x="1066800" y="2015102"/>
+            <a:ext cx="8883836" cy="2340997"/>
+          </a:xfrm>
+          <a:prstGeom prst="rect">
+            <a:avLst/>
+          </a:prstGeom>
+        </p:spPr>
+        <p:txBody>
+          <a:bodyPr vert="horz" lIns="91440" tIns="45720" rIns="91440" bIns="45720" rtlCol="0">
+            <a:normAutofit/>
+          </a:bodyPr>
+          <a:lstStyle>
+            <a:lvl1pPr marL="228600" indent="-228600" algn="l" defTabSz="914400" rtl="0" eaLnBrk="1" latinLnBrk="0" hangingPunct="1">
+              <a:lnSpc>
+                <a:spcPct val="120000"/>
+              </a:lnSpc>
+              <a:spcBef>
+                <a:spcPts val="1000"/>
+              </a:spcBef>
+              <a:buFont typeface="Arial" panose="020B0604020202020204" pitchFamily="34" charset="0"/>
+              <a:buChar char="•"/>
+              <a:defRPr sz="1800" kern="1200">
+                <a:solidFill>
+                  <a:schemeClr val="tx1"/>
+                </a:solidFill>
+                <a:latin typeface="+mn-lt"/>
+                <a:ea typeface="+mn-ea"/>
+                <a:cs typeface="+mn-cs"/>
+              </a:defRPr>
+            </a:lvl1pPr>
+            <a:lvl2pPr marL="548640" indent="-228600" algn="l" defTabSz="914400" rtl="0" eaLnBrk="1" latinLnBrk="0" hangingPunct="1">
+              <a:lnSpc>
+                <a:spcPct val="120000"/>
+              </a:lnSpc>
+              <a:spcBef>
+                <a:spcPts val="500"/>
+              </a:spcBef>
+              <a:buFont typeface="Neue Haas Grotesk Text Pro" panose="020B0504020202020204" pitchFamily="34" charset="0"/>
+              <a:buChar char="–"/>
+              <a:defRPr sz="1600" kern="1200">
+                <a:solidFill>
+                  <a:schemeClr val="tx1"/>
+                </a:solidFill>
+                <a:latin typeface="+mn-lt"/>
+                <a:ea typeface="+mn-ea"/>
+                <a:cs typeface="+mn-cs"/>
+              </a:defRPr>
+            </a:lvl2pPr>
+            <a:lvl3pPr marL="777240" indent="-228600" algn="l" defTabSz="914400" rtl="0" eaLnBrk="1" latinLnBrk="0" hangingPunct="1">
+              <a:lnSpc>
+                <a:spcPct val="120000"/>
+              </a:lnSpc>
+              <a:spcBef>
+                <a:spcPts val="500"/>
+              </a:spcBef>
+              <a:buFont typeface="Arial" panose="020B0604020202020204" pitchFamily="34" charset="0"/>
+              <a:buChar char="•"/>
+              <a:defRPr sz="1400" kern="1200">
+                <a:solidFill>
+                  <a:schemeClr val="tx1"/>
+                </a:solidFill>
+                <a:latin typeface="+mn-lt"/>
+                <a:ea typeface="+mn-ea"/>
+                <a:cs typeface="+mn-cs"/>
+              </a:defRPr>
+            </a:lvl3pPr>
+            <a:lvl4pPr marL="914400" indent="-228600" algn="l" defTabSz="914400" rtl="0" eaLnBrk="1" latinLnBrk="0" hangingPunct="1">
+              <a:lnSpc>
+                <a:spcPct val="120000"/>
+              </a:lnSpc>
+              <a:spcBef>
+                <a:spcPts val="500"/>
+              </a:spcBef>
+              <a:buFont typeface="Neue Haas Grotesk Text Pro" panose="020B0504020202020204" pitchFamily="34" charset="0"/>
+              <a:buChar char="–"/>
+              <a:defRPr sz="1200" kern="1200">
+                <a:solidFill>
+                  <a:schemeClr val="tx1"/>
+                </a:solidFill>
+                <a:latin typeface="+mn-lt"/>
+                <a:ea typeface="+mn-ea"/>
+                <a:cs typeface="+mn-cs"/>
+              </a:defRPr>
+            </a:lvl4pPr>
+            <a:lvl5pPr marL="1097280" indent="-228600" algn="l" defTabSz="914400" rtl="0" eaLnBrk="1" latinLnBrk="0" hangingPunct="1">
+              <a:lnSpc>
+                <a:spcPct val="120000"/>
+              </a:lnSpc>
+              <a:spcBef>
+                <a:spcPts val="500"/>
+              </a:spcBef>
+              <a:buFont typeface="Arial" panose="020B0604020202020204" pitchFamily="34" charset="0"/>
+              <a:buChar char="•"/>
+              <a:defRPr sz="1200" kern="1200">
+                <a:solidFill>
+                  <a:schemeClr val="tx1"/>
+                </a:solidFill>
+                <a:latin typeface="+mn-lt"/>
+                <a:ea typeface="+mn-ea"/>
+                <a:cs typeface="+mn-cs"/>
+              </a:defRPr>
+            </a:lvl5pPr>
+            <a:lvl6pPr marL="2514600" indent="-228600" algn="l" defTabSz="914400" rtl="0" eaLnBrk="1" latinLnBrk="0" hangingPunct="1">
+              <a:lnSpc>
+                <a:spcPct val="90000"/>
+              </a:lnSpc>
+              <a:spcBef>
+                <a:spcPts val="500"/>
+              </a:spcBef>
+              <a:buFont typeface="Arial" panose="020B0604020202020204" pitchFamily="34" charset="0"/>
+              <a:buChar char="•"/>
+              <a:defRPr sz="1800" kern="1200">
+                <a:solidFill>
+                  <a:schemeClr val="tx1"/>
+                </a:solidFill>
+                <a:latin typeface="+mn-lt"/>
+                <a:ea typeface="+mn-ea"/>
+                <a:cs typeface="+mn-cs"/>
+              </a:defRPr>
+            </a:lvl6pPr>
+            <a:lvl7pPr marL="2971800" indent="-228600" algn="l" defTabSz="914400" rtl="0" eaLnBrk="1" latinLnBrk="0" hangingPunct="1">
+              <a:lnSpc>
+                <a:spcPct val="90000"/>
+              </a:lnSpc>
+              <a:spcBef>
+                <a:spcPts val="500"/>
+              </a:spcBef>
+              <a:buFont typeface="Arial" panose="020B0604020202020204" pitchFamily="34" charset="0"/>
+              <a:buChar char="•"/>
+              <a:defRPr sz="1800" kern="1200">
+                <a:solidFill>
+                  <a:schemeClr val="tx1"/>
+                </a:solidFill>
+                <a:latin typeface="+mn-lt"/>
+                <a:ea typeface="+mn-ea"/>
+                <a:cs typeface="+mn-cs"/>
+              </a:defRPr>
+            </a:lvl7pPr>
+            <a:lvl8pPr marL="3429000" indent="-228600" algn="l" defTabSz="914400" rtl="0" eaLnBrk="1" latinLnBrk="0" hangingPunct="1">
+              <a:lnSpc>
+                <a:spcPct val="90000"/>
+              </a:lnSpc>
+              <a:spcBef>
+                <a:spcPts val="500"/>
+              </a:spcBef>
+              <a:buFont typeface="Arial" panose="020B0604020202020204" pitchFamily="34" charset="0"/>
+              <a:buChar char="•"/>
+              <a:defRPr sz="1800" kern="1200">
+                <a:solidFill>
+                  <a:schemeClr val="tx1"/>
+                </a:solidFill>
+                <a:latin typeface="+mn-lt"/>
+                <a:ea typeface="+mn-ea"/>
+                <a:cs typeface="+mn-cs"/>
+              </a:defRPr>
+            </a:lvl8pPr>
+            <a:lvl9pPr marL="3886200" indent="-228600" algn="l" defTabSz="914400" rtl="0" eaLnBrk="1" latinLnBrk="0" hangingPunct="1">
+              <a:lnSpc>
+                <a:spcPct val="90000"/>
+              </a:lnSpc>
+              <a:spcBef>
+                <a:spcPts val="500"/>
+              </a:spcBef>
+              <a:buFont typeface="Arial" panose="020B0604020202020204" pitchFamily="34" charset="0"/>
+              <a:buChar char="•"/>
+              <a:defRPr sz="1800" kern="1200">
+                <a:solidFill>
+                  <a:schemeClr val="tx1"/>
+                </a:solidFill>
+                <a:latin typeface="+mn-lt"/>
+                <a:ea typeface="+mn-ea"/>
+                <a:cs typeface="+mn-cs"/>
+              </a:defRPr>
+            </a:lvl9pPr>
+          </a:lstStyle>
+          <a:p>
+            <a:r>
+              <a:rPr lang="en-US" dirty="0"/>
+              <a:t>Wrangling: </a:t>
+            </a:r>
+          </a:p>
+          <a:p>
+            <a:pPr lvl="1"/>
+            <a:r>
+              <a:rPr lang="en-US" dirty="0"/>
+              <a:t>Extract the data from BZip2 files</a:t>
+            </a:r>
+          </a:p>
+          <a:p>
+            <a:pPr lvl="1"/>
+            <a:r>
+              <a:rPr lang="en-US" dirty="0"/>
+              <a:t>Read in the data in a useable format</a:t>
+            </a:r>
+          </a:p>
+          <a:p>
+            <a:r>
+              <a:rPr lang="en-US" dirty="0"/>
+              <a:t>Cleaning: </a:t>
+            </a:r>
+          </a:p>
+          <a:p>
+            <a:pPr lvl="1"/>
+            <a:r>
+              <a:rPr lang="en-US" dirty="0"/>
+              <a:t>Remove stop words (articles, prepositions, pronouns, conjunctions, etc.) </a:t>
+            </a:r>
+          </a:p>
+          <a:p>
+            <a:pPr lvl="1"/>
+            <a:r>
+              <a:rPr lang="en-US" dirty="0"/>
+              <a:t>Remove Hyperlinks, whitespace, and numbers </a:t>
+            </a:r>
+          </a:p>
+          <a:p>
+            <a:pPr marL="342900" indent="-342900">
+              <a:buFont typeface="Arial" panose="020B0604020202020204" pitchFamily="34" charset="0"/>
+              <a:buChar char="•"/>
+            </a:pPr>
+            <a:endParaRPr lang="en-US" dirty="0"/>
+          </a:p>
+          <a:p>
+            <a:pPr marL="65088" lvl="1"/>
+            <a:endParaRPr lang="en-US" dirty="0"/>
+          </a:p>
+          <a:p>
+            <a:pPr marL="320040" lvl="1" indent="0">
+              <a:buNone/>
+            </a:pPr>
+            <a:endParaRPr lang="en-US" dirty="0"/>
+          </a:p>
+          <a:p>
+            <a:pPr lvl="1"/>
+            <a:endParaRPr lang="en-US" dirty="0"/>
+          </a:p>
+          <a:p>
+            <a:pPr marL="65088" lvl="1" indent="0">
+              <a:buFont typeface="Neue Haas Grotesk Text Pro" panose="020B0504020202020204" pitchFamily="34" charset="0"/>
+              <a:buNone/>
+            </a:pPr>
+            <a:endParaRPr lang="en-US" dirty="0"/>
+          </a:p>
+        </p:txBody>
+      </p:sp>
+    </p:spTree>
+    <p:extLst>
+      <p:ext uri="{BB962C8B-B14F-4D97-AF65-F5344CB8AC3E}">
+        <p14:creationId xmlns:p14="http://schemas.microsoft.com/office/powerpoint/2010/main" val="3505647401"/>
+      </p:ext>
+    </p:extLst>
+  </p:cSld>
+  <p:clrMapOvr>
+    <a:masterClrMapping/>
+  </p:clrMapOvr>
+</p:sld>
+</file>
+
+<file path=ppt/slides/slide7.xml><?xml version="1.0" encoding="utf-8"?>
+<p:sld xmlns:a="http://schemas.openxmlformats.org/drawingml/2006/main" xmlns:r="http://schemas.openxmlformats.org/officeDocument/2006/relationships" xmlns:p="http://schemas.openxmlformats.org/presentationml/2006/main">
+  <p:cSld>
+    <p:spTree>
+      <p:nvGrpSpPr>
+        <p:cNvPr id="1" name=""/>
+        <p:cNvGrpSpPr/>
+        <p:nvPr/>
+      </p:nvGrpSpPr>
+      <p:grpSpPr>
+        <a:xfrm>
+          <a:off x="0" y="0"/>
+          <a:ext cx="0" cy="0"/>
+          <a:chOff x="0" y="0"/>
+          <a:chExt cx="0" cy="0"/>
+        </a:xfrm>
+      </p:grpSpPr>
+      <p:sp>
+        <p:nvSpPr>
+          <p:cNvPr id="2" name="Title 1">
+            <a:extLst>
+              <a:ext uri="{FF2B5EF4-FFF2-40B4-BE49-F238E27FC236}">
+                <a16:creationId xmlns:a16="http://schemas.microsoft.com/office/drawing/2014/main" id="{2EA780F1-1FE7-E477-FF03-736EAD3CA8D1}"/>
+              </a:ext>
+            </a:extLst>
+          </p:cNvPr>
+          <p:cNvSpPr>
+            <a:spLocks noGrp="1"/>
+          </p:cNvSpPr>
+          <p:nvPr>
+            <p:ph type="title"/>
+          </p:nvPr>
+        </p:nvSpPr>
+        <p:spPr>
+          <a:xfrm>
+            <a:off x="1066800" y="151562"/>
+            <a:ext cx="8886884" cy="953669"/>
+          </a:xfrm>
+        </p:spPr>
+        <p:txBody>
+          <a:bodyPr/>
+          <a:lstStyle/>
+          <a:p>
+            <a:r>
+              <a:rPr lang="en-US"/>
+              <a:t>Modeling</a:t>
+            </a:r>
+            <a:endParaRPr lang="en-US" dirty="0"/>
+          </a:p>
+        </p:txBody>
+      </p:sp>
+      <p:sp>
+        <p:nvSpPr>
+          <p:cNvPr id="3" name="Content Placeholder 2">
+            <a:extLst>
+              <a:ext uri="{FF2B5EF4-FFF2-40B4-BE49-F238E27FC236}">
+                <a16:creationId xmlns:a16="http://schemas.microsoft.com/office/drawing/2014/main" id="{0858B6FB-669B-A505-EB3E-27767FBA3637}"/>
+              </a:ext>
+            </a:extLst>
+          </p:cNvPr>
+          <p:cNvSpPr>
+            <a:spLocks noGrp="1"/>
+          </p:cNvSpPr>
+          <p:nvPr>
+            <p:ph idx="1"/>
+          </p:nvPr>
+        </p:nvSpPr>
+        <p:spPr>
+          <a:xfrm>
+            <a:off x="1066800" y="1105231"/>
+            <a:ext cx="8883836" cy="1670304"/>
+          </a:xfrm>
+        </p:spPr>
+        <p:txBody>
+          <a:bodyPr/>
+          <a:lstStyle/>
+          <a:p>
+            <a:r>
+              <a:rPr lang="en-US" dirty="0"/>
+              <a:t>Naïve-Bayes Multinomial</a:t>
+            </a:r>
+          </a:p>
+          <a:p>
+            <a:pPr lvl="1"/>
+            <a:r>
+              <a:rPr lang="en-US" dirty="0">
+                <a:effectLst/>
+                <a:latin typeface="Calibri" panose="020F0502020204030204" pitchFamily="34" charset="0"/>
+                <a:ea typeface="Calibri" panose="020F0502020204030204" pitchFamily="34" charset="0"/>
+                <a:cs typeface="Times New Roman" panose="02020603050405020304" pitchFamily="18" charset="0"/>
+              </a:rPr>
+              <a:t>calculates the probability of each tag for a given sample and then gives the tag with the highest probability as output</a:t>
+            </a:r>
+            <a:r>
+              <a:rPr lang="en-US" dirty="0">
+                <a:effectLst/>
+              </a:rPr>
+              <a:t> </a:t>
+            </a:r>
+          </a:p>
+          <a:p>
+            <a:pPr lvl="1"/>
+            <a:r>
+              <a:rPr lang="en-US" dirty="0"/>
+              <a:t>Resulted in an accuracy of 84.9%</a:t>
+            </a:r>
+          </a:p>
+        </p:txBody>
+      </p:sp>
+      <p:sp>
+        <p:nvSpPr>
+          <p:cNvPr id="4" name="Content Placeholder 2">
+            <a:extLst>
+              <a:ext uri="{FF2B5EF4-FFF2-40B4-BE49-F238E27FC236}">
+                <a16:creationId xmlns:a16="http://schemas.microsoft.com/office/drawing/2014/main" id="{1216C7BC-020E-E844-4A86-44EAE74052B0}"/>
+              </a:ext>
+            </a:extLst>
+          </p:cNvPr>
+          <p:cNvSpPr txBox="1">
+            <a:spLocks/>
+          </p:cNvSpPr>
+          <p:nvPr/>
+        </p:nvSpPr>
+        <p:spPr>
+          <a:xfrm>
+            <a:off x="1066800" y="2593848"/>
+            <a:ext cx="8883836" cy="1670304"/>
+          </a:xfrm>
+          <a:prstGeom prst="rect">
+            <a:avLst/>
+          </a:prstGeom>
+        </p:spPr>
+        <p:txBody>
+          <a:bodyPr vert="horz" lIns="91440" tIns="45720" rIns="91440" bIns="45720" rtlCol="0">
+            <a:normAutofit/>
+          </a:bodyPr>
+          <a:lstStyle>
+            <a:lvl1pPr marL="228600" indent="-228600" algn="l" defTabSz="914400" rtl="0" eaLnBrk="1" latinLnBrk="0" hangingPunct="1">
+              <a:lnSpc>
+                <a:spcPct val="120000"/>
+              </a:lnSpc>
+              <a:spcBef>
+                <a:spcPts val="1000"/>
+              </a:spcBef>
+              <a:buFont typeface="Arial" panose="020B0604020202020204" pitchFamily="34" charset="0"/>
+              <a:buChar char="•"/>
+              <a:defRPr sz="1800" kern="1200">
+                <a:solidFill>
+                  <a:schemeClr val="tx1"/>
+                </a:solidFill>
+                <a:latin typeface="+mn-lt"/>
+                <a:ea typeface="+mn-ea"/>
+                <a:cs typeface="+mn-cs"/>
+              </a:defRPr>
+            </a:lvl1pPr>
+            <a:lvl2pPr marL="548640" indent="-228600" algn="l" defTabSz="914400" rtl="0" eaLnBrk="1" latinLnBrk="0" hangingPunct="1">
+              <a:lnSpc>
+                <a:spcPct val="120000"/>
+              </a:lnSpc>
+              <a:spcBef>
+                <a:spcPts val="500"/>
+              </a:spcBef>
+              <a:buFont typeface="Neue Haas Grotesk Text Pro" panose="020B0504020202020204" pitchFamily="34" charset="0"/>
+              <a:buChar char="–"/>
+              <a:defRPr sz="1600" kern="1200">
+                <a:solidFill>
+                  <a:schemeClr val="tx1"/>
+                </a:solidFill>
+                <a:latin typeface="+mn-lt"/>
+                <a:ea typeface="+mn-ea"/>
+                <a:cs typeface="+mn-cs"/>
+              </a:defRPr>
+            </a:lvl2pPr>
+            <a:lvl3pPr marL="777240" indent="-228600" algn="l" defTabSz="914400" rtl="0" eaLnBrk="1" latinLnBrk="0" hangingPunct="1">
+              <a:lnSpc>
+                <a:spcPct val="120000"/>
+              </a:lnSpc>
+              <a:spcBef>
+                <a:spcPts val="500"/>
+              </a:spcBef>
+              <a:buFont typeface="Arial" panose="020B0604020202020204" pitchFamily="34" charset="0"/>
+              <a:buChar char="•"/>
+              <a:defRPr sz="1400" kern="1200">
+                <a:solidFill>
+                  <a:schemeClr val="tx1"/>
+                </a:solidFill>
+                <a:latin typeface="+mn-lt"/>
+                <a:ea typeface="+mn-ea"/>
+                <a:cs typeface="+mn-cs"/>
+              </a:defRPr>
+            </a:lvl3pPr>
+            <a:lvl4pPr marL="914400" indent="-228600" algn="l" defTabSz="914400" rtl="0" eaLnBrk="1" latinLnBrk="0" hangingPunct="1">
+              <a:lnSpc>
+                <a:spcPct val="120000"/>
+              </a:lnSpc>
+              <a:spcBef>
+                <a:spcPts val="500"/>
+              </a:spcBef>
+              <a:buFont typeface="Neue Haas Grotesk Text Pro" panose="020B0504020202020204" pitchFamily="34" charset="0"/>
+              <a:buChar char="–"/>
+              <a:defRPr sz="1200" kern="1200">
+                <a:solidFill>
+                  <a:schemeClr val="tx1"/>
+                </a:solidFill>
+                <a:latin typeface="+mn-lt"/>
+                <a:ea typeface="+mn-ea"/>
+                <a:cs typeface="+mn-cs"/>
+              </a:defRPr>
+            </a:lvl4pPr>
+            <a:lvl5pPr marL="1097280" indent="-228600" algn="l" defTabSz="914400" rtl="0" eaLnBrk="1" latinLnBrk="0" hangingPunct="1">
+              <a:lnSpc>
+                <a:spcPct val="120000"/>
+              </a:lnSpc>
+              <a:spcBef>
+                <a:spcPts val="500"/>
+              </a:spcBef>
+              <a:buFont typeface="Arial" panose="020B0604020202020204" pitchFamily="34" charset="0"/>
+              <a:buChar char="•"/>
+              <a:defRPr sz="1200" kern="1200">
+                <a:solidFill>
+                  <a:schemeClr val="tx1"/>
+                </a:solidFill>
+                <a:latin typeface="+mn-lt"/>
+                <a:ea typeface="+mn-ea"/>
+                <a:cs typeface="+mn-cs"/>
+              </a:defRPr>
+            </a:lvl5pPr>
+            <a:lvl6pPr marL="2514600" indent="-228600" algn="l" defTabSz="914400" rtl="0" eaLnBrk="1" latinLnBrk="0" hangingPunct="1">
+              <a:lnSpc>
+                <a:spcPct val="90000"/>
+              </a:lnSpc>
+              <a:spcBef>
+                <a:spcPts val="500"/>
+              </a:spcBef>
+              <a:buFont typeface="Arial" panose="020B0604020202020204" pitchFamily="34" charset="0"/>
+              <a:buChar char="•"/>
+              <a:defRPr sz="1800" kern="1200">
+                <a:solidFill>
+                  <a:schemeClr val="tx1"/>
+                </a:solidFill>
+                <a:latin typeface="+mn-lt"/>
+                <a:ea typeface="+mn-ea"/>
+                <a:cs typeface="+mn-cs"/>
+              </a:defRPr>
+            </a:lvl6pPr>
+            <a:lvl7pPr marL="2971800" indent="-228600" algn="l" defTabSz="914400" rtl="0" eaLnBrk="1" latinLnBrk="0" hangingPunct="1">
+              <a:lnSpc>
+                <a:spcPct val="90000"/>
+              </a:lnSpc>
+              <a:spcBef>
+                <a:spcPts val="500"/>
+              </a:spcBef>
+              <a:buFont typeface="Arial" panose="020B0604020202020204" pitchFamily="34" charset="0"/>
+              <a:buChar char="•"/>
+              <a:defRPr sz="1800" kern="1200">
+                <a:solidFill>
+                  <a:schemeClr val="tx1"/>
+                </a:solidFill>
+                <a:latin typeface="+mn-lt"/>
+                <a:ea typeface="+mn-ea"/>
+                <a:cs typeface="+mn-cs"/>
+              </a:defRPr>
+            </a:lvl7pPr>
+            <a:lvl8pPr marL="3429000" indent="-228600" algn="l" defTabSz="914400" rtl="0" eaLnBrk="1" latinLnBrk="0" hangingPunct="1">
+              <a:lnSpc>
+                <a:spcPct val="90000"/>
+              </a:lnSpc>
+              <a:spcBef>
+                <a:spcPts val="500"/>
+              </a:spcBef>
+              <a:buFont typeface="Arial" panose="020B0604020202020204" pitchFamily="34" charset="0"/>
+              <a:buChar char="•"/>
+              <a:defRPr sz="1800" kern="1200">
+                <a:solidFill>
+                  <a:schemeClr val="tx1"/>
+                </a:solidFill>
+                <a:latin typeface="+mn-lt"/>
+                <a:ea typeface="+mn-ea"/>
+                <a:cs typeface="+mn-cs"/>
+              </a:defRPr>
+            </a:lvl8pPr>
+            <a:lvl9pPr marL="3886200" indent="-228600" algn="l" defTabSz="914400" rtl="0" eaLnBrk="1" latinLnBrk="0" hangingPunct="1">
+              <a:lnSpc>
+                <a:spcPct val="90000"/>
+              </a:lnSpc>
+              <a:spcBef>
+                <a:spcPts val="500"/>
+              </a:spcBef>
+              <a:buFont typeface="Arial" panose="020B0604020202020204" pitchFamily="34" charset="0"/>
+              <a:buChar char="•"/>
+              <a:defRPr sz="1800" kern="1200">
+                <a:solidFill>
+                  <a:schemeClr val="tx1"/>
+                </a:solidFill>
+                <a:latin typeface="+mn-lt"/>
+                <a:ea typeface="+mn-ea"/>
+                <a:cs typeface="+mn-cs"/>
+              </a:defRPr>
+            </a:lvl9pPr>
+          </a:lstStyle>
+          <a:p>
+            <a:r>
+              <a:rPr lang="en-US" dirty="0"/>
+              <a:t>Logistic Regression</a:t>
+            </a:r>
+          </a:p>
+          <a:p>
+            <a:pPr lvl="1"/>
+            <a:r>
+              <a:rPr lang="en-US" sz="1800" dirty="0">
+                <a:effectLst/>
+                <a:latin typeface="Calibri" panose="020F0502020204030204" pitchFamily="34" charset="0"/>
+                <a:ea typeface="Calibri" panose="020F0502020204030204" pitchFamily="34" charset="0"/>
+                <a:cs typeface="Times New Roman" panose="02020603050405020304" pitchFamily="18" charset="0"/>
+              </a:rPr>
+              <a:t>regression estimates the probability of an event occurring, such as voted or didn’t vote, based on a given dataset of independent variables</a:t>
+            </a:r>
+            <a:r>
+              <a:rPr lang="en-US" dirty="0">
+                <a:effectLst/>
+              </a:rPr>
+              <a:t> </a:t>
+            </a:r>
+          </a:p>
+          <a:p>
+            <a:pPr lvl="1"/>
+            <a:r>
+              <a:rPr lang="en-US" dirty="0"/>
+              <a:t>Resulted in an accuracy of 90.0%</a:t>
+            </a:r>
+          </a:p>
+        </p:txBody>
+      </p:sp>
+      <p:sp>
+        <p:nvSpPr>
+          <p:cNvPr id="5" name="Content Placeholder 2">
+            <a:extLst>
+              <a:ext uri="{FF2B5EF4-FFF2-40B4-BE49-F238E27FC236}">
+                <a16:creationId xmlns:a16="http://schemas.microsoft.com/office/drawing/2014/main" id="{F8674178-86C4-FCCC-7781-092CE7A397B5}"/>
+              </a:ext>
+            </a:extLst>
+          </p:cNvPr>
+          <p:cNvSpPr txBox="1">
+            <a:spLocks/>
+          </p:cNvSpPr>
+          <p:nvPr/>
+        </p:nvSpPr>
+        <p:spPr>
+          <a:xfrm>
+            <a:off x="1066800" y="4409948"/>
+            <a:ext cx="8883836" cy="1819148"/>
+          </a:xfrm>
+          <a:prstGeom prst="rect">
+            <a:avLst/>
+          </a:prstGeom>
+        </p:spPr>
+        <p:txBody>
+          <a:bodyPr vert="horz" lIns="91440" tIns="45720" rIns="91440" bIns="45720" rtlCol="0">
+            <a:normAutofit fontScale="47500" lnSpcReduction="20000"/>
+          </a:bodyPr>
+          <a:lstStyle>
+            <a:lvl1pPr marL="228600" indent="-228600" algn="l" defTabSz="914400" rtl="0" eaLnBrk="1" latinLnBrk="0" hangingPunct="1">
+              <a:lnSpc>
+                <a:spcPct val="120000"/>
+              </a:lnSpc>
+              <a:spcBef>
+                <a:spcPts val="1000"/>
+              </a:spcBef>
+              <a:buFont typeface="Arial" panose="020B0604020202020204" pitchFamily="34" charset="0"/>
+              <a:buChar char="•"/>
+              <a:defRPr sz="1800" kern="1200">
+                <a:solidFill>
+                  <a:schemeClr val="tx1"/>
+                </a:solidFill>
+                <a:latin typeface="+mn-lt"/>
+                <a:ea typeface="+mn-ea"/>
+                <a:cs typeface="+mn-cs"/>
+              </a:defRPr>
+            </a:lvl1pPr>
+            <a:lvl2pPr marL="548640" indent="-228600" algn="l" defTabSz="914400" rtl="0" eaLnBrk="1" latinLnBrk="0" hangingPunct="1">
+              <a:lnSpc>
+                <a:spcPct val="120000"/>
+              </a:lnSpc>
+              <a:spcBef>
+                <a:spcPts val="500"/>
+              </a:spcBef>
+              <a:buFont typeface="Neue Haas Grotesk Text Pro" panose="020B0504020202020204" pitchFamily="34" charset="0"/>
+              <a:buChar char="–"/>
+              <a:defRPr sz="1600" kern="1200">
+                <a:solidFill>
+                  <a:schemeClr val="tx1"/>
+                </a:solidFill>
+                <a:latin typeface="+mn-lt"/>
+                <a:ea typeface="+mn-ea"/>
+                <a:cs typeface="+mn-cs"/>
+              </a:defRPr>
+            </a:lvl2pPr>
+            <a:lvl3pPr marL="777240" indent="-228600" algn="l" defTabSz="914400" rtl="0" eaLnBrk="1" latinLnBrk="0" hangingPunct="1">
+              <a:lnSpc>
+                <a:spcPct val="120000"/>
+              </a:lnSpc>
+              <a:spcBef>
+                <a:spcPts val="500"/>
+              </a:spcBef>
+              <a:buFont typeface="Arial" panose="020B0604020202020204" pitchFamily="34" charset="0"/>
+              <a:buChar char="•"/>
+              <a:defRPr sz="1400" kern="1200">
+                <a:solidFill>
+                  <a:schemeClr val="tx1"/>
+                </a:solidFill>
+                <a:latin typeface="+mn-lt"/>
+                <a:ea typeface="+mn-ea"/>
+                <a:cs typeface="+mn-cs"/>
+              </a:defRPr>
+            </a:lvl3pPr>
+            <a:lvl4pPr marL="914400" indent="-228600" algn="l" defTabSz="914400" rtl="0" eaLnBrk="1" latinLnBrk="0" hangingPunct="1">
+              <a:lnSpc>
+                <a:spcPct val="120000"/>
+              </a:lnSpc>
+              <a:spcBef>
+                <a:spcPts val="500"/>
+              </a:spcBef>
+              <a:buFont typeface="Neue Haas Grotesk Text Pro" panose="020B0504020202020204" pitchFamily="34" charset="0"/>
+              <a:buChar char="–"/>
+              <a:defRPr sz="1200" kern="1200">
+                <a:solidFill>
+                  <a:schemeClr val="tx1"/>
+                </a:solidFill>
+                <a:latin typeface="+mn-lt"/>
+                <a:ea typeface="+mn-ea"/>
+                <a:cs typeface="+mn-cs"/>
+              </a:defRPr>
+            </a:lvl4pPr>
+            <a:lvl5pPr marL="1097280" indent="-228600" algn="l" defTabSz="914400" rtl="0" eaLnBrk="1" latinLnBrk="0" hangingPunct="1">
+              <a:lnSpc>
+                <a:spcPct val="120000"/>
+              </a:lnSpc>
+              <a:spcBef>
+                <a:spcPts val="500"/>
+              </a:spcBef>
+              <a:buFont typeface="Arial" panose="020B0604020202020204" pitchFamily="34" charset="0"/>
+              <a:buChar char="•"/>
+              <a:defRPr sz="1200" kern="1200">
+                <a:solidFill>
+                  <a:schemeClr val="tx1"/>
+                </a:solidFill>
+                <a:latin typeface="+mn-lt"/>
+                <a:ea typeface="+mn-ea"/>
+                <a:cs typeface="+mn-cs"/>
+              </a:defRPr>
+            </a:lvl5pPr>
+            <a:lvl6pPr marL="2514600" indent="-228600" algn="l" defTabSz="914400" rtl="0" eaLnBrk="1" latinLnBrk="0" hangingPunct="1">
+              <a:lnSpc>
+                <a:spcPct val="90000"/>
+              </a:lnSpc>
+              <a:spcBef>
+                <a:spcPts val="500"/>
+              </a:spcBef>
+              <a:buFont typeface="Arial" panose="020B0604020202020204" pitchFamily="34" charset="0"/>
+              <a:buChar char="•"/>
+              <a:defRPr sz="1800" kern="1200">
+                <a:solidFill>
+                  <a:schemeClr val="tx1"/>
+                </a:solidFill>
+                <a:latin typeface="+mn-lt"/>
+                <a:ea typeface="+mn-ea"/>
+                <a:cs typeface="+mn-cs"/>
+              </a:defRPr>
+            </a:lvl6pPr>
+            <a:lvl7pPr marL="2971800" indent="-228600" algn="l" defTabSz="914400" rtl="0" eaLnBrk="1" latinLnBrk="0" hangingPunct="1">
+              <a:lnSpc>
+                <a:spcPct val="90000"/>
+              </a:lnSpc>
+              <a:spcBef>
+                <a:spcPts val="500"/>
+              </a:spcBef>
+              <a:buFont typeface="Arial" panose="020B0604020202020204" pitchFamily="34" charset="0"/>
+              <a:buChar char="•"/>
+              <a:defRPr sz="1800" kern="1200">
+                <a:solidFill>
+                  <a:schemeClr val="tx1"/>
+                </a:solidFill>
+                <a:latin typeface="+mn-lt"/>
+                <a:ea typeface="+mn-ea"/>
+                <a:cs typeface="+mn-cs"/>
+              </a:defRPr>
+            </a:lvl7pPr>
+            <a:lvl8pPr marL="3429000" indent="-228600" algn="l" defTabSz="914400" rtl="0" eaLnBrk="1" latinLnBrk="0" hangingPunct="1">
+              <a:lnSpc>
+                <a:spcPct val="90000"/>
+              </a:lnSpc>
+              <a:spcBef>
+                <a:spcPts val="500"/>
+              </a:spcBef>
+              <a:buFont typeface="Arial" panose="020B0604020202020204" pitchFamily="34" charset="0"/>
+              <a:buChar char="•"/>
+              <a:defRPr sz="1800" kern="1200">
+                <a:solidFill>
+                  <a:schemeClr val="tx1"/>
+                </a:solidFill>
+                <a:latin typeface="+mn-lt"/>
+                <a:ea typeface="+mn-ea"/>
+                <a:cs typeface="+mn-cs"/>
+              </a:defRPr>
+            </a:lvl8pPr>
+            <a:lvl9pPr marL="3886200" indent="-228600" algn="l" defTabSz="914400" rtl="0" eaLnBrk="1" latinLnBrk="0" hangingPunct="1">
+              <a:lnSpc>
+                <a:spcPct val="90000"/>
+              </a:lnSpc>
+              <a:spcBef>
+                <a:spcPts val="500"/>
+              </a:spcBef>
+              <a:buFont typeface="Arial" panose="020B0604020202020204" pitchFamily="34" charset="0"/>
+              <a:buChar char="•"/>
+              <a:defRPr sz="1800" kern="1200">
+                <a:solidFill>
+                  <a:schemeClr val="tx1"/>
+                </a:solidFill>
+                <a:latin typeface="+mn-lt"/>
+                <a:ea typeface="+mn-ea"/>
+                <a:cs typeface="+mn-cs"/>
+              </a:defRPr>
+            </a:lvl9pPr>
+          </a:lstStyle>
+          <a:p>
+            <a:r>
+              <a:rPr lang="en-US" sz="3800" dirty="0"/>
+              <a:t>BERT</a:t>
+            </a:r>
+          </a:p>
+          <a:p>
+            <a:pPr lvl="1"/>
+            <a:r>
+              <a:rPr lang="en-US" sz="2900" dirty="0">
+                <a:latin typeface="Calibri" panose="020F0502020204030204" pitchFamily="34" charset="0"/>
+                <a:cs typeface="Times New Roman" panose="02020603050405020304" pitchFamily="18" charset="0"/>
+              </a:rPr>
+              <a:t>Bidirectional Encoder Representations from Transformers </a:t>
+            </a:r>
+          </a:p>
+          <a:p>
+            <a:pPr lvl="1"/>
+            <a:r>
+              <a:rPr lang="en-US" sz="2900" dirty="0">
+                <a:latin typeface="Calibri" panose="020F0502020204030204" pitchFamily="34" charset="0"/>
+                <a:cs typeface="Times New Roman" panose="02020603050405020304" pitchFamily="18" charset="0"/>
+              </a:rPr>
+              <a:t>compute vector-space representations of natural language that are suitable for use in deep learning models </a:t>
+            </a:r>
+          </a:p>
+          <a:p>
+            <a:pPr lvl="1"/>
+            <a:r>
+              <a:rPr lang="en-US" sz="2900" dirty="0">
+                <a:latin typeface="Calibri" panose="020F0502020204030204" pitchFamily="34" charset="0"/>
+                <a:cs typeface="Times New Roman" panose="02020603050405020304" pitchFamily="18" charset="0"/>
+              </a:rPr>
+              <a:t>Incredible resource intensity necessitated the need for a smaller dataset, subsequently lowering accuracy.</a:t>
+            </a:r>
+          </a:p>
+          <a:p>
+            <a:pPr lvl="1"/>
+            <a:r>
+              <a:rPr lang="en-US" sz="2900" dirty="0">
+                <a:latin typeface="Calibri" panose="020F0502020204030204" pitchFamily="34" charset="0"/>
+                <a:cs typeface="Times New Roman" panose="02020603050405020304" pitchFamily="18" charset="0"/>
+              </a:rPr>
+              <a:t>Resulted in an accuracy of 76.3%</a:t>
+            </a:r>
+          </a:p>
+        </p:txBody>
+      </p:sp>
+      <p:sp>
+        <p:nvSpPr>
+          <p:cNvPr id="6" name="Slide Number Placeholder 5">
+            <a:extLst>
+              <a:ext uri="{FF2B5EF4-FFF2-40B4-BE49-F238E27FC236}">
+                <a16:creationId xmlns:a16="http://schemas.microsoft.com/office/drawing/2014/main" id="{786DC8F3-16CA-D111-92AD-90F53E67B83A}"/>
+              </a:ext>
+            </a:extLst>
+          </p:cNvPr>
+          <p:cNvSpPr>
+            <a:spLocks noGrp="1"/>
+          </p:cNvSpPr>
+          <p:nvPr>
+            <p:ph type="sldNum" sz="quarter" idx="12"/>
+          </p:nvPr>
+        </p:nvSpPr>
+        <p:spPr>
+          <a:xfrm>
+            <a:off x="11353800" y="6318446"/>
+            <a:ext cx="615696" cy="365125"/>
+          </a:xfrm>
+        </p:spPr>
+        <p:txBody>
+          <a:bodyPr>
+            <a:normAutofit/>
+          </a:bodyPr>
+          <a:lstStyle/>
+          <a:p>
+            <a:pPr>
+              <a:spcAft>
+                <a:spcPts val="600"/>
+              </a:spcAft>
+            </a:pPr>
+            <a:fld id="{5E84AC6A-A0EF-437B-BCEE-4772B0214A58}" type="slidenum">
+              <a:rPr lang="en-US" smtClean="0"/>
+              <a:pPr>
+                <a:spcAft>
+                  <a:spcPts val="600"/>
+                </a:spcAft>
+              </a:pPr>
+              <a:t>7</a:t>
+            </a:fld>
+            <a:endParaRPr lang="en-US" dirty="0"/>
+          </a:p>
+        </p:txBody>
+      </p:sp>
+    </p:spTree>
+    <p:extLst>
+      <p:ext uri="{BB962C8B-B14F-4D97-AF65-F5344CB8AC3E}">
+        <p14:creationId xmlns:p14="http://schemas.microsoft.com/office/powerpoint/2010/main" val="3535560145"/>
+      </p:ext>
+    </p:extLst>
+  </p:cSld>
+  <p:clrMapOvr>
+    <a:masterClrMapping/>
+  </p:clrMapOvr>
+</p:sld>
+</file>
+
+<file path=ppt/slides/slide8.xml><?xml version="1.0" encoding="utf-8"?>
+<p:sld xmlns:a="http://schemas.openxmlformats.org/drawingml/2006/main" xmlns:r="http://schemas.openxmlformats.org/officeDocument/2006/relationships" xmlns:p="http://schemas.openxmlformats.org/presentationml/2006/main">
+  <p:cSld>
+    <p:spTree>
+      <p:nvGrpSpPr>
+        <p:cNvPr id="1" name=""/>
+        <p:cNvGrpSpPr/>
+        <p:nvPr/>
+      </p:nvGrpSpPr>
+      <p:grpSpPr>
+        <a:xfrm>
+          <a:off x="0" y="0"/>
+          <a:ext cx="0" cy="0"/>
+          <a:chOff x="0" y="0"/>
+          <a:chExt cx="0" cy="0"/>
+        </a:xfrm>
+      </p:grpSpPr>
+      <p:sp>
+        <p:nvSpPr>
+          <p:cNvPr id="2" name="Title 1">
+            <a:extLst>
+              <a:ext uri="{FF2B5EF4-FFF2-40B4-BE49-F238E27FC236}">
+                <a16:creationId xmlns:a16="http://schemas.microsoft.com/office/drawing/2014/main" id="{D1AAEAD7-0EFE-CA54-A8BA-CCC275EFCCCD}"/>
+              </a:ext>
+            </a:extLst>
+          </p:cNvPr>
+          <p:cNvSpPr>
+            <a:spLocks noGrp="1"/>
+          </p:cNvSpPr>
+          <p:nvPr>
+            <p:ph type="ctrTitle"/>
+          </p:nvPr>
+        </p:nvSpPr>
+        <p:spPr>
+          <a:xfrm>
+            <a:off x="1066800" y="850005"/>
+            <a:ext cx="6196885" cy="1655289"/>
+          </a:xfrm>
+        </p:spPr>
+        <p:txBody>
+          <a:bodyPr>
+            <a:normAutofit/>
+          </a:bodyPr>
+          <a:lstStyle/>
+          <a:p>
+            <a:r>
+              <a:rPr lang="en-US" sz="4800"/>
+              <a:t>Key Points</a:t>
+            </a:r>
+          </a:p>
+        </p:txBody>
+      </p:sp>
+      <p:sp>
+        <p:nvSpPr>
+          <p:cNvPr id="18" name="Slide Number Placeholder 3">
+            <a:extLst>
+              <a:ext uri="{FF2B5EF4-FFF2-40B4-BE49-F238E27FC236}">
+                <a16:creationId xmlns:a16="http://schemas.microsoft.com/office/drawing/2014/main" id="{EE0CB3F7-D607-DD27-6318-D95A7FBB1439}"/>
+              </a:ext>
+            </a:extLst>
+          </p:cNvPr>
+          <p:cNvSpPr>
+            <a:spLocks noGrp="1"/>
+          </p:cNvSpPr>
+          <p:nvPr>
+            <p:ph type="sldNum" sz="quarter" idx="12"/>
+          </p:nvPr>
+        </p:nvSpPr>
+        <p:spPr>
+          <a:xfrm>
+            <a:off x="11353800" y="6318446"/>
+            <a:ext cx="615696" cy="365125"/>
+          </a:xfrm>
+        </p:spPr>
+        <p:txBody>
+          <a:bodyPr/>
+          <a:lstStyle/>
+          <a:p>
+            <a:pPr>
+              <a:spcAft>
+                <a:spcPts val="600"/>
+              </a:spcAft>
+            </a:pPr>
+            <a:fld id="{5E84AC6A-A0EF-437B-BCEE-4772B0214A58}" type="slidenum">
+              <a:rPr lang="en-US" smtClean="0"/>
+              <a:pPr>
+                <a:spcAft>
+                  <a:spcPts val="600"/>
+                </a:spcAft>
+              </a:pPr>
+              <a:t>8</a:t>
+            </a:fld>
+            <a:endParaRPr lang="en-US"/>
+          </a:p>
+        </p:txBody>
+      </p:sp>
+      <p:sp>
+        <p:nvSpPr>
+          <p:cNvPr id="8" name="Content Placeholder 2">
+            <a:extLst>
+              <a:ext uri="{FF2B5EF4-FFF2-40B4-BE49-F238E27FC236}">
+                <a16:creationId xmlns:a16="http://schemas.microsoft.com/office/drawing/2014/main" id="{A2ECC4AC-B9E7-2EDE-DA3E-47F123F667E6}"/>
+              </a:ext>
+            </a:extLst>
+          </p:cNvPr>
+          <p:cNvSpPr txBox="1">
+            <a:spLocks/>
+          </p:cNvSpPr>
+          <p:nvPr/>
+        </p:nvSpPr>
+        <p:spPr>
+          <a:xfrm>
+            <a:off x="1066800" y="2510573"/>
+            <a:ext cx="8883836" cy="1532790"/>
+          </a:xfrm>
+          <a:prstGeom prst="rect">
+            <a:avLst/>
+          </a:prstGeom>
+        </p:spPr>
+        <p:txBody>
+          <a:bodyPr vert="horz" lIns="91440" tIns="45720" rIns="91440" bIns="45720" rtlCol="0">
+            <a:normAutofit fontScale="85000" lnSpcReduction="10000"/>
+          </a:bodyPr>
+          <a:lstStyle>
+            <a:lvl1pPr marL="0" indent="0" algn="l" defTabSz="914400" rtl="0" eaLnBrk="1" latinLnBrk="0" hangingPunct="1">
+              <a:lnSpc>
+                <a:spcPct val="120000"/>
+              </a:lnSpc>
+              <a:spcBef>
+                <a:spcPts val="1000"/>
+              </a:spcBef>
+              <a:buFont typeface="Arial" panose="020B0604020202020204" pitchFamily="34" charset="0"/>
+              <a:buNone/>
+              <a:defRPr sz="2000" kern="1200">
+                <a:solidFill>
+                  <a:schemeClr val="tx1"/>
+                </a:solidFill>
+                <a:latin typeface="+mn-lt"/>
+                <a:ea typeface="+mn-ea"/>
+                <a:cs typeface="+mn-cs"/>
+              </a:defRPr>
+            </a:lvl1pPr>
+            <a:lvl2pPr marL="457200" indent="0" algn="ctr" defTabSz="914400" rtl="0" eaLnBrk="1" latinLnBrk="0" hangingPunct="1">
+              <a:lnSpc>
+                <a:spcPct val="120000"/>
+              </a:lnSpc>
+              <a:spcBef>
+                <a:spcPts val="500"/>
+              </a:spcBef>
+              <a:buFont typeface="Neue Haas Grotesk Text Pro" panose="020B0504020202020204" pitchFamily="34" charset="0"/>
+              <a:buNone/>
+              <a:defRPr sz="2000" kern="1200">
+                <a:solidFill>
+                  <a:schemeClr val="tx1"/>
+                </a:solidFill>
+                <a:latin typeface="+mn-lt"/>
+                <a:ea typeface="+mn-ea"/>
+                <a:cs typeface="+mn-cs"/>
+              </a:defRPr>
+            </a:lvl2pPr>
+            <a:lvl3pPr marL="914400" indent="0" algn="ctr" defTabSz="914400" rtl="0" eaLnBrk="1" latinLnBrk="0" hangingPunct="1">
+              <a:lnSpc>
+                <a:spcPct val="120000"/>
+              </a:lnSpc>
+              <a:spcBef>
+                <a:spcPts val="500"/>
+              </a:spcBef>
+              <a:buFont typeface="Arial" panose="020B0604020202020204" pitchFamily="34" charset="0"/>
+              <a:buNone/>
+              <a:defRPr sz="1800" kern="1200">
+                <a:solidFill>
+                  <a:schemeClr val="tx1"/>
+                </a:solidFill>
+                <a:latin typeface="+mn-lt"/>
+                <a:ea typeface="+mn-ea"/>
+                <a:cs typeface="+mn-cs"/>
+              </a:defRPr>
+            </a:lvl3pPr>
+            <a:lvl4pPr marL="1371600" indent="0" algn="ctr" defTabSz="914400" rtl="0" eaLnBrk="1" latinLnBrk="0" hangingPunct="1">
+              <a:lnSpc>
+                <a:spcPct val="120000"/>
+              </a:lnSpc>
+              <a:spcBef>
+                <a:spcPts val="500"/>
+              </a:spcBef>
+              <a:buFont typeface="Neue Haas Grotesk Text Pro" panose="020B0504020202020204" pitchFamily="34" charset="0"/>
+              <a:buNone/>
+              <a:defRPr sz="1600" kern="1200">
+                <a:solidFill>
+                  <a:schemeClr val="tx1"/>
+                </a:solidFill>
+                <a:latin typeface="+mn-lt"/>
+                <a:ea typeface="+mn-ea"/>
+                <a:cs typeface="+mn-cs"/>
+              </a:defRPr>
+            </a:lvl4pPr>
+            <a:lvl5pPr marL="1828800" indent="0" algn="ctr" defTabSz="914400" rtl="0" eaLnBrk="1" latinLnBrk="0" hangingPunct="1">
+              <a:lnSpc>
+                <a:spcPct val="120000"/>
+              </a:lnSpc>
+              <a:spcBef>
+                <a:spcPts val="500"/>
+              </a:spcBef>
+              <a:buFont typeface="Arial" panose="020B0604020202020204" pitchFamily="34" charset="0"/>
+              <a:buNone/>
+              <a:defRPr sz="1600" kern="1200">
+                <a:solidFill>
+                  <a:schemeClr val="tx1"/>
+                </a:solidFill>
+                <a:latin typeface="+mn-lt"/>
+                <a:ea typeface="+mn-ea"/>
+                <a:cs typeface="+mn-cs"/>
+              </a:defRPr>
+            </a:lvl5pPr>
+            <a:lvl6pPr marL="2286000" indent="0" algn="ctr" defTabSz="914400" rtl="0" eaLnBrk="1" latinLnBrk="0" hangingPunct="1">
+              <a:lnSpc>
+                <a:spcPct val="90000"/>
+              </a:lnSpc>
+              <a:spcBef>
+                <a:spcPts val="500"/>
+              </a:spcBef>
+              <a:buFont typeface="Arial" panose="020B0604020202020204" pitchFamily="34" charset="0"/>
+              <a:buNone/>
+              <a:defRPr sz="1600" kern="1200">
+                <a:solidFill>
+                  <a:schemeClr val="tx1"/>
+                </a:solidFill>
+                <a:latin typeface="+mn-lt"/>
+                <a:ea typeface="+mn-ea"/>
+                <a:cs typeface="+mn-cs"/>
+              </a:defRPr>
+            </a:lvl6pPr>
+            <a:lvl7pPr marL="2743200" indent="0" algn="ctr" defTabSz="914400" rtl="0" eaLnBrk="1" latinLnBrk="0" hangingPunct="1">
+              <a:lnSpc>
+                <a:spcPct val="90000"/>
+              </a:lnSpc>
+              <a:spcBef>
+                <a:spcPts val="500"/>
+              </a:spcBef>
+              <a:buFont typeface="Arial" panose="020B0604020202020204" pitchFamily="34" charset="0"/>
+              <a:buNone/>
+              <a:defRPr sz="1600" kern="1200">
+                <a:solidFill>
+                  <a:schemeClr val="tx1"/>
+                </a:solidFill>
+                <a:latin typeface="+mn-lt"/>
+                <a:ea typeface="+mn-ea"/>
+                <a:cs typeface="+mn-cs"/>
+              </a:defRPr>
+            </a:lvl7pPr>
+            <a:lvl8pPr marL="3200400" indent="0" algn="ctr" defTabSz="914400" rtl="0" eaLnBrk="1" latinLnBrk="0" hangingPunct="1">
+              <a:lnSpc>
+                <a:spcPct val="90000"/>
+              </a:lnSpc>
+              <a:spcBef>
+                <a:spcPts val="500"/>
+              </a:spcBef>
+              <a:buFont typeface="Arial" panose="020B0604020202020204" pitchFamily="34" charset="0"/>
+              <a:buNone/>
+              <a:defRPr sz="1600" kern="1200">
+                <a:solidFill>
+                  <a:schemeClr val="tx1"/>
+                </a:solidFill>
+                <a:latin typeface="+mn-lt"/>
+                <a:ea typeface="+mn-ea"/>
+                <a:cs typeface="+mn-cs"/>
+              </a:defRPr>
+            </a:lvl8pPr>
+            <a:lvl9pPr marL="3657600" indent="0" algn="ctr" defTabSz="914400" rtl="0" eaLnBrk="1" latinLnBrk="0" hangingPunct="1">
+              <a:lnSpc>
+                <a:spcPct val="90000"/>
+              </a:lnSpc>
+              <a:spcBef>
+                <a:spcPts val="500"/>
+              </a:spcBef>
+              <a:buFont typeface="Arial" panose="020B0604020202020204" pitchFamily="34" charset="0"/>
+              <a:buNone/>
+              <a:defRPr sz="1600" kern="1200">
+                <a:solidFill>
+                  <a:schemeClr val="tx1"/>
+                </a:solidFill>
+                <a:latin typeface="+mn-lt"/>
+                <a:ea typeface="+mn-ea"/>
+                <a:cs typeface="+mn-cs"/>
+              </a:defRPr>
+            </a:lvl9pPr>
+          </a:lstStyle>
+          <a:p>
+            <a:pPr marL="342900" indent="-342900">
+              <a:buFont typeface="Arial" panose="020B0604020202020204" pitchFamily="34" charset="0"/>
+              <a:buChar char="•"/>
+            </a:pPr>
+            <a:r>
+              <a:rPr lang="en-US" dirty="0"/>
+              <a:t>We can predict whether a review is negative or positive through NLP Modeling</a:t>
+            </a:r>
+          </a:p>
+          <a:p>
+            <a:pPr marL="342900" indent="-342900">
+              <a:buFont typeface="Arial" panose="020B0604020202020204" pitchFamily="34" charset="0"/>
+              <a:buChar char="•"/>
+            </a:pPr>
+            <a:r>
+              <a:rPr lang="en-US" dirty="0"/>
+              <a:t>Logistic Regression Models are the most accurate in their prediction for this dataset</a:t>
+            </a:r>
+          </a:p>
+          <a:p>
+            <a:pPr marL="342900" indent="-342900">
+              <a:buFont typeface="Arial" panose="020B0604020202020204" pitchFamily="34" charset="0"/>
+              <a:buChar char="•"/>
+            </a:pPr>
+            <a:r>
+              <a:rPr lang="en-US" dirty="0"/>
+              <a:t>More computational power could result in BERT winning accuracy</a:t>
+            </a:r>
+          </a:p>
+          <a:p>
+            <a:pPr marL="342900" indent="-342900">
+              <a:buFont typeface="Arial" panose="020B0604020202020204" pitchFamily="34" charset="0"/>
+              <a:buChar char="•"/>
+            </a:pPr>
+            <a:endParaRPr lang="en-US" dirty="0"/>
+          </a:p>
+        </p:txBody>
+      </p:sp>
+    </p:spTree>
+    <p:extLst>
+      <p:ext uri="{BB962C8B-B14F-4D97-AF65-F5344CB8AC3E}">
+        <p14:creationId xmlns:p14="http://schemas.microsoft.com/office/powerpoint/2010/main" val="1006877239"/>
+      </p:ext>
+    </p:extLst>
+  </p:cSld>
+  <p:clrMapOvr>
+    <a:masterClrMapping/>
+  </p:clrMapOvr>
+</p:sld>
+</file>
+
+<file path=ppt/slides/slide9.xml><?xml version="1.0" encoding="utf-8"?>
+<p:sld xmlns:a="http://schemas.openxmlformats.org/drawingml/2006/main" xmlns:r="http://schemas.openxmlformats.org/officeDocument/2006/relationships" xmlns:p="http://schemas.openxmlformats.org/presentationml/2006/main">
+  <p:cSld>
+    <p:spTree>
+      <p:nvGrpSpPr>
+        <p:cNvPr id="1" name=""/>
+        <p:cNvGrpSpPr/>
+        <p:nvPr/>
+      </p:nvGrpSpPr>
+      <p:grpSpPr>
+        <a:xfrm>
+          <a:off x="0" y="0"/>
+          <a:ext cx="0" cy="0"/>
+          <a:chOff x="0" y="0"/>
+          <a:chExt cx="0" cy="0"/>
+        </a:xfrm>
+      </p:grpSpPr>
+      <p:sp>
+        <p:nvSpPr>
+          <p:cNvPr id="2" name="Title 1">
+            <a:extLst>
+              <a:ext uri="{FF2B5EF4-FFF2-40B4-BE49-F238E27FC236}">
+                <a16:creationId xmlns:a16="http://schemas.microsoft.com/office/drawing/2014/main" id="{810707D2-00E0-7848-8FE2-80E443B3F690}"/>
+              </a:ext>
+            </a:extLst>
+          </p:cNvPr>
+          <p:cNvSpPr>
+            <a:spLocks noGrp="1"/>
+          </p:cNvSpPr>
+          <p:nvPr>
+            <p:ph type="ctrTitle"/>
+          </p:nvPr>
+        </p:nvSpPr>
+        <p:spPr>
+          <a:xfrm>
+            <a:off x="1066800" y="1084008"/>
+            <a:ext cx="6944436" cy="2090634"/>
+          </a:xfrm>
+        </p:spPr>
+        <p:txBody>
+          <a:bodyPr anchor="b">
+            <a:normAutofit/>
+          </a:bodyPr>
+          <a:lstStyle/>
+          <a:p>
+            <a:r>
+              <a:rPr lang="en-US" sz="5600"/>
+              <a:t>Recommendations	</a:t>
+            </a:r>
+          </a:p>
+        </p:txBody>
+      </p:sp>
+      <p:sp>
+        <p:nvSpPr>
+          <p:cNvPr id="8" name="Subtitle 2">
+            <a:extLst>
+              <a:ext uri="{FF2B5EF4-FFF2-40B4-BE49-F238E27FC236}">
+                <a16:creationId xmlns:a16="http://schemas.microsoft.com/office/drawing/2014/main" id="{FFF44CBA-6187-7260-37EE-B4BEA4B80ADC}"/>
+              </a:ext>
+            </a:extLst>
+          </p:cNvPr>
+          <p:cNvSpPr>
+            <a:spLocks noGrp="1"/>
+          </p:cNvSpPr>
+          <p:nvPr>
+            <p:ph type="subTitle" idx="1"/>
+          </p:nvPr>
+        </p:nvSpPr>
+        <p:spPr>
+          <a:xfrm>
+            <a:off x="1066800" y="2599984"/>
+            <a:ext cx="7874000" cy="1771136"/>
+          </a:xfrm>
+        </p:spPr>
+        <p:txBody>
+          <a:bodyPr>
+            <a:normAutofit fontScale="92500"/>
+          </a:bodyPr>
+          <a:lstStyle/>
+          <a:p>
+            <a:pPr marL="285750" indent="-285750">
+              <a:buFont typeface="Arial" panose="020B0604020202020204" pitchFamily="34" charset="0"/>
+              <a:buChar char="•"/>
+            </a:pPr>
+            <a:r>
+              <a:rPr lang="en-US" sz="1800" dirty="0">
+                <a:latin typeface="Calibri" panose="020F0502020204030204" pitchFamily="34" charset="0"/>
+                <a:cs typeface="Times New Roman" panose="02020603050405020304" pitchFamily="18" charset="0"/>
+              </a:rPr>
+              <a:t>Improve BERT by increasing training data size</a:t>
+            </a:r>
+          </a:p>
+          <a:p>
+            <a:pPr marL="285750" indent="-285750">
+              <a:buFont typeface="Arial" panose="020B0604020202020204" pitchFamily="34" charset="0"/>
+              <a:buChar char="•"/>
+            </a:pPr>
+            <a:r>
+              <a:rPr lang="en-US" sz="1800" dirty="0">
+                <a:latin typeface="Calibri" panose="020F0502020204030204" pitchFamily="34" charset="0"/>
+                <a:cs typeface="Times New Roman" panose="02020603050405020304" pitchFamily="18" charset="0"/>
+              </a:rPr>
+              <a:t>Deploy most successful model into production so nontechnical people may utilize it.</a:t>
+            </a:r>
+          </a:p>
+          <a:p>
+            <a:pPr marL="285750" indent="-285750">
+              <a:buFont typeface="Arial" panose="020B0604020202020204" pitchFamily="34" charset="0"/>
+              <a:buChar char="•"/>
+            </a:pPr>
+            <a:r>
+              <a:rPr lang="en-US" sz="1800" dirty="0">
+                <a:latin typeface="Calibri" panose="020F0502020204030204" pitchFamily="34" charset="0"/>
+                <a:cs typeface="Times New Roman" panose="02020603050405020304" pitchFamily="18" charset="0"/>
+              </a:rPr>
+              <a:t>Retrain on data labeled with all star counts so that it may predict actual star count</a:t>
+            </a:r>
+          </a:p>
+          <a:p>
+            <a:pPr marL="285750" indent="-285750">
+              <a:buFont typeface="Arial" panose="020B0604020202020204" pitchFamily="34" charset="0"/>
+              <a:buChar char="•"/>
+            </a:pPr>
+            <a:endParaRPr lang="en-US" sz="1800" dirty="0">
+              <a:effectLst/>
+              <a:latin typeface="Calibri" panose="020F0502020204030204" pitchFamily="34" charset="0"/>
+              <a:ea typeface="Calibri" panose="020F0502020204030204" pitchFamily="34" charset="0"/>
+              <a:cs typeface="Times New Roman" panose="02020603050405020304" pitchFamily="18" charset="0"/>
+            </a:endParaRPr>
+          </a:p>
+          <a:p>
+            <a:pPr marL="342900" indent="-342900">
+              <a:buFont typeface="Arial" panose="020B0604020202020204" pitchFamily="34" charset="0"/>
+              <a:buChar char="•"/>
+            </a:pPr>
+            <a:endParaRPr lang="en-US" dirty="0"/>
+          </a:p>
+        </p:txBody>
+      </p:sp>
+      <p:sp>
+        <p:nvSpPr>
+          <p:cNvPr id="14" name="Slide Number Placeholder 8">
+            <a:extLst>
+              <a:ext uri="{FF2B5EF4-FFF2-40B4-BE49-F238E27FC236}">
+                <a16:creationId xmlns:a16="http://schemas.microsoft.com/office/drawing/2014/main" id="{DD07FCD6-FE6A-38F4-3D58-E6D3DD6AD395}"/>
+              </a:ext>
+            </a:extLst>
+          </p:cNvPr>
+          <p:cNvSpPr>
+            <a:spLocks noGrp="1"/>
+          </p:cNvSpPr>
+          <p:nvPr>
+            <p:ph type="sldNum" sz="quarter" idx="12"/>
+          </p:nvPr>
+        </p:nvSpPr>
+        <p:spPr>
+          <a:xfrm>
+            <a:off x="11353800" y="6318446"/>
+            <a:ext cx="615696" cy="365125"/>
+          </a:xfrm>
+        </p:spPr>
+        <p:txBody>
+          <a:bodyPr/>
+          <a:lstStyle/>
+          <a:p>
+            <a:pPr>
+              <a:spcAft>
+                <a:spcPts val="600"/>
+              </a:spcAft>
+            </a:pPr>
+            <a:fld id="{5E84AC6A-A0EF-437B-BCEE-4772B0214A58}" type="slidenum">
+              <a:rPr lang="en-US" smtClean="0"/>
+              <a:pPr>
+                <a:spcAft>
+                  <a:spcPts val="600"/>
+                </a:spcAft>
+              </a:pPr>
+              <a:t>9</a:t>
+            </a:fld>
+            <a:endParaRPr lang="en-US"/>
+          </a:p>
+        </p:txBody>
+      </p:sp>
+    </p:spTree>
+    <p:extLst>
+      <p:ext uri="{BB962C8B-B14F-4D97-AF65-F5344CB8AC3E}">
+        <p14:creationId xmlns:p14="http://schemas.microsoft.com/office/powerpoint/2010/main" val="3271816647"/>
+      </p:ext>
+    </p:extLst>
+  </p:cSld>
+  <p:clrMapOvr>
+    <a:masterClrMapping/>
+  </p:clrMapOvr>
+</p:sld>
+</file>
+
 <file path=ppt/theme/theme1.xml><?xml version="1.0" encoding="utf-8"?>
-<a:theme xmlns:a="http://schemas.openxmlformats.org/drawingml/2006/main" name="Office Theme 2013 - 2022">
+<a:theme xmlns:a="http://schemas.openxmlformats.org/drawingml/2006/main" name="SwellVTI">
   <a:themeElements>
-    <a:clrScheme name="Office">
+    <a:clrScheme name="AnalogousFromLightSeedRightStep">
       <a:dk1>
-        <a:sysClr val="windowText" lastClr="000000"/>
+        <a:srgbClr val="000000"/>
       </a:dk1>
       <a:lt1>
-        <a:sysClr val="window" lastClr="FFFFFF"/>
+        <a:srgbClr val="FFFFFF"/>
       </a:lt1>
       <a:dk2>
-        <a:srgbClr val="44546A"/>
+        <a:srgbClr val="243841"/>
       </a:dk2>
       <a:lt2>
-        <a:srgbClr val="E7E6E6"/>
+        <a:srgbClr val="E2E4E8"/>
       </a:lt2>
       <a:accent1>
-        <a:srgbClr val="4472C4"/>
+        <a:srgbClr val="B49E7A"/>
       </a:accent1>
       <a:accent2>
-        <a:srgbClr val="ED7D31"/>
+        <a:srgbClr val="A2A56E"/>
       </a:accent2>
       <a:accent3>
-        <a:srgbClr val="A5A5A5"/>
+        <a:srgbClr val="94A77D"/>
       </a:accent3>
       <a:accent4>
-        <a:srgbClr val="FFC000"/>
+        <a:srgbClr val="7BAC73"/>
       </a:accent4>
       <a:accent5>
-        <a:srgbClr val="5B9BD5"/>
+        <a:srgbClr val="80AC8D"/>
       </a:accent5>
       <a:accent6>
-        <a:srgbClr val="70AD47"/>
+        <a:srgbClr val="74AE9D"/>
       </a:accent6>
       <a:hlink>
-        <a:srgbClr val="0563C1"/>
+        <a:srgbClr val="6983AE"/>
       </a:hlink>
       <a:folHlink>
-        <a:srgbClr val="954F72"/>
+        <a:srgbClr val="7F7F7F"/>
       </a:folHlink>
     </a:clrScheme>
-    <a:fontScheme name="Office">
+    <a:fontScheme name="Neue Haas">
       <a:majorFont>
-        <a:latin typeface="Calibri Light" panose="020F0302020204030204"/>
+        <a:latin typeface="Neue Haas Grotesk Text Pro"/>
         <a:ea typeface=""/>
         <a:cs typeface=""/>
-        <a:font script="Jpan" typeface="游ゴシック Light"/>
-        <a:font script="Hang" typeface="맑은 고딕"/>
-        <a:font script="Hans" typeface="等线 Light"/>
-        <a:font script="Hant" typeface="新細明體"/>
-        <a:font script="Arab" typeface="Times New Roman"/>
-        <a:font script="Hebr" typeface="Times New Roman"/>
-        <a:font script="Thai" typeface="Angsana New"/>
-        <a:font script="Ethi" typeface="Nyala"/>
-        <a:font script="Beng" typeface="Vrinda"/>
-        <a:font script="Gujr" typeface="Shruti"/>
-        <a:font script="Khmr" typeface="MoolBoran"/>
-        <a:font script="Knda" typeface="Tunga"/>
-        <a:font script="Guru" typeface="Raavi"/>
-        <a:font script="Cans" typeface="Euphemia"/>
-        <a:font script="Cher" typeface="Plantagenet Cherokee"/>
-        <a:font script="Yiii" typeface="Microsoft Yi Baiti"/>
-        <a:font script="Tibt" typeface="Microsoft Himalaya"/>
-        <a:font script="Thaa" typeface="MV Boli"/>
-        <a:font script="Deva" typeface="Mangal"/>
-        <a:font script="Telu" typeface="Gautami"/>
-        <a:font script="Taml" typeface="Latha"/>
-        <a:font script="Syrc" typeface="Estrangelo Edessa"/>
-        <a:font script="Orya" typeface="Kalinga"/>
-        <a:font script="Mlym" typeface="Kartika"/>
-        <a:font script="Laoo" typeface="DokChampa"/>
-        <a:font script="Sinh" typeface="Iskoola Pota"/>
-        <a:font script="Mong" typeface="Mongolian Baiti"/>
-        <a:font script="Viet" typeface="Times New Roman"/>
-        <a:font script="Uigh" typeface="Microsoft Uighur"/>
-        <a:font script="Geor" typeface="Sylfaen"/>
-        <a:font script="Armn" typeface="Arial"/>
-        <a:font script="Bugi" typeface="Leelawadee UI"/>
-        <a:font script="Bopo" typeface="Microsoft JhengHei"/>
-        <a:font script="Java" typeface="Javanese Text"/>
-        <a:font script="Lisu" typeface="Segoe UI"/>
-        <a:font script="Mymr" typeface="Myanmar Text"/>
-        <a:font script="Nkoo" typeface="Ebrima"/>
-        <a:font script="Olck" typeface="Nirmala UI"/>
-        <a:font script="Osma" typeface="Ebrima"/>
-        <a:font script="Phag" typeface="Phagspa"/>
-        <a:font script="Syrn" typeface="Estrangelo Edessa"/>
-        <a:font script="Syrj" typeface="Estrangelo Edessa"/>
-        <a:font script="Syre" typeface="Estrangelo Edessa"/>
-        <a:font script="Sora" typeface="Nirmala UI"/>
-        <a:font script="Tale" typeface="Microsoft Tai Le"/>
-        <a:font script="Talu" typeface="Microsoft New Tai Lue"/>
-        <a:font script="Tfng" typeface="Ebrima"/>
       </a:majorFont>
       <a:minorFont>
-        <a:latin typeface="Calibri" panose="020F0502020204030204"/>
+        <a:latin typeface="Neue Haas Grotesk Text Pro"/>
         <a:ea typeface=""/>
         <a:cs typeface=""/>
-        <a:font script="Jpan" typeface="游ゴシック"/>
-        <a:font script="Hang" typeface="맑은 고딕"/>
-        <a:font script="Hans" typeface="等线"/>
-        <a:font script="Hant" typeface="新細明體"/>
-        <a:font script="Arab" typeface="Arial"/>
-        <a:font script="Hebr" typeface="Arial"/>
-        <a:font script="Thai" typeface="Cordia New"/>
-        <a:font script="Ethi" typeface="Nyala"/>
-        <a:font script="Beng" typeface="Vrinda"/>
-        <a:font script="Gujr" typeface="Shruti"/>
-        <a:font script="Khmr" typeface="DaunPenh"/>
-        <a:font script="Knda" typeface="Tunga"/>
-        <a:font script="Guru" typeface="Raavi"/>
-        <a:font script="Cans" typeface="Euphemia"/>
-        <a:font script="Cher" typeface="Plantagenet Cherokee"/>
-        <a:font script="Yiii" typeface="Microsoft Yi Baiti"/>
-        <a:font script="Tibt" typeface="Microsoft Himalaya"/>
-        <a:font script="Thaa" typeface="MV Boli"/>
-        <a:font script="Deva" typeface="Mangal"/>
-        <a:font script="Telu" typeface="Gautami"/>
-        <a:font script="Taml" typeface="Latha"/>
-        <a:font script="Syrc" typeface="Estrangelo Edessa"/>
-        <a:font script="Orya" typeface="Kalinga"/>
-        <a:font script="Mlym" typeface="Kartika"/>
-        <a:font script="Laoo" typeface="DokChampa"/>
-        <a:font script="Sinh" typeface="Iskoola Pota"/>
-        <a:font script="Mong" typeface="Mongolian Baiti"/>
-        <a:font script="Viet" typeface="Arial"/>
-        <a:font script="Uigh" typeface="Microsoft Uighur"/>
-        <a:font script="Geor" typeface="Sylfaen"/>
-        <a:font script="Armn" typeface="Arial"/>
-        <a:font script="Bugi" typeface="Leelawadee UI"/>
-        <a:font script="Bopo" typeface="Microsoft JhengHei"/>
-        <a:font script="Java" typeface="Javanese Text"/>
-        <a:font script="Lisu" typeface="Segoe UI"/>
-        <a:font script="Mymr" typeface="Myanmar Text"/>
-        <a:font script="Nkoo" typeface="Ebrima"/>
-        <a:font script="Olck" typeface="Nirmala UI"/>
-        <a:font script="Osma" typeface="Ebrima"/>
-        <a:font script="Phag" typeface="Phagspa"/>
-        <a:font script="Syrn" typeface="Estrangelo Edessa"/>
-        <a:font script="Syrj" typeface="Estrangelo Edessa"/>
-        <a:font script="Syre" typeface="Estrangelo Edessa"/>
-        <a:font script="Sora" typeface="Nirmala UI"/>
-        <a:font script="Tale" typeface="Microsoft Tai Le"/>
-        <a:font script="Talu" typeface="Microsoft New Tai Lue"/>
-        <a:font script="Tfng" typeface="Ebrima"/>
       </a:minorFont>
     </a:fontScheme>
     <a:fmtScheme name="Office">
@@ -3707,7 +9873,7 @@
   <a:extraClrSchemeLst/>
   <a:extLst>
     <a:ext uri="{05A4C25C-085E-4340-85A3-A5531E510DB2}">
-      <thm15:themeFamily xmlns:thm15="http://schemas.microsoft.com/office/thememl/2012/main" name="Office Theme 2013 - 2022" id="{62F939B6-93AF-4DB8-9C6B-D6C7DFDC589F}" vid="{4A3C46E8-61CC-4603-A589-7422A47A8E4A}"/>
+      <thm15:themeFamily xmlns:thm15="http://schemas.microsoft.com/office/thememl/2012/main" name="SwellVTI" id="{8361A04D-931A-43DC-973B-1B0B1DD5DECC}" vid="{6DDB23E8-D18E-4BDA-98D6-324466149EBD}"/>
     </a:ext>
   </a:extLst>
 </a:theme>
